--- a/Document/2_Software Architect Documentation/프레젠테이션1.pptx
+++ b/Document/2_Software Architect Documentation/프레젠테이션1.pptx
@@ -2,18 +2,29 @@
 <file path=ppt/presentation.xml><?xml version="1.0" encoding="utf-8"?>
 <p:presentation xmlns:a="http://schemas.openxmlformats.org/drawingml/2006/main" xmlns:r="http://schemas.openxmlformats.org/officeDocument/2006/relationships" xmlns:p="http://schemas.openxmlformats.org/presentationml/2006/main" saveSubsetFonts="1" autoCompressPictures="0">
   <p:sldMasterIdLst>
-    <p:sldMasterId id="2147483648" r:id="rId1"/>
+    <p:sldMasterId id="2147483660" r:id="rId1"/>
   </p:sldMasterIdLst>
+  <p:notesMasterIdLst>
+    <p:notesMasterId r:id="rId11"/>
+  </p:notesMasterIdLst>
   <p:sldIdLst>
     <p:sldId id="256" r:id="rId2"/>
+    <p:sldId id="257" r:id="rId3"/>
+    <p:sldId id="265" r:id="rId4"/>
+    <p:sldId id="260" r:id="rId5"/>
+    <p:sldId id="261" r:id="rId6"/>
+    <p:sldId id="262" r:id="rId7"/>
+    <p:sldId id="266" r:id="rId8"/>
+    <p:sldId id="263" r:id="rId9"/>
+    <p:sldId id="264" r:id="rId10"/>
   </p:sldIdLst>
-  <p:sldSz cx="12192000" cy="6858000"/>
+  <p:sldSz cx="9144000" cy="6858000" type="screen4x3"/>
   <p:notesSz cx="6858000" cy="9144000"/>
   <p:defaultTextStyle>
     <a:defPPr>
-      <a:defRPr lang="ko-KR"/>
+      <a:defRPr lang="en-US"/>
     </a:defPPr>
-    <a:lvl1pPr marL="0" algn="l" defTabSz="914400" rtl="0" eaLnBrk="1" latinLnBrk="1" hangingPunct="1">
+    <a:lvl1pPr marL="0" algn="l" defTabSz="457200" rtl="0" eaLnBrk="1" latinLnBrk="0" hangingPunct="1">
       <a:defRPr sz="1800" kern="1200">
         <a:solidFill>
           <a:schemeClr val="tx1"/>
@@ -23,7 +34,7 @@
         <a:cs typeface="+mn-cs"/>
       </a:defRPr>
     </a:lvl1pPr>
-    <a:lvl2pPr marL="457200" algn="l" defTabSz="914400" rtl="0" eaLnBrk="1" latinLnBrk="1" hangingPunct="1">
+    <a:lvl2pPr marL="457200" algn="l" defTabSz="457200" rtl="0" eaLnBrk="1" latinLnBrk="0" hangingPunct="1">
       <a:defRPr sz="1800" kern="1200">
         <a:solidFill>
           <a:schemeClr val="tx1"/>
@@ -33,7 +44,7 @@
         <a:cs typeface="+mn-cs"/>
       </a:defRPr>
     </a:lvl2pPr>
-    <a:lvl3pPr marL="914400" algn="l" defTabSz="914400" rtl="0" eaLnBrk="1" latinLnBrk="1" hangingPunct="1">
+    <a:lvl3pPr marL="914400" algn="l" defTabSz="457200" rtl="0" eaLnBrk="1" latinLnBrk="0" hangingPunct="1">
       <a:defRPr sz="1800" kern="1200">
         <a:solidFill>
           <a:schemeClr val="tx1"/>
@@ -43,7 +54,7 @@
         <a:cs typeface="+mn-cs"/>
       </a:defRPr>
     </a:lvl3pPr>
-    <a:lvl4pPr marL="1371600" algn="l" defTabSz="914400" rtl="0" eaLnBrk="1" latinLnBrk="1" hangingPunct="1">
+    <a:lvl4pPr marL="1371600" algn="l" defTabSz="457200" rtl="0" eaLnBrk="1" latinLnBrk="0" hangingPunct="1">
       <a:defRPr sz="1800" kern="1200">
         <a:solidFill>
           <a:schemeClr val="tx1"/>
@@ -53,7 +64,7 @@
         <a:cs typeface="+mn-cs"/>
       </a:defRPr>
     </a:lvl4pPr>
-    <a:lvl5pPr marL="1828800" algn="l" defTabSz="914400" rtl="0" eaLnBrk="1" latinLnBrk="1" hangingPunct="1">
+    <a:lvl5pPr marL="1828800" algn="l" defTabSz="457200" rtl="0" eaLnBrk="1" latinLnBrk="0" hangingPunct="1">
       <a:defRPr sz="1800" kern="1200">
         <a:solidFill>
           <a:schemeClr val="tx1"/>
@@ -63,7 +74,7 @@
         <a:cs typeface="+mn-cs"/>
       </a:defRPr>
     </a:lvl5pPr>
-    <a:lvl6pPr marL="2286000" algn="l" defTabSz="914400" rtl="0" eaLnBrk="1" latinLnBrk="1" hangingPunct="1">
+    <a:lvl6pPr marL="2286000" algn="l" defTabSz="457200" rtl="0" eaLnBrk="1" latinLnBrk="0" hangingPunct="1">
       <a:defRPr sz="1800" kern="1200">
         <a:solidFill>
           <a:schemeClr val="tx1"/>
@@ -73,7 +84,7 @@
         <a:cs typeface="+mn-cs"/>
       </a:defRPr>
     </a:lvl6pPr>
-    <a:lvl7pPr marL="2743200" algn="l" defTabSz="914400" rtl="0" eaLnBrk="1" latinLnBrk="1" hangingPunct="1">
+    <a:lvl7pPr marL="2743200" algn="l" defTabSz="457200" rtl="0" eaLnBrk="1" latinLnBrk="0" hangingPunct="1">
       <a:defRPr sz="1800" kern="1200">
         <a:solidFill>
           <a:schemeClr val="tx1"/>
@@ -83,7 +94,7 @@
         <a:cs typeface="+mn-cs"/>
       </a:defRPr>
     </a:lvl7pPr>
-    <a:lvl8pPr marL="3200400" algn="l" defTabSz="914400" rtl="0" eaLnBrk="1" latinLnBrk="1" hangingPunct="1">
+    <a:lvl8pPr marL="3200400" algn="l" defTabSz="457200" rtl="0" eaLnBrk="1" latinLnBrk="0" hangingPunct="1">
       <a:defRPr sz="1800" kern="1200">
         <a:solidFill>
           <a:schemeClr val="tx1"/>
@@ -93,7 +104,7 @@
         <a:cs typeface="+mn-cs"/>
       </a:defRPr>
     </a:lvl8pPr>
-    <a:lvl9pPr marL="3657600" algn="l" defTabSz="914400" rtl="0" eaLnBrk="1" latinLnBrk="1" hangingPunct="1">
+    <a:lvl9pPr marL="3657600" algn="l" defTabSz="457200" rtl="0" eaLnBrk="1" latinLnBrk="0" hangingPunct="1">
       <a:defRPr sz="1800" kern="1200">
         <a:solidFill>
           <a:schemeClr val="tx1"/>
@@ -105,6 +116,439 @@
     </a:lvl9pPr>
   </p:defaultTextStyle>
 </p:presentation>
+</file>
+
+<file path=ppt/notesMasters/notesMaster1.xml><?xml version="1.0" encoding="utf-8"?>
+<p:notesMaster xmlns:a="http://schemas.openxmlformats.org/drawingml/2006/main" xmlns:r="http://schemas.openxmlformats.org/officeDocument/2006/relationships" xmlns:p="http://schemas.openxmlformats.org/presentationml/2006/main">
+  <p:cSld>
+    <p:bg>
+      <p:bgRef idx="1001">
+        <a:schemeClr val="bg1"/>
+      </p:bgRef>
+    </p:bg>
+    <p:spTree>
+      <p:nvGrpSpPr>
+        <p:cNvPr id="1" name=""/>
+        <p:cNvGrpSpPr/>
+        <p:nvPr/>
+      </p:nvGrpSpPr>
+      <p:grpSpPr>
+        <a:xfrm>
+          <a:off x="0" y="0"/>
+          <a:ext cx="0" cy="0"/>
+          <a:chOff x="0" y="0"/>
+          <a:chExt cx="0" cy="0"/>
+        </a:xfrm>
+      </p:grpSpPr>
+      <p:sp>
+        <p:nvSpPr>
+          <p:cNvPr id="2" name="머리글 개체 틀 1"/>
+          <p:cNvSpPr>
+            <a:spLocks noGrp="1"/>
+          </p:cNvSpPr>
+          <p:nvPr>
+            <p:ph type="hdr" sz="quarter"/>
+          </p:nvPr>
+        </p:nvSpPr>
+        <p:spPr>
+          <a:xfrm>
+            <a:off x="0" y="0"/>
+            <a:ext cx="2971800" cy="458788"/>
+          </a:xfrm>
+          <a:prstGeom prst="rect">
+            <a:avLst/>
+          </a:prstGeom>
+        </p:spPr>
+        <p:txBody>
+          <a:bodyPr vert="horz" lIns="91440" tIns="45720" rIns="91440" bIns="45720" rtlCol="0"/>
+          <a:lstStyle>
+            <a:lvl1pPr algn="l">
+              <a:defRPr sz="1200"/>
+            </a:lvl1pPr>
+          </a:lstStyle>
+          <a:p>
+            <a:endParaRPr kumimoji="1" lang="ko-KR" altLang="en-US"/>
+          </a:p>
+        </p:txBody>
+      </p:sp>
+      <p:sp>
+        <p:nvSpPr>
+          <p:cNvPr id="3" name="날짜 개체 틀 2"/>
+          <p:cNvSpPr>
+            <a:spLocks noGrp="1"/>
+          </p:cNvSpPr>
+          <p:nvPr>
+            <p:ph type="dt" idx="1"/>
+          </p:nvPr>
+        </p:nvSpPr>
+        <p:spPr>
+          <a:xfrm>
+            <a:off x="3884613" y="0"/>
+            <a:ext cx="2971800" cy="458788"/>
+          </a:xfrm>
+          <a:prstGeom prst="rect">
+            <a:avLst/>
+          </a:prstGeom>
+        </p:spPr>
+        <p:txBody>
+          <a:bodyPr vert="horz" lIns="91440" tIns="45720" rIns="91440" bIns="45720" rtlCol="0"/>
+          <a:lstStyle>
+            <a:lvl1pPr algn="r">
+              <a:defRPr sz="1200"/>
+            </a:lvl1pPr>
+          </a:lstStyle>
+          <a:p>
+            <a:fld id="{308A04E4-E20C-5D45-858C-98614247326D}" type="datetimeFigureOut">
+              <a:rPr kumimoji="1" lang="ko-KR" altLang="en-US" smtClean="0"/>
+              <a:t>2019. 10. 29.</a:t>
+            </a:fld>
+            <a:endParaRPr kumimoji="1" lang="ko-KR" altLang="en-US"/>
+          </a:p>
+        </p:txBody>
+      </p:sp>
+      <p:sp>
+        <p:nvSpPr>
+          <p:cNvPr id="4" name="슬라이드 이미지 개체 틀 3"/>
+          <p:cNvSpPr>
+            <a:spLocks noGrp="1" noRot="1" noChangeAspect="1"/>
+          </p:cNvSpPr>
+          <p:nvPr>
+            <p:ph type="sldImg" idx="2"/>
+          </p:nvPr>
+        </p:nvSpPr>
+        <p:spPr>
+          <a:xfrm>
+            <a:off x="1371600" y="1143000"/>
+            <a:ext cx="4114800" cy="3086100"/>
+          </a:xfrm>
+          <a:prstGeom prst="rect">
+            <a:avLst/>
+          </a:prstGeom>
+          <a:noFill/>
+          <a:ln w="12700">
+            <a:solidFill>
+              <a:prstClr val="black"/>
+            </a:solidFill>
+          </a:ln>
+        </p:spPr>
+        <p:txBody>
+          <a:bodyPr vert="horz" lIns="91440" tIns="45720" rIns="91440" bIns="45720" rtlCol="0" anchor="ctr"/>
+          <a:lstStyle/>
+          <a:p>
+            <a:endParaRPr lang="ko-KR" altLang="en-US"/>
+          </a:p>
+        </p:txBody>
+      </p:sp>
+      <p:sp>
+        <p:nvSpPr>
+          <p:cNvPr id="5" name="슬라이드 노트 개체 틀 4"/>
+          <p:cNvSpPr>
+            <a:spLocks noGrp="1"/>
+          </p:cNvSpPr>
+          <p:nvPr>
+            <p:ph type="body" sz="quarter" idx="3"/>
+          </p:nvPr>
+        </p:nvSpPr>
+        <p:spPr>
+          <a:xfrm>
+            <a:off x="685800" y="4400550"/>
+            <a:ext cx="5486400" cy="3600450"/>
+          </a:xfrm>
+          <a:prstGeom prst="rect">
+            <a:avLst/>
+          </a:prstGeom>
+        </p:spPr>
+        <p:txBody>
+          <a:bodyPr vert="horz" lIns="91440" tIns="45720" rIns="91440" bIns="45720" rtlCol="0"/>
+          <a:lstStyle/>
+          <a:p>
+            <a:pPr lvl="0"/>
+            <a:r>
+              <a:rPr kumimoji="1" lang="ko-KR" altLang="en-US"/>
+              <a:t>마스터 텍스트 스타일을 편집하려면 클릭</a:t>
+            </a:r>
+          </a:p>
+          <a:p>
+            <a:pPr lvl="1"/>
+            <a:r>
+              <a:rPr kumimoji="1" lang="ko-KR" altLang="en-US"/>
+              <a:t>두 번째 수준</a:t>
+            </a:r>
+          </a:p>
+          <a:p>
+            <a:pPr lvl="2"/>
+            <a:r>
+              <a:rPr kumimoji="1" lang="ko-KR" altLang="en-US"/>
+              <a:t>세 번째 수준</a:t>
+            </a:r>
+          </a:p>
+          <a:p>
+            <a:pPr lvl="3"/>
+            <a:r>
+              <a:rPr kumimoji="1" lang="ko-KR" altLang="en-US"/>
+              <a:t>네 번째 수준</a:t>
+            </a:r>
+          </a:p>
+          <a:p>
+            <a:pPr lvl="4"/>
+            <a:r>
+              <a:rPr kumimoji="1" lang="ko-KR" altLang="en-US"/>
+              <a:t>다섯 번째 수준</a:t>
+            </a:r>
+          </a:p>
+        </p:txBody>
+      </p:sp>
+      <p:sp>
+        <p:nvSpPr>
+          <p:cNvPr id="6" name="바닥글 개체 틀 5"/>
+          <p:cNvSpPr>
+            <a:spLocks noGrp="1"/>
+          </p:cNvSpPr>
+          <p:nvPr>
+            <p:ph type="ftr" sz="quarter" idx="4"/>
+          </p:nvPr>
+        </p:nvSpPr>
+        <p:spPr>
+          <a:xfrm>
+            <a:off x="0" y="8685213"/>
+            <a:ext cx="2971800" cy="458787"/>
+          </a:xfrm>
+          <a:prstGeom prst="rect">
+            <a:avLst/>
+          </a:prstGeom>
+        </p:spPr>
+        <p:txBody>
+          <a:bodyPr vert="horz" lIns="91440" tIns="45720" rIns="91440" bIns="45720" rtlCol="0" anchor="b"/>
+          <a:lstStyle>
+            <a:lvl1pPr algn="l">
+              <a:defRPr sz="1200"/>
+            </a:lvl1pPr>
+          </a:lstStyle>
+          <a:p>
+            <a:endParaRPr kumimoji="1" lang="ko-KR" altLang="en-US"/>
+          </a:p>
+        </p:txBody>
+      </p:sp>
+      <p:sp>
+        <p:nvSpPr>
+          <p:cNvPr id="7" name="슬라이드 번호 개체 틀 6"/>
+          <p:cNvSpPr>
+            <a:spLocks noGrp="1"/>
+          </p:cNvSpPr>
+          <p:nvPr>
+            <p:ph type="sldNum" sz="quarter" idx="5"/>
+          </p:nvPr>
+        </p:nvSpPr>
+        <p:spPr>
+          <a:xfrm>
+            <a:off x="3884613" y="8685213"/>
+            <a:ext cx="2971800" cy="458787"/>
+          </a:xfrm>
+          <a:prstGeom prst="rect">
+            <a:avLst/>
+          </a:prstGeom>
+        </p:spPr>
+        <p:txBody>
+          <a:bodyPr vert="horz" lIns="91440" tIns="45720" rIns="91440" bIns="45720" rtlCol="0" anchor="b"/>
+          <a:lstStyle>
+            <a:lvl1pPr algn="r">
+              <a:defRPr sz="1200"/>
+            </a:lvl1pPr>
+          </a:lstStyle>
+          <a:p>
+            <a:fld id="{8715AA25-EEBE-B246-B1E2-0472C41AADB8}" type="slidenum">
+              <a:rPr kumimoji="1" lang="ko-KR" altLang="en-US" smtClean="0"/>
+              <a:t>‹#›</a:t>
+            </a:fld>
+            <a:endParaRPr kumimoji="1" lang="ko-KR" altLang="en-US"/>
+          </a:p>
+        </p:txBody>
+      </p:sp>
+    </p:spTree>
+    <p:extLst>
+      <p:ext uri="{BB962C8B-B14F-4D97-AF65-F5344CB8AC3E}">
+        <p14:creationId xmlns:p14="http://schemas.microsoft.com/office/powerpoint/2010/main" val="622451488"/>
+      </p:ext>
+    </p:extLst>
+  </p:cSld>
+  <p:clrMap bg1="lt1" tx1="dk1" bg2="lt2" tx2="dk2" accent1="accent1" accent2="accent2" accent3="accent3" accent4="accent4" accent5="accent5" accent6="accent6" hlink="hlink" folHlink="folHlink"/>
+  <p:notesStyle>
+    <a:lvl1pPr marL="0" algn="l" defTabSz="914377" rtl="0" eaLnBrk="1" latinLnBrk="1" hangingPunct="1">
+      <a:defRPr sz="1200" kern="1200">
+        <a:solidFill>
+          <a:schemeClr val="tx1"/>
+        </a:solidFill>
+        <a:latin typeface="+mn-lt"/>
+        <a:ea typeface="+mn-ea"/>
+        <a:cs typeface="+mn-cs"/>
+      </a:defRPr>
+    </a:lvl1pPr>
+    <a:lvl2pPr marL="457189" algn="l" defTabSz="914377" rtl="0" eaLnBrk="1" latinLnBrk="1" hangingPunct="1">
+      <a:defRPr sz="1200" kern="1200">
+        <a:solidFill>
+          <a:schemeClr val="tx1"/>
+        </a:solidFill>
+        <a:latin typeface="+mn-lt"/>
+        <a:ea typeface="+mn-ea"/>
+        <a:cs typeface="+mn-cs"/>
+      </a:defRPr>
+    </a:lvl2pPr>
+    <a:lvl3pPr marL="914377" algn="l" defTabSz="914377" rtl="0" eaLnBrk="1" latinLnBrk="1" hangingPunct="1">
+      <a:defRPr sz="1200" kern="1200">
+        <a:solidFill>
+          <a:schemeClr val="tx1"/>
+        </a:solidFill>
+        <a:latin typeface="+mn-lt"/>
+        <a:ea typeface="+mn-ea"/>
+        <a:cs typeface="+mn-cs"/>
+      </a:defRPr>
+    </a:lvl3pPr>
+    <a:lvl4pPr marL="1371566" algn="l" defTabSz="914377" rtl="0" eaLnBrk="1" latinLnBrk="1" hangingPunct="1">
+      <a:defRPr sz="1200" kern="1200">
+        <a:solidFill>
+          <a:schemeClr val="tx1"/>
+        </a:solidFill>
+        <a:latin typeface="+mn-lt"/>
+        <a:ea typeface="+mn-ea"/>
+        <a:cs typeface="+mn-cs"/>
+      </a:defRPr>
+    </a:lvl4pPr>
+    <a:lvl5pPr marL="1828754" algn="l" defTabSz="914377" rtl="0" eaLnBrk="1" latinLnBrk="1" hangingPunct="1">
+      <a:defRPr sz="1200" kern="1200">
+        <a:solidFill>
+          <a:schemeClr val="tx1"/>
+        </a:solidFill>
+        <a:latin typeface="+mn-lt"/>
+        <a:ea typeface="+mn-ea"/>
+        <a:cs typeface="+mn-cs"/>
+      </a:defRPr>
+    </a:lvl5pPr>
+    <a:lvl6pPr marL="2285943" algn="l" defTabSz="914377" rtl="0" eaLnBrk="1" latinLnBrk="1" hangingPunct="1">
+      <a:defRPr sz="1200" kern="1200">
+        <a:solidFill>
+          <a:schemeClr val="tx1"/>
+        </a:solidFill>
+        <a:latin typeface="+mn-lt"/>
+        <a:ea typeface="+mn-ea"/>
+        <a:cs typeface="+mn-cs"/>
+      </a:defRPr>
+    </a:lvl6pPr>
+    <a:lvl7pPr marL="2743131" algn="l" defTabSz="914377" rtl="0" eaLnBrk="1" latinLnBrk="1" hangingPunct="1">
+      <a:defRPr sz="1200" kern="1200">
+        <a:solidFill>
+          <a:schemeClr val="tx1"/>
+        </a:solidFill>
+        <a:latin typeface="+mn-lt"/>
+        <a:ea typeface="+mn-ea"/>
+        <a:cs typeface="+mn-cs"/>
+      </a:defRPr>
+    </a:lvl7pPr>
+    <a:lvl8pPr marL="3200320" algn="l" defTabSz="914377" rtl="0" eaLnBrk="1" latinLnBrk="1" hangingPunct="1">
+      <a:defRPr sz="1200" kern="1200">
+        <a:solidFill>
+          <a:schemeClr val="tx1"/>
+        </a:solidFill>
+        <a:latin typeface="+mn-lt"/>
+        <a:ea typeface="+mn-ea"/>
+        <a:cs typeface="+mn-cs"/>
+      </a:defRPr>
+    </a:lvl8pPr>
+    <a:lvl9pPr marL="3657509" algn="l" defTabSz="914377" rtl="0" eaLnBrk="1" latinLnBrk="1" hangingPunct="1">
+      <a:defRPr sz="1200" kern="1200">
+        <a:solidFill>
+          <a:schemeClr val="tx1"/>
+        </a:solidFill>
+        <a:latin typeface="+mn-lt"/>
+        <a:ea typeface="+mn-ea"/>
+        <a:cs typeface="+mn-cs"/>
+      </a:defRPr>
+    </a:lvl9pPr>
+  </p:notesStyle>
+</p:notesMaster>
+</file>
+
+<file path=ppt/notesSlides/notesSlide1.xml><?xml version="1.0" encoding="utf-8"?>
+<p:notes xmlns:a="http://schemas.openxmlformats.org/drawingml/2006/main" xmlns:r="http://schemas.openxmlformats.org/officeDocument/2006/relationships" xmlns:p="http://schemas.openxmlformats.org/presentationml/2006/main">
+  <p:cSld>
+    <p:spTree>
+      <p:nvGrpSpPr>
+        <p:cNvPr id="1" name=""/>
+        <p:cNvGrpSpPr/>
+        <p:nvPr/>
+      </p:nvGrpSpPr>
+      <p:grpSpPr>
+        <a:xfrm>
+          <a:off x="0" y="0"/>
+          <a:ext cx="0" cy="0"/>
+          <a:chOff x="0" y="0"/>
+          <a:chExt cx="0" cy="0"/>
+        </a:xfrm>
+      </p:grpSpPr>
+      <p:sp>
+        <p:nvSpPr>
+          <p:cNvPr id="2" name="슬라이드 이미지 개체 틀 1"/>
+          <p:cNvSpPr>
+            <a:spLocks noGrp="1" noRot="1" noChangeAspect="1"/>
+          </p:cNvSpPr>
+          <p:nvPr>
+            <p:ph type="sldImg"/>
+          </p:nvPr>
+        </p:nvSpPr>
+        <p:spPr/>
+      </p:sp>
+      <p:sp>
+        <p:nvSpPr>
+          <p:cNvPr id="3" name="슬라이드 노트 개체 틀 2"/>
+          <p:cNvSpPr>
+            <a:spLocks noGrp="1"/>
+          </p:cNvSpPr>
+          <p:nvPr>
+            <p:ph type="body" idx="1"/>
+          </p:nvPr>
+        </p:nvSpPr>
+        <p:spPr/>
+        <p:txBody>
+          <a:bodyPr/>
+          <a:lstStyle/>
+          <a:p>
+            <a:endParaRPr kumimoji="1" lang="ko-KR" altLang="en-US"/>
+          </a:p>
+        </p:txBody>
+      </p:sp>
+      <p:sp>
+        <p:nvSpPr>
+          <p:cNvPr id="4" name="슬라이드 번호 개체 틀 3"/>
+          <p:cNvSpPr>
+            <a:spLocks noGrp="1"/>
+          </p:cNvSpPr>
+          <p:nvPr>
+            <p:ph type="sldNum" sz="quarter" idx="5"/>
+          </p:nvPr>
+        </p:nvSpPr>
+        <p:spPr/>
+        <p:txBody>
+          <a:bodyPr/>
+          <a:lstStyle/>
+          <a:p>
+            <a:fld id="{8715AA25-EEBE-B246-B1E2-0472C41AADB8}" type="slidenum">
+              <a:rPr kumimoji="1" lang="ko-KR" altLang="en-US" smtClean="0"/>
+              <a:t>3</a:t>
+            </a:fld>
+            <a:endParaRPr kumimoji="1" lang="ko-KR" altLang="en-US"/>
+          </a:p>
+        </p:txBody>
+      </p:sp>
+    </p:spTree>
+    <p:extLst>
+      <p:ext uri="{BB962C8B-B14F-4D97-AF65-F5344CB8AC3E}">
+        <p14:creationId xmlns:p14="http://schemas.microsoft.com/office/powerpoint/2010/main" val="2859369245"/>
+      </p:ext>
+    </p:extLst>
+  </p:cSld>
+  <p:clrMapOvr>
+    <a:masterClrMapping/>
+  </p:clrMapOvr>
+</p:notes>
 </file>
 
 <file path=ppt/slideLayouts/slideLayout1.xml><?xml version="1.0" encoding="utf-8"?>
@@ -126,13 +570,7 @@
       </p:grpSpPr>
       <p:sp>
         <p:nvSpPr>
-          <p:cNvPr id="2" name="제목 1">
-            <a:extLst>
-              <a:ext uri="{FF2B5EF4-FFF2-40B4-BE49-F238E27FC236}">
-                <a16:creationId xmlns:a16="http://schemas.microsoft.com/office/drawing/2014/main" id="{F8EE32C4-AF53-EE49-BE64-E401E71A065B}"/>
-              </a:ext>
-            </a:extLst>
-          </p:cNvPr>
+          <p:cNvPr id="2" name="Title 1"/>
           <p:cNvSpPr>
             <a:spLocks noGrp="1"/>
           </p:cNvSpPr>
@@ -142,8 +580,8 @@
         </p:nvSpPr>
         <p:spPr>
           <a:xfrm>
-            <a:off x="1524000" y="1122363"/>
-            <a:ext cx="9144000" cy="2387600"/>
+            <a:off x="685800" y="1122363"/>
+            <a:ext cx="7772400" cy="2387600"/>
           </a:xfrm>
         </p:spPr>
         <p:txBody>
@@ -155,21 +593,16 @@
           </a:lstStyle>
           <a:p>
             <a:r>
-              <a:rPr kumimoji="1" lang="ko-KR" altLang="en-US"/>
+              <a:rPr lang="ko-KR" altLang="en-US"/>
               <a:t>마스터 제목 스타일 편집</a:t>
             </a:r>
-          </a:p>
-        </p:txBody>
-      </p:sp>
-      <p:sp>
-        <p:nvSpPr>
-          <p:cNvPr id="3" name="부제목 2">
-            <a:extLst>
-              <a:ext uri="{FF2B5EF4-FFF2-40B4-BE49-F238E27FC236}">
-                <a16:creationId xmlns:a16="http://schemas.microsoft.com/office/drawing/2014/main" id="{2825534B-E59E-D64F-B2D4-25FC45C8F64F}"/>
-              </a:ext>
-            </a:extLst>
-          </p:cNvPr>
+            <a:endParaRPr lang="en-US" dirty="0"/>
+          </a:p>
+        </p:txBody>
+      </p:sp>
+      <p:sp>
+        <p:nvSpPr>
+          <p:cNvPr id="3" name="Subtitle 2"/>
           <p:cNvSpPr>
             <a:spLocks noGrp="1"/>
           </p:cNvSpPr>
@@ -179,8 +612,8 @@
         </p:nvSpPr>
         <p:spPr>
           <a:xfrm>
-            <a:off x="1524000" y="3602038"/>
-            <a:ext cx="9144000" cy="1655762"/>
+            <a:off x="1143000" y="3602038"/>
+            <a:ext cx="6858000" cy="1655762"/>
           </a:xfrm>
         </p:spPr>
         <p:txBody>
@@ -225,21 +658,16 @@
           </a:lstStyle>
           <a:p>
             <a:r>
-              <a:rPr kumimoji="1" lang="ko-KR" altLang="en-US"/>
+              <a:rPr lang="ko-KR" altLang="en-US"/>
               <a:t>클릭하여 마스터 부제목 스타일 편집</a:t>
             </a:r>
-          </a:p>
-        </p:txBody>
-      </p:sp>
-      <p:sp>
-        <p:nvSpPr>
-          <p:cNvPr id="4" name="날짜 개체 틀 3">
-            <a:extLst>
-              <a:ext uri="{FF2B5EF4-FFF2-40B4-BE49-F238E27FC236}">
-                <a16:creationId xmlns:a16="http://schemas.microsoft.com/office/drawing/2014/main" id="{05D0DFE3-1257-7948-AEAF-4A60793D7314}"/>
-              </a:ext>
-            </a:extLst>
-          </p:cNvPr>
+            <a:endParaRPr lang="en-US" dirty="0"/>
+          </a:p>
+        </p:txBody>
+      </p:sp>
+      <p:sp>
+        <p:nvSpPr>
+          <p:cNvPr id="4" name="Date Placeholder 3"/>
           <p:cNvSpPr>
             <a:spLocks noGrp="1"/>
           </p:cNvSpPr>
@@ -262,13 +690,7 @@
       </p:sp>
       <p:sp>
         <p:nvSpPr>
-          <p:cNvPr id="5" name="바닥글 개체 틀 4">
-            <a:extLst>
-              <a:ext uri="{FF2B5EF4-FFF2-40B4-BE49-F238E27FC236}">
-                <a16:creationId xmlns:a16="http://schemas.microsoft.com/office/drawing/2014/main" id="{59035207-06AF-234A-9469-2E732E168BB6}"/>
-              </a:ext>
-            </a:extLst>
-          </p:cNvPr>
+          <p:cNvPr id="5" name="Footer Placeholder 4"/>
           <p:cNvSpPr>
             <a:spLocks noGrp="1"/>
           </p:cNvSpPr>
@@ -287,13 +709,7 @@
       </p:sp>
       <p:sp>
         <p:nvSpPr>
-          <p:cNvPr id="6" name="슬라이드 번호 개체 틀 5">
-            <a:extLst>
-              <a:ext uri="{FF2B5EF4-FFF2-40B4-BE49-F238E27FC236}">
-                <a16:creationId xmlns:a16="http://schemas.microsoft.com/office/drawing/2014/main" id="{DB1C3944-FDDE-D844-8B81-11DA335C9097}"/>
-              </a:ext>
-            </a:extLst>
-          </p:cNvPr>
+          <p:cNvPr id="6" name="Slide Number Placeholder 5"/>
           <p:cNvSpPr>
             <a:spLocks noGrp="1"/>
           </p:cNvSpPr>
@@ -317,7 +733,7 @@
     </p:spTree>
     <p:extLst>
       <p:ext uri="{BB962C8B-B14F-4D97-AF65-F5344CB8AC3E}">
-        <p14:creationId xmlns:p14="http://schemas.microsoft.com/office/powerpoint/2010/main" val="2906932045"/>
+        <p14:creationId xmlns:p14="http://schemas.microsoft.com/office/powerpoint/2010/main" val="2394877429"/>
       </p:ext>
     </p:extLst>
   </p:cSld>
@@ -346,13 +762,7 @@
       </p:grpSpPr>
       <p:sp>
         <p:nvSpPr>
-          <p:cNvPr id="2" name="제목 1">
-            <a:extLst>
-              <a:ext uri="{FF2B5EF4-FFF2-40B4-BE49-F238E27FC236}">
-                <a16:creationId xmlns:a16="http://schemas.microsoft.com/office/drawing/2014/main" id="{39FF98F9-066F-5642-8C81-35C59A15BE1E}"/>
-              </a:ext>
-            </a:extLst>
-          </p:cNvPr>
+          <p:cNvPr id="2" name="Title 1"/>
           <p:cNvSpPr>
             <a:spLocks noGrp="1"/>
           </p:cNvSpPr>
@@ -366,21 +776,16 @@
           <a:lstStyle/>
           <a:p>
             <a:r>
-              <a:rPr kumimoji="1" lang="ko-KR" altLang="en-US"/>
+              <a:rPr lang="ko-KR" altLang="en-US"/>
               <a:t>마스터 제목 스타일 편집</a:t>
             </a:r>
-          </a:p>
-        </p:txBody>
-      </p:sp>
-      <p:sp>
-        <p:nvSpPr>
-          <p:cNvPr id="3" name="세로 텍스트 개체 틀 2">
-            <a:extLst>
-              <a:ext uri="{FF2B5EF4-FFF2-40B4-BE49-F238E27FC236}">
-                <a16:creationId xmlns:a16="http://schemas.microsoft.com/office/drawing/2014/main" id="{9907A8DA-7B8E-B447-9439-5FE0E9122089}"/>
-              </a:ext>
-            </a:extLst>
-          </p:cNvPr>
+            <a:endParaRPr lang="en-US" dirty="0"/>
+          </a:p>
+        </p:txBody>
+      </p:sp>
+      <p:sp>
+        <p:nvSpPr>
+          <p:cNvPr id="3" name="Vertical Text Placeholder 2"/>
           <p:cNvSpPr>
             <a:spLocks noGrp="1"/>
           </p:cNvSpPr>
@@ -395,49 +800,44 @@
           <a:p>
             <a:pPr lvl="0"/>
             <a:r>
-              <a:rPr kumimoji="1" lang="ko-KR" altLang="en-US"/>
+              <a:rPr lang="ko-KR" altLang="en-US"/>
               <a:t>마스터 텍스트 스타일을 편집하려면 클릭</a:t>
             </a:r>
           </a:p>
           <a:p>
             <a:pPr lvl="1"/>
             <a:r>
-              <a:rPr kumimoji="1" lang="ko-KR" altLang="en-US"/>
+              <a:rPr lang="ko-KR" altLang="en-US"/>
               <a:t>두 번째 수준</a:t>
             </a:r>
           </a:p>
           <a:p>
             <a:pPr lvl="2"/>
             <a:r>
-              <a:rPr kumimoji="1" lang="ko-KR" altLang="en-US"/>
+              <a:rPr lang="ko-KR" altLang="en-US"/>
               <a:t>세 번째 수준</a:t>
             </a:r>
           </a:p>
           <a:p>
             <a:pPr lvl="3"/>
             <a:r>
-              <a:rPr kumimoji="1" lang="ko-KR" altLang="en-US"/>
+              <a:rPr lang="ko-KR" altLang="en-US"/>
               <a:t>네 번째 수준</a:t>
             </a:r>
           </a:p>
           <a:p>
             <a:pPr lvl="4"/>
             <a:r>
-              <a:rPr kumimoji="1" lang="ko-KR" altLang="en-US"/>
+              <a:rPr lang="ko-KR" altLang="en-US"/>
               <a:t>다섯 번째 수준</a:t>
             </a:r>
-          </a:p>
-        </p:txBody>
-      </p:sp>
-      <p:sp>
-        <p:nvSpPr>
-          <p:cNvPr id="4" name="날짜 개체 틀 3">
-            <a:extLst>
-              <a:ext uri="{FF2B5EF4-FFF2-40B4-BE49-F238E27FC236}">
-                <a16:creationId xmlns:a16="http://schemas.microsoft.com/office/drawing/2014/main" id="{5347C2B6-44FE-4946-93C9-CABE10F1B64A}"/>
-              </a:ext>
-            </a:extLst>
-          </p:cNvPr>
+            <a:endParaRPr lang="en-US" dirty="0"/>
+          </a:p>
+        </p:txBody>
+      </p:sp>
+      <p:sp>
+        <p:nvSpPr>
+          <p:cNvPr id="4" name="Date Placeholder 3"/>
           <p:cNvSpPr>
             <a:spLocks noGrp="1"/>
           </p:cNvSpPr>
@@ -460,13 +860,7 @@
       </p:sp>
       <p:sp>
         <p:nvSpPr>
-          <p:cNvPr id="5" name="바닥글 개체 틀 4">
-            <a:extLst>
-              <a:ext uri="{FF2B5EF4-FFF2-40B4-BE49-F238E27FC236}">
-                <a16:creationId xmlns:a16="http://schemas.microsoft.com/office/drawing/2014/main" id="{4845EC2C-64E3-7244-9A22-F7CE58FF7A69}"/>
-              </a:ext>
-            </a:extLst>
-          </p:cNvPr>
+          <p:cNvPr id="5" name="Footer Placeholder 4"/>
           <p:cNvSpPr>
             <a:spLocks noGrp="1"/>
           </p:cNvSpPr>
@@ -485,13 +879,7 @@
       </p:sp>
       <p:sp>
         <p:nvSpPr>
-          <p:cNvPr id="6" name="슬라이드 번호 개체 틀 5">
-            <a:extLst>
-              <a:ext uri="{FF2B5EF4-FFF2-40B4-BE49-F238E27FC236}">
-                <a16:creationId xmlns:a16="http://schemas.microsoft.com/office/drawing/2014/main" id="{4287A5EA-6A4C-034C-B671-8CDF44517C13}"/>
-              </a:ext>
-            </a:extLst>
-          </p:cNvPr>
+          <p:cNvPr id="6" name="Slide Number Placeholder 5"/>
           <p:cNvSpPr>
             <a:spLocks noGrp="1"/>
           </p:cNvSpPr>
@@ -515,7 +903,7 @@
     </p:spTree>
     <p:extLst>
       <p:ext uri="{BB962C8B-B14F-4D97-AF65-F5344CB8AC3E}">
-        <p14:creationId xmlns:p14="http://schemas.microsoft.com/office/powerpoint/2010/main" val="1973601457"/>
+        <p14:creationId xmlns:p14="http://schemas.microsoft.com/office/powerpoint/2010/main" val="1866751148"/>
       </p:ext>
     </p:extLst>
   </p:cSld>
@@ -544,13 +932,7 @@
       </p:grpSpPr>
       <p:sp>
         <p:nvSpPr>
-          <p:cNvPr id="2" name="세로 제목 1">
-            <a:extLst>
-              <a:ext uri="{FF2B5EF4-FFF2-40B4-BE49-F238E27FC236}">
-                <a16:creationId xmlns:a16="http://schemas.microsoft.com/office/drawing/2014/main" id="{6904B0AD-B087-5F4D-90AC-503BA48E42A2}"/>
-              </a:ext>
-            </a:extLst>
-          </p:cNvPr>
+          <p:cNvPr id="2" name="Vertical Title 1"/>
           <p:cNvSpPr>
             <a:spLocks noGrp="1"/>
           </p:cNvSpPr>
@@ -560,8 +942,8 @@
         </p:nvSpPr>
         <p:spPr>
           <a:xfrm>
-            <a:off x="8724900" y="365125"/>
-            <a:ext cx="2628900" cy="5811838"/>
+            <a:off x="6543675" y="365125"/>
+            <a:ext cx="1971675" cy="5811838"/>
           </a:xfrm>
         </p:spPr>
         <p:txBody>
@@ -569,21 +951,16 @@
           <a:lstStyle/>
           <a:p>
             <a:r>
-              <a:rPr kumimoji="1" lang="ko-KR" altLang="en-US"/>
+              <a:rPr lang="ko-KR" altLang="en-US"/>
               <a:t>마스터 제목 스타일 편집</a:t>
             </a:r>
-          </a:p>
-        </p:txBody>
-      </p:sp>
-      <p:sp>
-        <p:nvSpPr>
-          <p:cNvPr id="3" name="세로 텍스트 개체 틀 2">
-            <a:extLst>
-              <a:ext uri="{FF2B5EF4-FFF2-40B4-BE49-F238E27FC236}">
-                <a16:creationId xmlns:a16="http://schemas.microsoft.com/office/drawing/2014/main" id="{F2AFCB13-2C41-0246-8A87-BBA49AF0DE2F}"/>
-              </a:ext>
-            </a:extLst>
-          </p:cNvPr>
+            <a:endParaRPr lang="en-US" dirty="0"/>
+          </a:p>
+        </p:txBody>
+      </p:sp>
+      <p:sp>
+        <p:nvSpPr>
+          <p:cNvPr id="3" name="Vertical Text Placeholder 2"/>
           <p:cNvSpPr>
             <a:spLocks noGrp="1"/>
           </p:cNvSpPr>
@@ -593,8 +970,8 @@
         </p:nvSpPr>
         <p:spPr>
           <a:xfrm>
-            <a:off x="838200" y="365125"/>
-            <a:ext cx="7734300" cy="5811838"/>
+            <a:off x="628650" y="365125"/>
+            <a:ext cx="5800725" cy="5811838"/>
           </a:xfrm>
         </p:spPr>
         <p:txBody>
@@ -603,49 +980,44 @@
           <a:p>
             <a:pPr lvl="0"/>
             <a:r>
-              <a:rPr kumimoji="1" lang="ko-KR" altLang="en-US"/>
+              <a:rPr lang="ko-KR" altLang="en-US"/>
               <a:t>마스터 텍스트 스타일을 편집하려면 클릭</a:t>
             </a:r>
           </a:p>
           <a:p>
             <a:pPr lvl="1"/>
             <a:r>
-              <a:rPr kumimoji="1" lang="ko-KR" altLang="en-US"/>
+              <a:rPr lang="ko-KR" altLang="en-US"/>
               <a:t>두 번째 수준</a:t>
             </a:r>
           </a:p>
           <a:p>
             <a:pPr lvl="2"/>
             <a:r>
-              <a:rPr kumimoji="1" lang="ko-KR" altLang="en-US"/>
+              <a:rPr lang="ko-KR" altLang="en-US"/>
               <a:t>세 번째 수준</a:t>
             </a:r>
           </a:p>
           <a:p>
             <a:pPr lvl="3"/>
             <a:r>
-              <a:rPr kumimoji="1" lang="ko-KR" altLang="en-US"/>
+              <a:rPr lang="ko-KR" altLang="en-US"/>
               <a:t>네 번째 수준</a:t>
             </a:r>
           </a:p>
           <a:p>
             <a:pPr lvl="4"/>
             <a:r>
-              <a:rPr kumimoji="1" lang="ko-KR" altLang="en-US"/>
+              <a:rPr lang="ko-KR" altLang="en-US"/>
               <a:t>다섯 번째 수준</a:t>
             </a:r>
-          </a:p>
-        </p:txBody>
-      </p:sp>
-      <p:sp>
-        <p:nvSpPr>
-          <p:cNvPr id="4" name="날짜 개체 틀 3">
-            <a:extLst>
-              <a:ext uri="{FF2B5EF4-FFF2-40B4-BE49-F238E27FC236}">
-                <a16:creationId xmlns:a16="http://schemas.microsoft.com/office/drawing/2014/main" id="{FFF81382-292C-254B-8FF1-9CFC88239B3E}"/>
-              </a:ext>
-            </a:extLst>
-          </p:cNvPr>
+            <a:endParaRPr lang="en-US" dirty="0"/>
+          </a:p>
+        </p:txBody>
+      </p:sp>
+      <p:sp>
+        <p:nvSpPr>
+          <p:cNvPr id="4" name="Date Placeholder 3"/>
           <p:cNvSpPr>
             <a:spLocks noGrp="1"/>
           </p:cNvSpPr>
@@ -668,13 +1040,7 @@
       </p:sp>
       <p:sp>
         <p:nvSpPr>
-          <p:cNvPr id="5" name="바닥글 개체 틀 4">
-            <a:extLst>
-              <a:ext uri="{FF2B5EF4-FFF2-40B4-BE49-F238E27FC236}">
-                <a16:creationId xmlns:a16="http://schemas.microsoft.com/office/drawing/2014/main" id="{049F84B1-097D-3B40-8864-DFBDED2361CC}"/>
-              </a:ext>
-            </a:extLst>
-          </p:cNvPr>
+          <p:cNvPr id="5" name="Footer Placeholder 4"/>
           <p:cNvSpPr>
             <a:spLocks noGrp="1"/>
           </p:cNvSpPr>
@@ -693,13 +1059,7 @@
       </p:sp>
       <p:sp>
         <p:nvSpPr>
-          <p:cNvPr id="6" name="슬라이드 번호 개체 틀 5">
-            <a:extLst>
-              <a:ext uri="{FF2B5EF4-FFF2-40B4-BE49-F238E27FC236}">
-                <a16:creationId xmlns:a16="http://schemas.microsoft.com/office/drawing/2014/main" id="{1842951D-D850-1843-A12E-48C71BF76EA2}"/>
-              </a:ext>
-            </a:extLst>
-          </p:cNvPr>
+          <p:cNvPr id="6" name="Slide Number Placeholder 5"/>
           <p:cNvSpPr>
             <a:spLocks noGrp="1"/>
           </p:cNvSpPr>
@@ -723,7 +1083,7 @@
     </p:spTree>
     <p:extLst>
       <p:ext uri="{BB962C8B-B14F-4D97-AF65-F5344CB8AC3E}">
-        <p14:creationId xmlns:p14="http://schemas.microsoft.com/office/powerpoint/2010/main" val="3918437684"/>
+        <p14:creationId xmlns:p14="http://schemas.microsoft.com/office/powerpoint/2010/main" val="3897550795"/>
       </p:ext>
     </p:extLst>
   </p:cSld>
@@ -752,13 +1112,7 @@
       </p:grpSpPr>
       <p:sp>
         <p:nvSpPr>
-          <p:cNvPr id="2" name="제목 1">
-            <a:extLst>
-              <a:ext uri="{FF2B5EF4-FFF2-40B4-BE49-F238E27FC236}">
-                <a16:creationId xmlns:a16="http://schemas.microsoft.com/office/drawing/2014/main" id="{8A7FA389-59DE-1A4A-9F34-A92C88447B69}"/>
-              </a:ext>
-            </a:extLst>
-          </p:cNvPr>
+          <p:cNvPr id="2" name="Title 1"/>
           <p:cNvSpPr>
             <a:spLocks noGrp="1"/>
           </p:cNvSpPr>
@@ -766,84 +1120,79 @@
             <p:ph type="title"/>
           </p:nvPr>
         </p:nvSpPr>
+        <p:spPr>
+          <a:xfrm>
+            <a:off x="75757" y="35517"/>
+            <a:ext cx="7886700" cy="1325563"/>
+          </a:xfrm>
+        </p:spPr>
+        <p:txBody>
+          <a:bodyPr/>
+          <a:lstStyle/>
+          <a:p>
+            <a:r>
+              <a:rPr lang="ko-KR" altLang="en-US"/>
+              <a:t>마스터 제목 스타일 편집</a:t>
+            </a:r>
+            <a:endParaRPr lang="en-US" dirty="0"/>
+          </a:p>
+        </p:txBody>
+      </p:sp>
+      <p:sp>
+        <p:nvSpPr>
+          <p:cNvPr id="3" name="Content Placeholder 2"/>
+          <p:cNvSpPr>
+            <a:spLocks noGrp="1"/>
+          </p:cNvSpPr>
+          <p:nvPr>
+            <p:ph idx="1"/>
+          </p:nvPr>
+        </p:nvSpPr>
         <p:spPr/>
         <p:txBody>
           <a:bodyPr/>
           <a:lstStyle/>
           <a:p>
-            <a:r>
-              <a:rPr kumimoji="1" lang="ko-KR" altLang="en-US"/>
-              <a:t>마스터 제목 스타일 편집</a:t>
-            </a:r>
-          </a:p>
-        </p:txBody>
-      </p:sp>
-      <p:sp>
-        <p:nvSpPr>
-          <p:cNvPr id="3" name="내용 개체 틀 2">
-            <a:extLst>
-              <a:ext uri="{FF2B5EF4-FFF2-40B4-BE49-F238E27FC236}">
-                <a16:creationId xmlns:a16="http://schemas.microsoft.com/office/drawing/2014/main" id="{FC838018-AAE9-DD4F-BAD3-BD4C7107F889}"/>
-              </a:ext>
-            </a:extLst>
-          </p:cNvPr>
-          <p:cNvSpPr>
-            <a:spLocks noGrp="1"/>
-          </p:cNvSpPr>
-          <p:nvPr>
-            <p:ph idx="1"/>
-          </p:nvPr>
-        </p:nvSpPr>
-        <p:spPr/>
-        <p:txBody>
-          <a:bodyPr/>
-          <a:lstStyle/>
-          <a:p>
             <a:pPr lvl="0"/>
             <a:r>
-              <a:rPr kumimoji="1" lang="ko-KR" altLang="en-US"/>
+              <a:rPr lang="ko-KR" altLang="en-US"/>
               <a:t>마스터 텍스트 스타일을 편집하려면 클릭</a:t>
             </a:r>
           </a:p>
           <a:p>
             <a:pPr lvl="1"/>
             <a:r>
-              <a:rPr kumimoji="1" lang="ko-KR" altLang="en-US"/>
+              <a:rPr lang="ko-KR" altLang="en-US"/>
               <a:t>두 번째 수준</a:t>
             </a:r>
           </a:p>
           <a:p>
             <a:pPr lvl="2"/>
             <a:r>
-              <a:rPr kumimoji="1" lang="ko-KR" altLang="en-US"/>
+              <a:rPr lang="ko-KR" altLang="en-US"/>
               <a:t>세 번째 수준</a:t>
             </a:r>
           </a:p>
           <a:p>
             <a:pPr lvl="3"/>
             <a:r>
-              <a:rPr kumimoji="1" lang="ko-KR" altLang="en-US"/>
+              <a:rPr lang="ko-KR" altLang="en-US"/>
               <a:t>네 번째 수준</a:t>
             </a:r>
           </a:p>
           <a:p>
             <a:pPr lvl="4"/>
             <a:r>
-              <a:rPr kumimoji="1" lang="ko-KR" altLang="en-US"/>
+              <a:rPr lang="ko-KR" altLang="en-US"/>
               <a:t>다섯 번째 수준</a:t>
             </a:r>
-          </a:p>
-        </p:txBody>
-      </p:sp>
-      <p:sp>
-        <p:nvSpPr>
-          <p:cNvPr id="4" name="날짜 개체 틀 3">
-            <a:extLst>
-              <a:ext uri="{FF2B5EF4-FFF2-40B4-BE49-F238E27FC236}">
-                <a16:creationId xmlns:a16="http://schemas.microsoft.com/office/drawing/2014/main" id="{609A2E0D-AC21-C041-B26E-2D4847B477F7}"/>
-              </a:ext>
-            </a:extLst>
-          </p:cNvPr>
+            <a:endParaRPr lang="en-US" dirty="0"/>
+          </a:p>
+        </p:txBody>
+      </p:sp>
+      <p:sp>
+        <p:nvSpPr>
+          <p:cNvPr id="4" name="Date Placeholder 3"/>
           <p:cNvSpPr>
             <a:spLocks noGrp="1"/>
           </p:cNvSpPr>
@@ -866,13 +1215,7 @@
       </p:sp>
       <p:sp>
         <p:nvSpPr>
-          <p:cNvPr id="5" name="바닥글 개체 틀 4">
-            <a:extLst>
-              <a:ext uri="{FF2B5EF4-FFF2-40B4-BE49-F238E27FC236}">
-                <a16:creationId xmlns:a16="http://schemas.microsoft.com/office/drawing/2014/main" id="{23C52219-16A0-004A-9608-A96737BBA4FE}"/>
-              </a:ext>
-            </a:extLst>
-          </p:cNvPr>
+          <p:cNvPr id="5" name="Footer Placeholder 4"/>
           <p:cNvSpPr>
             <a:spLocks noGrp="1"/>
           </p:cNvSpPr>
@@ -891,13 +1234,7 @@
       </p:sp>
       <p:sp>
         <p:nvSpPr>
-          <p:cNvPr id="6" name="슬라이드 번호 개체 틀 5">
-            <a:extLst>
-              <a:ext uri="{FF2B5EF4-FFF2-40B4-BE49-F238E27FC236}">
-                <a16:creationId xmlns:a16="http://schemas.microsoft.com/office/drawing/2014/main" id="{3A2045CF-7593-424F-A3F7-16A939FFE4B9}"/>
-              </a:ext>
-            </a:extLst>
-          </p:cNvPr>
+          <p:cNvPr id="6" name="Slide Number Placeholder 5"/>
           <p:cNvSpPr>
             <a:spLocks noGrp="1"/>
           </p:cNvSpPr>
@@ -921,7 +1258,7 @@
     </p:spTree>
     <p:extLst>
       <p:ext uri="{BB962C8B-B14F-4D97-AF65-F5344CB8AC3E}">
-        <p14:creationId xmlns:p14="http://schemas.microsoft.com/office/powerpoint/2010/main" val="906753109"/>
+        <p14:creationId xmlns:p14="http://schemas.microsoft.com/office/powerpoint/2010/main" val="4194824519"/>
       </p:ext>
     </p:extLst>
   </p:cSld>
@@ -950,13 +1287,7 @@
       </p:grpSpPr>
       <p:sp>
         <p:nvSpPr>
-          <p:cNvPr id="2" name="제목 1">
-            <a:extLst>
-              <a:ext uri="{FF2B5EF4-FFF2-40B4-BE49-F238E27FC236}">
-                <a16:creationId xmlns:a16="http://schemas.microsoft.com/office/drawing/2014/main" id="{E2C17497-B15A-9946-A8DA-F9C9EDCDEAFD}"/>
-              </a:ext>
-            </a:extLst>
-          </p:cNvPr>
+          <p:cNvPr id="2" name="Title 1"/>
           <p:cNvSpPr>
             <a:spLocks noGrp="1"/>
           </p:cNvSpPr>
@@ -966,8 +1297,8 @@
         </p:nvSpPr>
         <p:spPr>
           <a:xfrm>
-            <a:off x="831850" y="1709738"/>
-            <a:ext cx="10515600" cy="2852737"/>
+            <a:off x="623888" y="1709739"/>
+            <a:ext cx="7886700" cy="2852737"/>
           </a:xfrm>
         </p:spPr>
         <p:txBody>
@@ -979,21 +1310,16 @@
           </a:lstStyle>
           <a:p>
             <a:r>
-              <a:rPr kumimoji="1" lang="ko-KR" altLang="en-US"/>
+              <a:rPr lang="ko-KR" altLang="en-US"/>
               <a:t>마스터 제목 스타일 편집</a:t>
             </a:r>
-          </a:p>
-        </p:txBody>
-      </p:sp>
-      <p:sp>
-        <p:nvSpPr>
-          <p:cNvPr id="3" name="텍스트 개체 틀 2">
-            <a:extLst>
-              <a:ext uri="{FF2B5EF4-FFF2-40B4-BE49-F238E27FC236}">
-                <a16:creationId xmlns:a16="http://schemas.microsoft.com/office/drawing/2014/main" id="{BEBD8882-C691-4A4A-B156-0FC533FC6389}"/>
-              </a:ext>
-            </a:extLst>
-          </p:cNvPr>
+            <a:endParaRPr lang="en-US" dirty="0"/>
+          </a:p>
+        </p:txBody>
+      </p:sp>
+      <p:sp>
+        <p:nvSpPr>
+          <p:cNvPr id="3" name="Text Placeholder 2"/>
           <p:cNvSpPr>
             <a:spLocks noGrp="1"/>
           </p:cNvSpPr>
@@ -1003,8 +1329,8 @@
         </p:nvSpPr>
         <p:spPr>
           <a:xfrm>
-            <a:off x="831850" y="4589463"/>
-            <a:ext cx="10515600" cy="1500187"/>
+            <a:off x="623888" y="4589464"/>
+            <a:ext cx="7886700" cy="1500187"/>
           </a:xfrm>
         </p:spPr>
         <p:txBody>
@@ -1014,9 +1340,7 @@
               <a:buNone/>
               <a:defRPr sz="2400">
                 <a:solidFill>
-                  <a:schemeClr val="tx1">
-                    <a:tint val="75000"/>
-                  </a:schemeClr>
+                  <a:schemeClr val="tx1"/>
                 </a:solidFill>
               </a:defRPr>
             </a:lvl1pPr>
@@ -1104,7 +1428,7 @@
           <a:p>
             <a:pPr lvl="0"/>
             <a:r>
-              <a:rPr kumimoji="1" lang="ko-KR" altLang="en-US"/>
+              <a:rPr lang="ko-KR" altLang="en-US"/>
               <a:t>마스터 텍스트 스타일을 편집하려면 클릭</a:t>
             </a:r>
           </a:p>
@@ -1112,13 +1436,7 @@
       </p:sp>
       <p:sp>
         <p:nvSpPr>
-          <p:cNvPr id="4" name="날짜 개체 틀 3">
-            <a:extLst>
-              <a:ext uri="{FF2B5EF4-FFF2-40B4-BE49-F238E27FC236}">
-                <a16:creationId xmlns:a16="http://schemas.microsoft.com/office/drawing/2014/main" id="{DD5776C4-6C26-B343-9C5C-9BB59750ABE1}"/>
-              </a:ext>
-            </a:extLst>
-          </p:cNvPr>
+          <p:cNvPr id="4" name="Date Placeholder 3"/>
           <p:cNvSpPr>
             <a:spLocks noGrp="1"/>
           </p:cNvSpPr>
@@ -1141,13 +1459,7 @@
       </p:sp>
       <p:sp>
         <p:nvSpPr>
-          <p:cNvPr id="5" name="바닥글 개체 틀 4">
-            <a:extLst>
-              <a:ext uri="{FF2B5EF4-FFF2-40B4-BE49-F238E27FC236}">
-                <a16:creationId xmlns:a16="http://schemas.microsoft.com/office/drawing/2014/main" id="{B2155197-B10C-5843-A82E-52DF992CF5B7}"/>
-              </a:ext>
-            </a:extLst>
-          </p:cNvPr>
+          <p:cNvPr id="5" name="Footer Placeholder 4"/>
           <p:cNvSpPr>
             <a:spLocks noGrp="1"/>
           </p:cNvSpPr>
@@ -1166,13 +1478,7 @@
       </p:sp>
       <p:sp>
         <p:nvSpPr>
-          <p:cNvPr id="6" name="슬라이드 번호 개체 틀 5">
-            <a:extLst>
-              <a:ext uri="{FF2B5EF4-FFF2-40B4-BE49-F238E27FC236}">
-                <a16:creationId xmlns:a16="http://schemas.microsoft.com/office/drawing/2014/main" id="{922BEE9D-2DC2-F443-8013-5F537D6022B1}"/>
-              </a:ext>
-            </a:extLst>
-          </p:cNvPr>
+          <p:cNvPr id="6" name="Slide Number Placeholder 5"/>
           <p:cNvSpPr>
             <a:spLocks noGrp="1"/>
           </p:cNvSpPr>
@@ -1196,7 +1502,7 @@
     </p:spTree>
     <p:extLst>
       <p:ext uri="{BB962C8B-B14F-4D97-AF65-F5344CB8AC3E}">
-        <p14:creationId xmlns:p14="http://schemas.microsoft.com/office/powerpoint/2010/main" val="1980373165"/>
+        <p14:creationId xmlns:p14="http://schemas.microsoft.com/office/powerpoint/2010/main" val="2244064222"/>
       </p:ext>
     </p:extLst>
   </p:cSld>
@@ -1225,13 +1531,7 @@
       </p:grpSpPr>
       <p:sp>
         <p:nvSpPr>
-          <p:cNvPr id="2" name="제목 1">
-            <a:extLst>
-              <a:ext uri="{FF2B5EF4-FFF2-40B4-BE49-F238E27FC236}">
-                <a16:creationId xmlns:a16="http://schemas.microsoft.com/office/drawing/2014/main" id="{D855BCAC-81DF-FC4C-9DD9-4E9EB7C421CE}"/>
-              </a:ext>
-            </a:extLst>
-          </p:cNvPr>
+          <p:cNvPr id="2" name="Title 1"/>
           <p:cNvSpPr>
             <a:spLocks noGrp="1"/>
           </p:cNvSpPr>
@@ -1245,21 +1545,16 @@
           <a:lstStyle/>
           <a:p>
             <a:r>
-              <a:rPr kumimoji="1" lang="ko-KR" altLang="en-US"/>
+              <a:rPr lang="ko-KR" altLang="en-US"/>
               <a:t>마스터 제목 스타일 편집</a:t>
             </a:r>
-          </a:p>
-        </p:txBody>
-      </p:sp>
-      <p:sp>
-        <p:nvSpPr>
-          <p:cNvPr id="3" name="내용 개체 틀 2">
-            <a:extLst>
-              <a:ext uri="{FF2B5EF4-FFF2-40B4-BE49-F238E27FC236}">
-                <a16:creationId xmlns:a16="http://schemas.microsoft.com/office/drawing/2014/main" id="{D084461A-14E2-5145-8830-4EAC7A62D8EC}"/>
-              </a:ext>
-            </a:extLst>
-          </p:cNvPr>
+            <a:endParaRPr lang="en-US" dirty="0"/>
+          </a:p>
+        </p:txBody>
+      </p:sp>
+      <p:sp>
+        <p:nvSpPr>
+          <p:cNvPr id="3" name="Content Placeholder 2"/>
           <p:cNvSpPr>
             <a:spLocks noGrp="1"/>
           </p:cNvSpPr>
@@ -1269,8 +1564,8 @@
         </p:nvSpPr>
         <p:spPr>
           <a:xfrm>
-            <a:off x="838200" y="1825625"/>
-            <a:ext cx="5181600" cy="4351338"/>
+            <a:off x="628650" y="1825625"/>
+            <a:ext cx="3886200" cy="4351338"/>
           </a:xfrm>
         </p:spPr>
         <p:txBody>
@@ -1279,49 +1574,44 @@
           <a:p>
             <a:pPr lvl="0"/>
             <a:r>
-              <a:rPr kumimoji="1" lang="ko-KR" altLang="en-US"/>
+              <a:rPr lang="ko-KR" altLang="en-US"/>
               <a:t>마스터 텍스트 스타일을 편집하려면 클릭</a:t>
             </a:r>
           </a:p>
           <a:p>
             <a:pPr lvl="1"/>
             <a:r>
-              <a:rPr kumimoji="1" lang="ko-KR" altLang="en-US"/>
+              <a:rPr lang="ko-KR" altLang="en-US"/>
               <a:t>두 번째 수준</a:t>
             </a:r>
           </a:p>
           <a:p>
             <a:pPr lvl="2"/>
             <a:r>
-              <a:rPr kumimoji="1" lang="ko-KR" altLang="en-US"/>
+              <a:rPr lang="ko-KR" altLang="en-US"/>
               <a:t>세 번째 수준</a:t>
             </a:r>
           </a:p>
           <a:p>
             <a:pPr lvl="3"/>
             <a:r>
-              <a:rPr kumimoji="1" lang="ko-KR" altLang="en-US"/>
+              <a:rPr lang="ko-KR" altLang="en-US"/>
               <a:t>네 번째 수준</a:t>
             </a:r>
           </a:p>
           <a:p>
             <a:pPr lvl="4"/>
             <a:r>
-              <a:rPr kumimoji="1" lang="ko-KR" altLang="en-US"/>
+              <a:rPr lang="ko-KR" altLang="en-US"/>
               <a:t>다섯 번째 수준</a:t>
             </a:r>
-          </a:p>
-        </p:txBody>
-      </p:sp>
-      <p:sp>
-        <p:nvSpPr>
-          <p:cNvPr id="4" name="내용 개체 틀 3">
-            <a:extLst>
-              <a:ext uri="{FF2B5EF4-FFF2-40B4-BE49-F238E27FC236}">
-                <a16:creationId xmlns:a16="http://schemas.microsoft.com/office/drawing/2014/main" id="{9B4A39C1-0361-3F46-8EF8-D500D11F2A54}"/>
-              </a:ext>
-            </a:extLst>
-          </p:cNvPr>
+            <a:endParaRPr lang="en-US" dirty="0"/>
+          </a:p>
+        </p:txBody>
+      </p:sp>
+      <p:sp>
+        <p:nvSpPr>
+          <p:cNvPr id="4" name="Content Placeholder 3"/>
           <p:cNvSpPr>
             <a:spLocks noGrp="1"/>
           </p:cNvSpPr>
@@ -1331,8 +1621,8 @@
         </p:nvSpPr>
         <p:spPr>
           <a:xfrm>
-            <a:off x="6172200" y="1825625"/>
-            <a:ext cx="5181600" cy="4351338"/>
+            <a:off x="4629150" y="1825625"/>
+            <a:ext cx="3886200" cy="4351338"/>
           </a:xfrm>
         </p:spPr>
         <p:txBody>
@@ -1341,49 +1631,44 @@
           <a:p>
             <a:pPr lvl="0"/>
             <a:r>
-              <a:rPr kumimoji="1" lang="ko-KR" altLang="en-US"/>
+              <a:rPr lang="ko-KR" altLang="en-US"/>
               <a:t>마스터 텍스트 스타일을 편집하려면 클릭</a:t>
             </a:r>
           </a:p>
           <a:p>
             <a:pPr lvl="1"/>
             <a:r>
-              <a:rPr kumimoji="1" lang="ko-KR" altLang="en-US"/>
+              <a:rPr lang="ko-KR" altLang="en-US"/>
               <a:t>두 번째 수준</a:t>
             </a:r>
           </a:p>
           <a:p>
             <a:pPr lvl="2"/>
             <a:r>
-              <a:rPr kumimoji="1" lang="ko-KR" altLang="en-US"/>
+              <a:rPr lang="ko-KR" altLang="en-US"/>
               <a:t>세 번째 수준</a:t>
             </a:r>
           </a:p>
           <a:p>
             <a:pPr lvl="3"/>
             <a:r>
-              <a:rPr kumimoji="1" lang="ko-KR" altLang="en-US"/>
+              <a:rPr lang="ko-KR" altLang="en-US"/>
               <a:t>네 번째 수준</a:t>
             </a:r>
           </a:p>
           <a:p>
             <a:pPr lvl="4"/>
             <a:r>
-              <a:rPr kumimoji="1" lang="ko-KR" altLang="en-US"/>
+              <a:rPr lang="ko-KR" altLang="en-US"/>
               <a:t>다섯 번째 수준</a:t>
             </a:r>
-          </a:p>
-        </p:txBody>
-      </p:sp>
-      <p:sp>
-        <p:nvSpPr>
-          <p:cNvPr id="5" name="날짜 개체 틀 4">
-            <a:extLst>
-              <a:ext uri="{FF2B5EF4-FFF2-40B4-BE49-F238E27FC236}">
-                <a16:creationId xmlns:a16="http://schemas.microsoft.com/office/drawing/2014/main" id="{B6029620-D32E-AB4E-867C-8D02AE6CED53}"/>
-              </a:ext>
-            </a:extLst>
-          </p:cNvPr>
+            <a:endParaRPr lang="en-US" dirty="0"/>
+          </a:p>
+        </p:txBody>
+      </p:sp>
+      <p:sp>
+        <p:nvSpPr>
+          <p:cNvPr id="5" name="Date Placeholder 4"/>
           <p:cNvSpPr>
             <a:spLocks noGrp="1"/>
           </p:cNvSpPr>
@@ -1406,13 +1691,7 @@
       </p:sp>
       <p:sp>
         <p:nvSpPr>
-          <p:cNvPr id="6" name="바닥글 개체 틀 5">
-            <a:extLst>
-              <a:ext uri="{FF2B5EF4-FFF2-40B4-BE49-F238E27FC236}">
-                <a16:creationId xmlns:a16="http://schemas.microsoft.com/office/drawing/2014/main" id="{D2220F5C-FE56-6445-BCE8-04FD486127B5}"/>
-              </a:ext>
-            </a:extLst>
-          </p:cNvPr>
+          <p:cNvPr id="6" name="Footer Placeholder 5"/>
           <p:cNvSpPr>
             <a:spLocks noGrp="1"/>
           </p:cNvSpPr>
@@ -1431,13 +1710,7 @@
       </p:sp>
       <p:sp>
         <p:nvSpPr>
-          <p:cNvPr id="7" name="슬라이드 번호 개체 틀 6">
-            <a:extLst>
-              <a:ext uri="{FF2B5EF4-FFF2-40B4-BE49-F238E27FC236}">
-                <a16:creationId xmlns:a16="http://schemas.microsoft.com/office/drawing/2014/main" id="{C1711279-9DF0-AA44-A811-D1A058467C41}"/>
-              </a:ext>
-            </a:extLst>
-          </p:cNvPr>
+          <p:cNvPr id="7" name="Slide Number Placeholder 6"/>
           <p:cNvSpPr>
             <a:spLocks noGrp="1"/>
           </p:cNvSpPr>
@@ -1461,7 +1734,7 @@
     </p:spTree>
     <p:extLst>
       <p:ext uri="{BB962C8B-B14F-4D97-AF65-F5344CB8AC3E}">
-        <p14:creationId xmlns:p14="http://schemas.microsoft.com/office/powerpoint/2010/main" val="570012359"/>
+        <p14:creationId xmlns:p14="http://schemas.microsoft.com/office/powerpoint/2010/main" val="543114225"/>
       </p:ext>
     </p:extLst>
   </p:cSld>
@@ -1490,13 +1763,7 @@
       </p:grpSpPr>
       <p:sp>
         <p:nvSpPr>
-          <p:cNvPr id="2" name="제목 1">
-            <a:extLst>
-              <a:ext uri="{FF2B5EF4-FFF2-40B4-BE49-F238E27FC236}">
-                <a16:creationId xmlns:a16="http://schemas.microsoft.com/office/drawing/2014/main" id="{88DCCCBC-B8C5-EE47-8D3C-99E3FC224B41}"/>
-              </a:ext>
-            </a:extLst>
-          </p:cNvPr>
+          <p:cNvPr id="2" name="Title 1"/>
           <p:cNvSpPr>
             <a:spLocks noGrp="1"/>
           </p:cNvSpPr>
@@ -1506,8 +1773,8 @@
         </p:nvSpPr>
         <p:spPr>
           <a:xfrm>
-            <a:off x="839788" y="365125"/>
-            <a:ext cx="10515600" cy="1325563"/>
+            <a:off x="629841" y="365126"/>
+            <a:ext cx="7886700" cy="1325563"/>
           </a:xfrm>
         </p:spPr>
         <p:txBody>
@@ -1515,21 +1782,16 @@
           <a:lstStyle/>
           <a:p>
             <a:r>
-              <a:rPr kumimoji="1" lang="ko-KR" altLang="en-US"/>
+              <a:rPr lang="ko-KR" altLang="en-US"/>
               <a:t>마스터 제목 스타일 편집</a:t>
             </a:r>
-          </a:p>
-        </p:txBody>
-      </p:sp>
-      <p:sp>
-        <p:nvSpPr>
-          <p:cNvPr id="3" name="텍스트 개체 틀 2">
-            <a:extLst>
-              <a:ext uri="{FF2B5EF4-FFF2-40B4-BE49-F238E27FC236}">
-                <a16:creationId xmlns:a16="http://schemas.microsoft.com/office/drawing/2014/main" id="{CC04EFEA-F428-7143-AB42-968B9D1F6B0A}"/>
-              </a:ext>
-            </a:extLst>
-          </p:cNvPr>
+            <a:endParaRPr lang="en-US" dirty="0"/>
+          </a:p>
+        </p:txBody>
+      </p:sp>
+      <p:sp>
+        <p:nvSpPr>
+          <p:cNvPr id="3" name="Text Placeholder 2"/>
           <p:cNvSpPr>
             <a:spLocks noGrp="1"/>
           </p:cNvSpPr>
@@ -1539,8 +1801,8 @@
         </p:nvSpPr>
         <p:spPr>
           <a:xfrm>
-            <a:off x="839788" y="1681163"/>
-            <a:ext cx="5157787" cy="823912"/>
+            <a:off x="629842" y="1681163"/>
+            <a:ext cx="3868340" cy="823912"/>
           </a:xfrm>
         </p:spPr>
         <p:txBody>
@@ -1586,7 +1848,7 @@
           <a:p>
             <a:pPr lvl="0"/>
             <a:r>
-              <a:rPr kumimoji="1" lang="ko-KR" altLang="en-US"/>
+              <a:rPr lang="ko-KR" altLang="en-US"/>
               <a:t>마스터 텍스트 스타일을 편집하려면 클릭</a:t>
             </a:r>
           </a:p>
@@ -1594,13 +1856,7 @@
       </p:sp>
       <p:sp>
         <p:nvSpPr>
-          <p:cNvPr id="4" name="내용 개체 틀 3">
-            <a:extLst>
-              <a:ext uri="{FF2B5EF4-FFF2-40B4-BE49-F238E27FC236}">
-                <a16:creationId xmlns:a16="http://schemas.microsoft.com/office/drawing/2014/main" id="{83220D64-AB1E-4143-A659-5A8574763A0A}"/>
-              </a:ext>
-            </a:extLst>
-          </p:cNvPr>
+          <p:cNvPr id="4" name="Content Placeholder 3"/>
           <p:cNvSpPr>
             <a:spLocks noGrp="1"/>
           </p:cNvSpPr>
@@ -1610,8 +1866,8 @@
         </p:nvSpPr>
         <p:spPr>
           <a:xfrm>
-            <a:off x="839788" y="2505075"/>
-            <a:ext cx="5157787" cy="3684588"/>
+            <a:off x="629842" y="2505075"/>
+            <a:ext cx="3868340" cy="3684588"/>
           </a:xfrm>
         </p:spPr>
         <p:txBody>
@@ -1620,49 +1876,44 @@
           <a:p>
             <a:pPr lvl="0"/>
             <a:r>
-              <a:rPr kumimoji="1" lang="ko-KR" altLang="en-US"/>
+              <a:rPr lang="ko-KR" altLang="en-US"/>
               <a:t>마스터 텍스트 스타일을 편집하려면 클릭</a:t>
             </a:r>
           </a:p>
           <a:p>
             <a:pPr lvl="1"/>
             <a:r>
-              <a:rPr kumimoji="1" lang="ko-KR" altLang="en-US"/>
+              <a:rPr lang="ko-KR" altLang="en-US"/>
               <a:t>두 번째 수준</a:t>
             </a:r>
           </a:p>
           <a:p>
             <a:pPr lvl="2"/>
             <a:r>
-              <a:rPr kumimoji="1" lang="ko-KR" altLang="en-US"/>
+              <a:rPr lang="ko-KR" altLang="en-US"/>
               <a:t>세 번째 수준</a:t>
             </a:r>
           </a:p>
           <a:p>
             <a:pPr lvl="3"/>
             <a:r>
-              <a:rPr kumimoji="1" lang="ko-KR" altLang="en-US"/>
+              <a:rPr lang="ko-KR" altLang="en-US"/>
               <a:t>네 번째 수준</a:t>
             </a:r>
           </a:p>
           <a:p>
             <a:pPr lvl="4"/>
             <a:r>
-              <a:rPr kumimoji="1" lang="ko-KR" altLang="en-US"/>
+              <a:rPr lang="ko-KR" altLang="en-US"/>
               <a:t>다섯 번째 수준</a:t>
             </a:r>
-          </a:p>
-        </p:txBody>
-      </p:sp>
-      <p:sp>
-        <p:nvSpPr>
-          <p:cNvPr id="5" name="텍스트 개체 틀 4">
-            <a:extLst>
-              <a:ext uri="{FF2B5EF4-FFF2-40B4-BE49-F238E27FC236}">
-                <a16:creationId xmlns:a16="http://schemas.microsoft.com/office/drawing/2014/main" id="{5C794C6D-5F14-8241-9042-32904959B74C}"/>
-              </a:ext>
-            </a:extLst>
-          </p:cNvPr>
+            <a:endParaRPr lang="en-US" dirty="0"/>
+          </a:p>
+        </p:txBody>
+      </p:sp>
+      <p:sp>
+        <p:nvSpPr>
+          <p:cNvPr id="5" name="Text Placeholder 4"/>
           <p:cNvSpPr>
             <a:spLocks noGrp="1"/>
           </p:cNvSpPr>
@@ -1672,8 +1923,8 @@
         </p:nvSpPr>
         <p:spPr>
           <a:xfrm>
-            <a:off x="6172200" y="1681163"/>
-            <a:ext cx="5183188" cy="823912"/>
+            <a:off x="4629150" y="1681163"/>
+            <a:ext cx="3887391" cy="823912"/>
           </a:xfrm>
         </p:spPr>
         <p:txBody>
@@ -1719,7 +1970,7 @@
           <a:p>
             <a:pPr lvl="0"/>
             <a:r>
-              <a:rPr kumimoji="1" lang="ko-KR" altLang="en-US"/>
+              <a:rPr lang="ko-KR" altLang="en-US"/>
               <a:t>마스터 텍스트 스타일을 편집하려면 클릭</a:t>
             </a:r>
           </a:p>
@@ -1727,13 +1978,7 @@
       </p:sp>
       <p:sp>
         <p:nvSpPr>
-          <p:cNvPr id="6" name="내용 개체 틀 5">
-            <a:extLst>
-              <a:ext uri="{FF2B5EF4-FFF2-40B4-BE49-F238E27FC236}">
-                <a16:creationId xmlns:a16="http://schemas.microsoft.com/office/drawing/2014/main" id="{B9633014-ECA1-2347-9A6D-5403605DCA24}"/>
-              </a:ext>
-            </a:extLst>
-          </p:cNvPr>
+          <p:cNvPr id="6" name="Content Placeholder 5"/>
           <p:cNvSpPr>
             <a:spLocks noGrp="1"/>
           </p:cNvSpPr>
@@ -1743,8 +1988,8 @@
         </p:nvSpPr>
         <p:spPr>
           <a:xfrm>
-            <a:off x="6172200" y="2505075"/>
-            <a:ext cx="5183188" cy="3684588"/>
+            <a:off x="4629150" y="2505075"/>
+            <a:ext cx="3887391" cy="3684588"/>
           </a:xfrm>
         </p:spPr>
         <p:txBody>
@@ -1753,49 +1998,44 @@
           <a:p>
             <a:pPr lvl="0"/>
             <a:r>
-              <a:rPr kumimoji="1" lang="ko-KR" altLang="en-US"/>
+              <a:rPr lang="ko-KR" altLang="en-US"/>
               <a:t>마스터 텍스트 스타일을 편집하려면 클릭</a:t>
             </a:r>
           </a:p>
           <a:p>
             <a:pPr lvl="1"/>
             <a:r>
-              <a:rPr kumimoji="1" lang="ko-KR" altLang="en-US"/>
+              <a:rPr lang="ko-KR" altLang="en-US"/>
               <a:t>두 번째 수준</a:t>
             </a:r>
           </a:p>
           <a:p>
             <a:pPr lvl="2"/>
             <a:r>
-              <a:rPr kumimoji="1" lang="ko-KR" altLang="en-US"/>
+              <a:rPr lang="ko-KR" altLang="en-US"/>
               <a:t>세 번째 수준</a:t>
             </a:r>
           </a:p>
           <a:p>
             <a:pPr lvl="3"/>
             <a:r>
-              <a:rPr kumimoji="1" lang="ko-KR" altLang="en-US"/>
+              <a:rPr lang="ko-KR" altLang="en-US"/>
               <a:t>네 번째 수준</a:t>
             </a:r>
           </a:p>
           <a:p>
             <a:pPr lvl="4"/>
             <a:r>
-              <a:rPr kumimoji="1" lang="ko-KR" altLang="en-US"/>
+              <a:rPr lang="ko-KR" altLang="en-US"/>
               <a:t>다섯 번째 수준</a:t>
             </a:r>
-          </a:p>
-        </p:txBody>
-      </p:sp>
-      <p:sp>
-        <p:nvSpPr>
-          <p:cNvPr id="7" name="날짜 개체 틀 6">
-            <a:extLst>
-              <a:ext uri="{FF2B5EF4-FFF2-40B4-BE49-F238E27FC236}">
-                <a16:creationId xmlns:a16="http://schemas.microsoft.com/office/drawing/2014/main" id="{3FCC5682-A515-0247-AE39-E71A8D8A3029}"/>
-              </a:ext>
-            </a:extLst>
-          </p:cNvPr>
+            <a:endParaRPr lang="en-US" dirty="0"/>
+          </a:p>
+        </p:txBody>
+      </p:sp>
+      <p:sp>
+        <p:nvSpPr>
+          <p:cNvPr id="7" name="Date Placeholder 6"/>
           <p:cNvSpPr>
             <a:spLocks noGrp="1"/>
           </p:cNvSpPr>
@@ -1818,13 +2058,7 @@
       </p:sp>
       <p:sp>
         <p:nvSpPr>
-          <p:cNvPr id="8" name="바닥글 개체 틀 7">
-            <a:extLst>
-              <a:ext uri="{FF2B5EF4-FFF2-40B4-BE49-F238E27FC236}">
-                <a16:creationId xmlns:a16="http://schemas.microsoft.com/office/drawing/2014/main" id="{FB3868F4-5E01-E64B-AD6F-3CB2E9209EA0}"/>
-              </a:ext>
-            </a:extLst>
-          </p:cNvPr>
+          <p:cNvPr id="8" name="Footer Placeholder 7"/>
           <p:cNvSpPr>
             <a:spLocks noGrp="1"/>
           </p:cNvSpPr>
@@ -1843,13 +2077,7 @@
       </p:sp>
       <p:sp>
         <p:nvSpPr>
-          <p:cNvPr id="9" name="슬라이드 번호 개체 틀 8">
-            <a:extLst>
-              <a:ext uri="{FF2B5EF4-FFF2-40B4-BE49-F238E27FC236}">
-                <a16:creationId xmlns:a16="http://schemas.microsoft.com/office/drawing/2014/main" id="{69DFC95F-4B30-AA4B-9C32-9AAE9331C3BA}"/>
-              </a:ext>
-            </a:extLst>
-          </p:cNvPr>
+          <p:cNvPr id="9" name="Slide Number Placeholder 8"/>
           <p:cNvSpPr>
             <a:spLocks noGrp="1"/>
           </p:cNvSpPr>
@@ -1873,7 +2101,7 @@
     </p:spTree>
     <p:extLst>
       <p:ext uri="{BB962C8B-B14F-4D97-AF65-F5344CB8AC3E}">
-        <p14:creationId xmlns:p14="http://schemas.microsoft.com/office/powerpoint/2010/main" val="2947050285"/>
+        <p14:creationId xmlns:p14="http://schemas.microsoft.com/office/powerpoint/2010/main" val="1901799588"/>
       </p:ext>
     </p:extLst>
   </p:cSld>
@@ -1902,13 +2130,7 @@
       </p:grpSpPr>
       <p:sp>
         <p:nvSpPr>
-          <p:cNvPr id="2" name="제목 1">
-            <a:extLst>
-              <a:ext uri="{FF2B5EF4-FFF2-40B4-BE49-F238E27FC236}">
-                <a16:creationId xmlns:a16="http://schemas.microsoft.com/office/drawing/2014/main" id="{4614A3CA-74C7-B145-A412-D1A56411FEA2}"/>
-              </a:ext>
-            </a:extLst>
-          </p:cNvPr>
+          <p:cNvPr id="2" name="Title 1"/>
           <p:cNvSpPr>
             <a:spLocks noGrp="1"/>
           </p:cNvSpPr>
@@ -1922,21 +2144,16 @@
           <a:lstStyle/>
           <a:p>
             <a:r>
-              <a:rPr kumimoji="1" lang="ko-KR" altLang="en-US"/>
+              <a:rPr lang="ko-KR" altLang="en-US"/>
               <a:t>마스터 제목 스타일 편집</a:t>
             </a:r>
-          </a:p>
-        </p:txBody>
-      </p:sp>
-      <p:sp>
-        <p:nvSpPr>
-          <p:cNvPr id="3" name="날짜 개체 틀 2">
-            <a:extLst>
-              <a:ext uri="{FF2B5EF4-FFF2-40B4-BE49-F238E27FC236}">
-                <a16:creationId xmlns:a16="http://schemas.microsoft.com/office/drawing/2014/main" id="{C02F30D2-0E5C-AF48-858D-958A8C6B76EB}"/>
-              </a:ext>
-            </a:extLst>
-          </p:cNvPr>
+            <a:endParaRPr lang="en-US" dirty="0"/>
+          </a:p>
+        </p:txBody>
+      </p:sp>
+      <p:sp>
+        <p:nvSpPr>
+          <p:cNvPr id="3" name="Date Placeholder 2"/>
           <p:cNvSpPr>
             <a:spLocks noGrp="1"/>
           </p:cNvSpPr>
@@ -1959,13 +2176,7 @@
       </p:sp>
       <p:sp>
         <p:nvSpPr>
-          <p:cNvPr id="4" name="바닥글 개체 틀 3">
-            <a:extLst>
-              <a:ext uri="{FF2B5EF4-FFF2-40B4-BE49-F238E27FC236}">
-                <a16:creationId xmlns:a16="http://schemas.microsoft.com/office/drawing/2014/main" id="{C2ECFB75-2F72-6E40-B77D-51100B6B56EE}"/>
-              </a:ext>
-            </a:extLst>
-          </p:cNvPr>
+          <p:cNvPr id="4" name="Footer Placeholder 3"/>
           <p:cNvSpPr>
             <a:spLocks noGrp="1"/>
           </p:cNvSpPr>
@@ -1984,13 +2195,7 @@
       </p:sp>
       <p:sp>
         <p:nvSpPr>
-          <p:cNvPr id="5" name="슬라이드 번호 개체 틀 4">
-            <a:extLst>
-              <a:ext uri="{FF2B5EF4-FFF2-40B4-BE49-F238E27FC236}">
-                <a16:creationId xmlns:a16="http://schemas.microsoft.com/office/drawing/2014/main" id="{223874FA-E085-4E41-A773-317481227197}"/>
-              </a:ext>
-            </a:extLst>
-          </p:cNvPr>
+          <p:cNvPr id="5" name="Slide Number Placeholder 4"/>
           <p:cNvSpPr>
             <a:spLocks noGrp="1"/>
           </p:cNvSpPr>
@@ -2014,7 +2219,7 @@
     </p:spTree>
     <p:extLst>
       <p:ext uri="{BB962C8B-B14F-4D97-AF65-F5344CB8AC3E}">
-        <p14:creationId xmlns:p14="http://schemas.microsoft.com/office/powerpoint/2010/main" val="63510458"/>
+        <p14:creationId xmlns:p14="http://schemas.microsoft.com/office/powerpoint/2010/main" val="2428487460"/>
       </p:ext>
     </p:extLst>
   </p:cSld>
@@ -2043,13 +2248,7 @@
       </p:grpSpPr>
       <p:sp>
         <p:nvSpPr>
-          <p:cNvPr id="2" name="날짜 개체 틀 1">
-            <a:extLst>
-              <a:ext uri="{FF2B5EF4-FFF2-40B4-BE49-F238E27FC236}">
-                <a16:creationId xmlns:a16="http://schemas.microsoft.com/office/drawing/2014/main" id="{5C717216-3674-9C42-B330-79372C425BDA}"/>
-              </a:ext>
-            </a:extLst>
-          </p:cNvPr>
+          <p:cNvPr id="2" name="Date Placeholder 1"/>
           <p:cNvSpPr>
             <a:spLocks noGrp="1"/>
           </p:cNvSpPr>
@@ -2072,13 +2271,7 @@
       </p:sp>
       <p:sp>
         <p:nvSpPr>
-          <p:cNvPr id="3" name="바닥글 개체 틀 2">
-            <a:extLst>
-              <a:ext uri="{FF2B5EF4-FFF2-40B4-BE49-F238E27FC236}">
-                <a16:creationId xmlns:a16="http://schemas.microsoft.com/office/drawing/2014/main" id="{731419F8-892C-2C45-951F-462A242C0323}"/>
-              </a:ext>
-            </a:extLst>
-          </p:cNvPr>
+          <p:cNvPr id="3" name="Footer Placeholder 2"/>
           <p:cNvSpPr>
             <a:spLocks noGrp="1"/>
           </p:cNvSpPr>
@@ -2097,13 +2290,7 @@
       </p:sp>
       <p:sp>
         <p:nvSpPr>
-          <p:cNvPr id="4" name="슬라이드 번호 개체 틀 3">
-            <a:extLst>
-              <a:ext uri="{FF2B5EF4-FFF2-40B4-BE49-F238E27FC236}">
-                <a16:creationId xmlns:a16="http://schemas.microsoft.com/office/drawing/2014/main" id="{BD885A90-10F2-B042-9B9A-4FADFF99E2AD}"/>
-              </a:ext>
-            </a:extLst>
-          </p:cNvPr>
+          <p:cNvPr id="4" name="Slide Number Placeholder 3"/>
           <p:cNvSpPr>
             <a:spLocks noGrp="1"/>
           </p:cNvSpPr>
@@ -2127,7 +2314,7 @@
     </p:spTree>
     <p:extLst>
       <p:ext uri="{BB962C8B-B14F-4D97-AF65-F5344CB8AC3E}">
-        <p14:creationId xmlns:p14="http://schemas.microsoft.com/office/powerpoint/2010/main" val="289374085"/>
+        <p14:creationId xmlns:p14="http://schemas.microsoft.com/office/powerpoint/2010/main" val="3725410518"/>
       </p:ext>
     </p:extLst>
   </p:cSld>
@@ -2156,13 +2343,7 @@
       </p:grpSpPr>
       <p:sp>
         <p:nvSpPr>
-          <p:cNvPr id="2" name="제목 1">
-            <a:extLst>
-              <a:ext uri="{FF2B5EF4-FFF2-40B4-BE49-F238E27FC236}">
-                <a16:creationId xmlns:a16="http://schemas.microsoft.com/office/drawing/2014/main" id="{249B9603-1301-2846-B888-16C14EC98C5F}"/>
-              </a:ext>
-            </a:extLst>
-          </p:cNvPr>
+          <p:cNvPr id="2" name="Title 1"/>
           <p:cNvSpPr>
             <a:spLocks noGrp="1"/>
           </p:cNvSpPr>
@@ -2172,8 +2353,8 @@
         </p:nvSpPr>
         <p:spPr>
           <a:xfrm>
-            <a:off x="839788" y="457200"/>
-            <a:ext cx="3932237" cy="1600200"/>
+            <a:off x="629841" y="457200"/>
+            <a:ext cx="2949178" cy="1600200"/>
           </a:xfrm>
         </p:spPr>
         <p:txBody>
@@ -2185,21 +2366,16 @@
           </a:lstStyle>
           <a:p>
             <a:r>
-              <a:rPr kumimoji="1" lang="ko-KR" altLang="en-US"/>
+              <a:rPr lang="ko-KR" altLang="en-US"/>
               <a:t>마스터 제목 스타일 편집</a:t>
             </a:r>
-          </a:p>
-        </p:txBody>
-      </p:sp>
-      <p:sp>
-        <p:nvSpPr>
-          <p:cNvPr id="3" name="내용 개체 틀 2">
-            <a:extLst>
-              <a:ext uri="{FF2B5EF4-FFF2-40B4-BE49-F238E27FC236}">
-                <a16:creationId xmlns:a16="http://schemas.microsoft.com/office/drawing/2014/main" id="{2E077850-D1BD-994F-ABF6-2F8DABA8B80D}"/>
-              </a:ext>
-            </a:extLst>
-          </p:cNvPr>
+            <a:endParaRPr lang="en-US" dirty="0"/>
+          </a:p>
+        </p:txBody>
+      </p:sp>
+      <p:sp>
+        <p:nvSpPr>
+          <p:cNvPr id="3" name="Content Placeholder 2"/>
           <p:cNvSpPr>
             <a:spLocks noGrp="1"/>
           </p:cNvSpPr>
@@ -2209,8 +2385,8 @@
         </p:nvSpPr>
         <p:spPr>
           <a:xfrm>
-            <a:off x="5183188" y="987425"/>
-            <a:ext cx="6172200" cy="4873625"/>
+            <a:off x="3887391" y="987426"/>
+            <a:ext cx="4629150" cy="4873625"/>
           </a:xfrm>
         </p:spPr>
         <p:txBody>
@@ -2247,49 +2423,44 @@
           <a:p>
             <a:pPr lvl="0"/>
             <a:r>
-              <a:rPr kumimoji="1" lang="ko-KR" altLang="en-US"/>
+              <a:rPr lang="ko-KR" altLang="en-US"/>
               <a:t>마스터 텍스트 스타일을 편집하려면 클릭</a:t>
             </a:r>
           </a:p>
           <a:p>
             <a:pPr lvl="1"/>
             <a:r>
-              <a:rPr kumimoji="1" lang="ko-KR" altLang="en-US"/>
+              <a:rPr lang="ko-KR" altLang="en-US"/>
               <a:t>두 번째 수준</a:t>
             </a:r>
           </a:p>
           <a:p>
             <a:pPr lvl="2"/>
             <a:r>
-              <a:rPr kumimoji="1" lang="ko-KR" altLang="en-US"/>
+              <a:rPr lang="ko-KR" altLang="en-US"/>
               <a:t>세 번째 수준</a:t>
             </a:r>
           </a:p>
           <a:p>
             <a:pPr lvl="3"/>
             <a:r>
-              <a:rPr kumimoji="1" lang="ko-KR" altLang="en-US"/>
+              <a:rPr lang="ko-KR" altLang="en-US"/>
               <a:t>네 번째 수준</a:t>
             </a:r>
           </a:p>
           <a:p>
             <a:pPr lvl="4"/>
             <a:r>
-              <a:rPr kumimoji="1" lang="ko-KR" altLang="en-US"/>
+              <a:rPr lang="ko-KR" altLang="en-US"/>
               <a:t>다섯 번째 수준</a:t>
             </a:r>
-          </a:p>
-        </p:txBody>
-      </p:sp>
-      <p:sp>
-        <p:nvSpPr>
-          <p:cNvPr id="4" name="텍스트 개체 틀 3">
-            <a:extLst>
-              <a:ext uri="{FF2B5EF4-FFF2-40B4-BE49-F238E27FC236}">
-                <a16:creationId xmlns:a16="http://schemas.microsoft.com/office/drawing/2014/main" id="{B49A9A4E-489C-5648-BCB3-1F8E592CC936}"/>
-              </a:ext>
-            </a:extLst>
-          </p:cNvPr>
+            <a:endParaRPr lang="en-US" dirty="0"/>
+          </a:p>
+        </p:txBody>
+      </p:sp>
+      <p:sp>
+        <p:nvSpPr>
+          <p:cNvPr id="4" name="Text Placeholder 3"/>
           <p:cNvSpPr>
             <a:spLocks noGrp="1"/>
           </p:cNvSpPr>
@@ -2299,8 +2470,8 @@
         </p:nvSpPr>
         <p:spPr>
           <a:xfrm>
-            <a:off x="839788" y="2057400"/>
-            <a:ext cx="3932237" cy="3811588"/>
+            <a:off x="629841" y="2057400"/>
+            <a:ext cx="2949178" cy="3811588"/>
           </a:xfrm>
         </p:spPr>
         <p:txBody>
@@ -2346,7 +2517,7 @@
           <a:p>
             <a:pPr lvl="0"/>
             <a:r>
-              <a:rPr kumimoji="1" lang="ko-KR" altLang="en-US"/>
+              <a:rPr lang="ko-KR" altLang="en-US"/>
               <a:t>마스터 텍스트 스타일을 편집하려면 클릭</a:t>
             </a:r>
           </a:p>
@@ -2354,13 +2525,7 @@
       </p:sp>
       <p:sp>
         <p:nvSpPr>
-          <p:cNvPr id="5" name="날짜 개체 틀 4">
-            <a:extLst>
-              <a:ext uri="{FF2B5EF4-FFF2-40B4-BE49-F238E27FC236}">
-                <a16:creationId xmlns:a16="http://schemas.microsoft.com/office/drawing/2014/main" id="{6A42828F-CEC1-8A4E-A378-DDEFF3446211}"/>
-              </a:ext>
-            </a:extLst>
-          </p:cNvPr>
+          <p:cNvPr id="5" name="Date Placeholder 4"/>
           <p:cNvSpPr>
             <a:spLocks noGrp="1"/>
           </p:cNvSpPr>
@@ -2383,13 +2548,7 @@
       </p:sp>
       <p:sp>
         <p:nvSpPr>
-          <p:cNvPr id="6" name="바닥글 개체 틀 5">
-            <a:extLst>
-              <a:ext uri="{FF2B5EF4-FFF2-40B4-BE49-F238E27FC236}">
-                <a16:creationId xmlns:a16="http://schemas.microsoft.com/office/drawing/2014/main" id="{6C60190E-6516-C041-9C46-7B91AFB817CB}"/>
-              </a:ext>
-            </a:extLst>
-          </p:cNvPr>
+          <p:cNvPr id="6" name="Footer Placeholder 5"/>
           <p:cNvSpPr>
             <a:spLocks noGrp="1"/>
           </p:cNvSpPr>
@@ -2408,13 +2567,7 @@
       </p:sp>
       <p:sp>
         <p:nvSpPr>
-          <p:cNvPr id="7" name="슬라이드 번호 개체 틀 6">
-            <a:extLst>
-              <a:ext uri="{FF2B5EF4-FFF2-40B4-BE49-F238E27FC236}">
-                <a16:creationId xmlns:a16="http://schemas.microsoft.com/office/drawing/2014/main" id="{214446F4-2A49-2D48-A991-A3D59D962E7D}"/>
-              </a:ext>
-            </a:extLst>
-          </p:cNvPr>
+          <p:cNvPr id="7" name="Slide Number Placeholder 6"/>
           <p:cNvSpPr>
             <a:spLocks noGrp="1"/>
           </p:cNvSpPr>
@@ -2438,7 +2591,7 @@
     </p:spTree>
     <p:extLst>
       <p:ext uri="{BB962C8B-B14F-4D97-AF65-F5344CB8AC3E}">
-        <p14:creationId xmlns:p14="http://schemas.microsoft.com/office/powerpoint/2010/main" val="57123272"/>
+        <p14:creationId xmlns:p14="http://schemas.microsoft.com/office/powerpoint/2010/main" val="2675663732"/>
       </p:ext>
     </p:extLst>
   </p:cSld>
@@ -2467,13 +2620,7 @@
       </p:grpSpPr>
       <p:sp>
         <p:nvSpPr>
-          <p:cNvPr id="2" name="제목 1">
-            <a:extLst>
-              <a:ext uri="{FF2B5EF4-FFF2-40B4-BE49-F238E27FC236}">
-                <a16:creationId xmlns:a16="http://schemas.microsoft.com/office/drawing/2014/main" id="{0324F52A-A008-0542-9A01-39248D3F4DC0}"/>
-              </a:ext>
-            </a:extLst>
-          </p:cNvPr>
+          <p:cNvPr id="2" name="Title 1"/>
           <p:cNvSpPr>
             <a:spLocks noGrp="1"/>
           </p:cNvSpPr>
@@ -2483,8 +2630,8 @@
         </p:nvSpPr>
         <p:spPr>
           <a:xfrm>
-            <a:off x="839788" y="457200"/>
-            <a:ext cx="3932237" cy="1600200"/>
+            <a:off x="629841" y="457200"/>
+            <a:ext cx="2949178" cy="1600200"/>
           </a:xfrm>
         </p:spPr>
         <p:txBody>
@@ -2496,23 +2643,18 @@
           </a:lstStyle>
           <a:p>
             <a:r>
-              <a:rPr kumimoji="1" lang="ko-KR" altLang="en-US"/>
+              <a:rPr lang="ko-KR" altLang="en-US"/>
               <a:t>마스터 제목 스타일 편집</a:t>
             </a:r>
-          </a:p>
-        </p:txBody>
-      </p:sp>
-      <p:sp>
-        <p:nvSpPr>
-          <p:cNvPr id="3" name="그림 개체 틀 2">
-            <a:extLst>
-              <a:ext uri="{FF2B5EF4-FFF2-40B4-BE49-F238E27FC236}">
-                <a16:creationId xmlns:a16="http://schemas.microsoft.com/office/drawing/2014/main" id="{E60B1F19-2446-5B4E-9778-CDFE88AD68E5}"/>
-              </a:ext>
-            </a:extLst>
-          </p:cNvPr>
-          <p:cNvSpPr>
-            <a:spLocks noGrp="1"/>
+            <a:endParaRPr lang="en-US" dirty="0"/>
+          </a:p>
+        </p:txBody>
+      </p:sp>
+      <p:sp>
+        <p:nvSpPr>
+          <p:cNvPr id="3" name="Picture Placeholder 2"/>
+          <p:cNvSpPr>
+            <a:spLocks noGrp="1" noChangeAspect="1"/>
           </p:cNvSpPr>
           <p:nvPr>
             <p:ph type="pic" idx="1"/>
@@ -2520,12 +2662,12 @@
         </p:nvSpPr>
         <p:spPr>
           <a:xfrm>
-            <a:off x="5183188" y="987425"/>
-            <a:ext cx="6172200" cy="4873625"/>
-          </a:xfrm>
-        </p:spPr>
-        <p:txBody>
-          <a:bodyPr/>
+            <a:off x="3887391" y="987426"/>
+            <a:ext cx="4629150" cy="4873625"/>
+          </a:xfrm>
+        </p:spPr>
+        <p:txBody>
+          <a:bodyPr anchor="t"/>
           <a:lstStyle>
             <a:lvl1pPr marL="0" indent="0">
               <a:buNone/>
@@ -2565,19 +2707,17 @@
             </a:lvl9pPr>
           </a:lstStyle>
           <a:p>
-            <a:endParaRPr kumimoji="1" lang="ko-KR" altLang="en-US"/>
-          </a:p>
-        </p:txBody>
-      </p:sp>
-      <p:sp>
-        <p:nvSpPr>
-          <p:cNvPr id="4" name="텍스트 개체 틀 3">
-            <a:extLst>
-              <a:ext uri="{FF2B5EF4-FFF2-40B4-BE49-F238E27FC236}">
-                <a16:creationId xmlns:a16="http://schemas.microsoft.com/office/drawing/2014/main" id="{D0434C58-9AB7-1B4F-A1E8-DD5CCF8625B9}"/>
-              </a:ext>
-            </a:extLst>
-          </p:cNvPr>
+            <a:r>
+              <a:rPr lang="ko-KR" altLang="en-US"/>
+              <a:t>그림을 추가하려면 아이콘을 클릭하십시오</a:t>
+            </a:r>
+            <a:endParaRPr lang="en-US" dirty="0"/>
+          </a:p>
+        </p:txBody>
+      </p:sp>
+      <p:sp>
+        <p:nvSpPr>
+          <p:cNvPr id="4" name="Text Placeholder 3"/>
           <p:cNvSpPr>
             <a:spLocks noGrp="1"/>
           </p:cNvSpPr>
@@ -2587,8 +2727,8 @@
         </p:nvSpPr>
         <p:spPr>
           <a:xfrm>
-            <a:off x="839788" y="2057400"/>
-            <a:ext cx="3932237" cy="3811588"/>
+            <a:off x="629841" y="2057400"/>
+            <a:ext cx="2949178" cy="3811588"/>
           </a:xfrm>
         </p:spPr>
         <p:txBody>
@@ -2634,7 +2774,7 @@
           <a:p>
             <a:pPr lvl="0"/>
             <a:r>
-              <a:rPr kumimoji="1" lang="ko-KR" altLang="en-US"/>
+              <a:rPr lang="ko-KR" altLang="en-US"/>
               <a:t>마스터 텍스트 스타일을 편집하려면 클릭</a:t>
             </a:r>
           </a:p>
@@ -2642,13 +2782,7 @@
       </p:sp>
       <p:sp>
         <p:nvSpPr>
-          <p:cNvPr id="5" name="날짜 개체 틀 4">
-            <a:extLst>
-              <a:ext uri="{FF2B5EF4-FFF2-40B4-BE49-F238E27FC236}">
-                <a16:creationId xmlns:a16="http://schemas.microsoft.com/office/drawing/2014/main" id="{12E5659E-DF16-0D43-9C7A-87752C9A8F24}"/>
-              </a:ext>
-            </a:extLst>
-          </p:cNvPr>
+          <p:cNvPr id="5" name="Date Placeholder 4"/>
           <p:cNvSpPr>
             <a:spLocks noGrp="1"/>
           </p:cNvSpPr>
@@ -2671,13 +2805,7 @@
       </p:sp>
       <p:sp>
         <p:nvSpPr>
-          <p:cNvPr id="6" name="바닥글 개체 틀 5">
-            <a:extLst>
-              <a:ext uri="{FF2B5EF4-FFF2-40B4-BE49-F238E27FC236}">
-                <a16:creationId xmlns:a16="http://schemas.microsoft.com/office/drawing/2014/main" id="{A7DE97E8-E9BF-FD45-BA52-A50DDB622B25}"/>
-              </a:ext>
-            </a:extLst>
-          </p:cNvPr>
+          <p:cNvPr id="6" name="Footer Placeholder 5"/>
           <p:cNvSpPr>
             <a:spLocks noGrp="1"/>
           </p:cNvSpPr>
@@ -2696,13 +2824,7 @@
       </p:sp>
       <p:sp>
         <p:nvSpPr>
-          <p:cNvPr id="7" name="슬라이드 번호 개체 틀 6">
-            <a:extLst>
-              <a:ext uri="{FF2B5EF4-FFF2-40B4-BE49-F238E27FC236}">
-                <a16:creationId xmlns:a16="http://schemas.microsoft.com/office/drawing/2014/main" id="{BD00F4B6-6FD5-9B4D-A00D-E5230218CA08}"/>
-              </a:ext>
-            </a:extLst>
-          </p:cNvPr>
+          <p:cNvPr id="7" name="Slide Number Placeholder 6"/>
           <p:cNvSpPr>
             <a:spLocks noGrp="1"/>
           </p:cNvSpPr>
@@ -2726,7 +2848,7 @@
     </p:spTree>
     <p:extLst>
       <p:ext uri="{BB962C8B-B14F-4D97-AF65-F5344CB8AC3E}">
-        <p14:creationId xmlns:p14="http://schemas.microsoft.com/office/powerpoint/2010/main" val="2315510783"/>
+        <p14:creationId xmlns:p14="http://schemas.microsoft.com/office/powerpoint/2010/main" val="2934615713"/>
       </p:ext>
     </p:extLst>
   </p:cSld>
@@ -2760,13 +2882,7 @@
       </p:grpSpPr>
       <p:sp>
         <p:nvSpPr>
-          <p:cNvPr id="2" name="제목 개체 틀 1">
-            <a:extLst>
-              <a:ext uri="{FF2B5EF4-FFF2-40B4-BE49-F238E27FC236}">
-                <a16:creationId xmlns:a16="http://schemas.microsoft.com/office/drawing/2014/main" id="{65DE3146-DB7A-ED4C-8589-F60F19CD02E0}"/>
-              </a:ext>
-            </a:extLst>
-          </p:cNvPr>
+          <p:cNvPr id="2" name="Title Placeholder 1"/>
           <p:cNvSpPr>
             <a:spLocks noGrp="1"/>
           </p:cNvSpPr>
@@ -2776,8 +2892,8 @@
         </p:nvSpPr>
         <p:spPr>
           <a:xfrm>
-            <a:off x="838200" y="365125"/>
-            <a:ext cx="10515600" cy="1325563"/>
+            <a:off x="75757" y="35517"/>
+            <a:ext cx="7886700" cy="1325563"/>
           </a:xfrm>
           <a:prstGeom prst="rect">
             <a:avLst/>
@@ -2790,21 +2906,16 @@
           <a:lstStyle/>
           <a:p>
             <a:r>
-              <a:rPr kumimoji="1" lang="ko-KR" altLang="en-US"/>
+              <a:rPr lang="ko-KR" altLang="en-US"/>
               <a:t>마스터 제목 스타일 편집</a:t>
             </a:r>
-          </a:p>
-        </p:txBody>
-      </p:sp>
-      <p:sp>
-        <p:nvSpPr>
-          <p:cNvPr id="3" name="텍스트 개체 틀 2">
-            <a:extLst>
-              <a:ext uri="{FF2B5EF4-FFF2-40B4-BE49-F238E27FC236}">
-                <a16:creationId xmlns:a16="http://schemas.microsoft.com/office/drawing/2014/main" id="{DBAE2FF6-31DC-6943-BEB4-4952E9751E1B}"/>
-              </a:ext>
-            </a:extLst>
-          </p:cNvPr>
+            <a:endParaRPr lang="en-US" dirty="0"/>
+          </a:p>
+        </p:txBody>
+      </p:sp>
+      <p:sp>
+        <p:nvSpPr>
+          <p:cNvPr id="3" name="Text Placeholder 2"/>
           <p:cNvSpPr>
             <a:spLocks noGrp="1"/>
           </p:cNvSpPr>
@@ -2814,8 +2925,8 @@
         </p:nvSpPr>
         <p:spPr>
           <a:xfrm>
-            <a:off x="838200" y="1825625"/>
-            <a:ext cx="10515600" cy="4351338"/>
+            <a:off x="628650" y="1825625"/>
+            <a:ext cx="7886700" cy="4351338"/>
           </a:xfrm>
           <a:prstGeom prst="rect">
             <a:avLst/>
@@ -2829,49 +2940,44 @@
           <a:p>
             <a:pPr lvl="0"/>
             <a:r>
-              <a:rPr kumimoji="1" lang="ko-KR" altLang="en-US"/>
+              <a:rPr lang="ko-KR" altLang="en-US"/>
               <a:t>마스터 텍스트 스타일을 편집하려면 클릭</a:t>
             </a:r>
           </a:p>
           <a:p>
             <a:pPr lvl="1"/>
             <a:r>
-              <a:rPr kumimoji="1" lang="ko-KR" altLang="en-US"/>
+              <a:rPr lang="ko-KR" altLang="en-US"/>
               <a:t>두 번째 수준</a:t>
             </a:r>
           </a:p>
           <a:p>
             <a:pPr lvl="2"/>
             <a:r>
-              <a:rPr kumimoji="1" lang="ko-KR" altLang="en-US"/>
+              <a:rPr lang="ko-KR" altLang="en-US"/>
               <a:t>세 번째 수준</a:t>
             </a:r>
           </a:p>
           <a:p>
             <a:pPr lvl="3"/>
             <a:r>
-              <a:rPr kumimoji="1" lang="ko-KR" altLang="en-US"/>
+              <a:rPr lang="ko-KR" altLang="en-US"/>
               <a:t>네 번째 수준</a:t>
             </a:r>
           </a:p>
           <a:p>
             <a:pPr lvl="4"/>
             <a:r>
-              <a:rPr kumimoji="1" lang="ko-KR" altLang="en-US"/>
+              <a:rPr lang="ko-KR" altLang="en-US"/>
               <a:t>다섯 번째 수준</a:t>
             </a:r>
-          </a:p>
-        </p:txBody>
-      </p:sp>
-      <p:sp>
-        <p:nvSpPr>
-          <p:cNvPr id="4" name="날짜 개체 틀 3">
-            <a:extLst>
-              <a:ext uri="{FF2B5EF4-FFF2-40B4-BE49-F238E27FC236}">
-                <a16:creationId xmlns:a16="http://schemas.microsoft.com/office/drawing/2014/main" id="{D1B84C7B-EF15-354D-A1B6-EB453D65B3DE}"/>
-              </a:ext>
-            </a:extLst>
-          </p:cNvPr>
+            <a:endParaRPr lang="en-US" dirty="0"/>
+          </a:p>
+        </p:txBody>
+      </p:sp>
+      <p:sp>
+        <p:nvSpPr>
+          <p:cNvPr id="4" name="Date Placeholder 3"/>
           <p:cNvSpPr>
             <a:spLocks noGrp="1"/>
           </p:cNvSpPr>
@@ -2881,8 +2987,8 @@
         </p:nvSpPr>
         <p:spPr>
           <a:xfrm>
-            <a:off x="838200" y="6356350"/>
-            <a:ext cx="2743200" cy="365125"/>
+            <a:off x="628650" y="6356351"/>
+            <a:ext cx="2057400" cy="365125"/>
           </a:xfrm>
           <a:prstGeom prst="rect">
             <a:avLst/>
@@ -2912,13 +3018,7 @@
       </p:sp>
       <p:sp>
         <p:nvSpPr>
-          <p:cNvPr id="5" name="바닥글 개체 틀 4">
-            <a:extLst>
-              <a:ext uri="{FF2B5EF4-FFF2-40B4-BE49-F238E27FC236}">
-                <a16:creationId xmlns:a16="http://schemas.microsoft.com/office/drawing/2014/main" id="{4A2C8D72-A837-6341-A1FF-23180946CE7E}"/>
-              </a:ext>
-            </a:extLst>
-          </p:cNvPr>
+          <p:cNvPr id="5" name="Footer Placeholder 4"/>
           <p:cNvSpPr>
             <a:spLocks noGrp="1"/>
           </p:cNvSpPr>
@@ -2928,8 +3028,8 @@
         </p:nvSpPr>
         <p:spPr>
           <a:xfrm>
-            <a:off x="4038600" y="6356350"/>
-            <a:ext cx="4114800" cy="365125"/>
+            <a:off x="3028950" y="6356351"/>
+            <a:ext cx="3086100" cy="365125"/>
           </a:xfrm>
           <a:prstGeom prst="rect">
             <a:avLst/>
@@ -2955,13 +3055,7 @@
       </p:sp>
       <p:sp>
         <p:nvSpPr>
-          <p:cNvPr id="6" name="슬라이드 번호 개체 틀 5">
-            <a:extLst>
-              <a:ext uri="{FF2B5EF4-FFF2-40B4-BE49-F238E27FC236}">
-                <a16:creationId xmlns:a16="http://schemas.microsoft.com/office/drawing/2014/main" id="{0C54E93E-4EC1-A04A-80A8-ACFF024C5D72}"/>
-              </a:ext>
-            </a:extLst>
-          </p:cNvPr>
+          <p:cNvPr id="6" name="Slide Number Placeholder 5"/>
           <p:cNvSpPr>
             <a:spLocks noGrp="1"/>
           </p:cNvSpPr>
@@ -2971,8 +3065,8 @@
         </p:nvSpPr>
         <p:spPr>
           <a:xfrm>
-            <a:off x="8610600" y="6356350"/>
-            <a:ext cx="2743200" cy="365125"/>
+            <a:off x="6457950" y="6356351"/>
+            <a:ext cx="2057400" cy="365125"/>
           </a:xfrm>
           <a:prstGeom prst="rect">
             <a:avLst/>
@@ -3003,23 +3097,23 @@
     </p:spTree>
     <p:extLst>
       <p:ext uri="{BB962C8B-B14F-4D97-AF65-F5344CB8AC3E}">
-        <p14:creationId xmlns:p14="http://schemas.microsoft.com/office/powerpoint/2010/main" val="3688088558"/>
+        <p14:creationId xmlns:p14="http://schemas.microsoft.com/office/powerpoint/2010/main" val="459279827"/>
       </p:ext>
     </p:extLst>
   </p:cSld>
   <p:clrMap bg1="lt1" tx1="dk1" bg2="lt2" tx2="dk2" accent1="accent1" accent2="accent2" accent3="accent3" accent4="accent4" accent5="accent5" accent6="accent6" hlink="hlink" folHlink="folHlink"/>
   <p:sldLayoutIdLst>
-    <p:sldLayoutId id="2147483649" r:id="rId1"/>
-    <p:sldLayoutId id="2147483650" r:id="rId2"/>
-    <p:sldLayoutId id="2147483651" r:id="rId3"/>
-    <p:sldLayoutId id="2147483652" r:id="rId4"/>
-    <p:sldLayoutId id="2147483653" r:id="rId5"/>
-    <p:sldLayoutId id="2147483654" r:id="rId6"/>
-    <p:sldLayoutId id="2147483655" r:id="rId7"/>
-    <p:sldLayoutId id="2147483656" r:id="rId8"/>
-    <p:sldLayoutId id="2147483657" r:id="rId9"/>
-    <p:sldLayoutId id="2147483658" r:id="rId10"/>
-    <p:sldLayoutId id="2147483659" r:id="rId11"/>
+    <p:sldLayoutId id="2147483661" r:id="rId1"/>
+    <p:sldLayoutId id="2147483662" r:id="rId2"/>
+    <p:sldLayoutId id="2147483663" r:id="rId3"/>
+    <p:sldLayoutId id="2147483664" r:id="rId4"/>
+    <p:sldLayoutId id="2147483665" r:id="rId5"/>
+    <p:sldLayoutId id="2147483666" r:id="rId6"/>
+    <p:sldLayoutId id="2147483667" r:id="rId7"/>
+    <p:sldLayoutId id="2147483668" r:id="rId8"/>
+    <p:sldLayoutId id="2147483669" r:id="rId9"/>
+    <p:sldLayoutId id="2147483670" r:id="rId10"/>
+    <p:sldLayoutId id="2147483671" r:id="rId11"/>
   </p:sldLayoutIdLst>
   <p:txStyles>
     <p:titleStyle>
@@ -3207,7 +3301,7 @@
     </p:bodyStyle>
     <p:otherStyle>
       <a:defPPr>
-        <a:defRPr lang="ko-KR"/>
+        <a:defRPr lang="en-US"/>
       </a:defPPr>
       <a:lvl1pPr marL="0" algn="l" defTabSz="914400" rtl="0" eaLnBrk="1" latinLnBrk="1" hangingPunct="1">
         <a:defRPr sz="1800" kern="1200">
@@ -3342,7 +3436,7 @@
           <a:bodyPr/>
           <a:lstStyle/>
           <a:p>
-            <a:endParaRPr kumimoji="1" lang="ko-KR" altLang="en-US"/>
+            <a:endParaRPr kumimoji="1" lang="ko-KR" altLang="en-US" dirty="0"/>
           </a:p>
         </p:txBody>
       </p:sp>
@@ -3384,7 +3478,2945 @@
 </p:sld>
 </file>
 
+<file path=ppt/slides/slide2.xml><?xml version="1.0" encoding="utf-8"?>
+<p:sld xmlns:a="http://schemas.openxmlformats.org/drawingml/2006/main" xmlns:r="http://schemas.openxmlformats.org/officeDocument/2006/relationships" xmlns:p="http://schemas.openxmlformats.org/presentationml/2006/main">
+  <p:cSld>
+    <p:spTree>
+      <p:nvGrpSpPr>
+        <p:cNvPr id="1" name=""/>
+        <p:cNvGrpSpPr/>
+        <p:nvPr/>
+      </p:nvGrpSpPr>
+      <p:grpSpPr>
+        <a:xfrm>
+          <a:off x="0" y="0"/>
+          <a:ext cx="0" cy="0"/>
+          <a:chOff x="0" y="0"/>
+          <a:chExt cx="0" cy="0"/>
+        </a:xfrm>
+      </p:grpSpPr>
+      <p:sp>
+        <p:nvSpPr>
+          <p:cNvPr id="2" name="제목 1">
+            <a:extLst>
+              <a:ext uri="{FF2B5EF4-FFF2-40B4-BE49-F238E27FC236}">
+                <a16:creationId xmlns:a16="http://schemas.microsoft.com/office/drawing/2014/main" id="{D04743AA-EDE2-E145-BF95-5ED821B1B4D7}"/>
+              </a:ext>
+            </a:extLst>
+          </p:cNvPr>
+          <p:cNvSpPr>
+            <a:spLocks noGrp="1"/>
+          </p:cNvSpPr>
+          <p:nvPr>
+            <p:ph type="title"/>
+          </p:nvPr>
+        </p:nvSpPr>
+        <p:spPr/>
+        <p:txBody>
+          <a:bodyPr/>
+          <a:lstStyle/>
+          <a:p>
+            <a:r>
+              <a:rPr kumimoji="1" lang="en-US" altLang="ko-KR" dirty="0"/>
+              <a:t>Sequence</a:t>
+            </a:r>
+            <a:endParaRPr kumimoji="1" lang="ko-KR" altLang="en-US" dirty="0"/>
+          </a:p>
+        </p:txBody>
+      </p:sp>
+      <p:pic>
+        <p:nvPicPr>
+          <p:cNvPr id="5" name="그림 4">
+            <a:extLst>
+              <a:ext uri="{FF2B5EF4-FFF2-40B4-BE49-F238E27FC236}">
+                <a16:creationId xmlns:a16="http://schemas.microsoft.com/office/drawing/2014/main" id="{FEF83162-15DC-2D4D-82D3-314123B91A15}"/>
+              </a:ext>
+            </a:extLst>
+          </p:cNvPr>
+          <p:cNvPicPr>
+            <a:picLocks noChangeAspect="1"/>
+          </p:cNvPicPr>
+          <p:nvPr/>
+        </p:nvPicPr>
+        <p:blipFill>
+          <a:blip r:embed="rId2"/>
+          <a:stretch>
+            <a:fillRect/>
+          </a:stretch>
+        </p:blipFill>
+        <p:spPr>
+          <a:xfrm>
+            <a:off x="3232419" y="663262"/>
+            <a:ext cx="5701921" cy="4848821"/>
+          </a:xfrm>
+          <a:prstGeom prst="rect">
+            <a:avLst/>
+          </a:prstGeom>
+        </p:spPr>
+      </p:pic>
+    </p:spTree>
+    <p:extLst>
+      <p:ext uri="{BB962C8B-B14F-4D97-AF65-F5344CB8AC3E}">
+        <p14:creationId xmlns:p14="http://schemas.microsoft.com/office/powerpoint/2010/main" val="2485351257"/>
+      </p:ext>
+    </p:extLst>
+  </p:cSld>
+  <p:clrMapOvr>
+    <a:masterClrMapping/>
+  </p:clrMapOvr>
+</p:sld>
+</file>
+
+<file path=ppt/slides/slide3.xml><?xml version="1.0" encoding="utf-8"?>
+<p:sld xmlns:a="http://schemas.openxmlformats.org/drawingml/2006/main" xmlns:r="http://schemas.openxmlformats.org/officeDocument/2006/relationships" xmlns:p="http://schemas.openxmlformats.org/presentationml/2006/main">
+  <p:cSld>
+    <p:spTree>
+      <p:nvGrpSpPr>
+        <p:cNvPr id="1" name=""/>
+        <p:cNvGrpSpPr/>
+        <p:nvPr/>
+      </p:nvGrpSpPr>
+      <p:grpSpPr>
+        <a:xfrm>
+          <a:off x="0" y="0"/>
+          <a:ext cx="0" cy="0"/>
+          <a:chOff x="0" y="0"/>
+          <a:chExt cx="0" cy="0"/>
+        </a:xfrm>
+      </p:grpSpPr>
+      <p:sp>
+        <p:nvSpPr>
+          <p:cNvPr id="2" name="제목 1">
+            <a:extLst>
+              <a:ext uri="{FF2B5EF4-FFF2-40B4-BE49-F238E27FC236}">
+                <a16:creationId xmlns:a16="http://schemas.microsoft.com/office/drawing/2014/main" id="{71A634B0-4382-E443-931E-5EFE3752A49F}"/>
+              </a:ext>
+            </a:extLst>
+          </p:cNvPr>
+          <p:cNvSpPr>
+            <a:spLocks noGrp="1"/>
+          </p:cNvSpPr>
+          <p:nvPr>
+            <p:ph type="title"/>
+          </p:nvPr>
+        </p:nvSpPr>
+        <p:spPr/>
+        <p:txBody>
+          <a:bodyPr/>
+          <a:lstStyle/>
+          <a:p>
+            <a:r>
+              <a:rPr kumimoji="1" lang="ko-KR" altLang="en-US" dirty="0"/>
+              <a:t>화학 약품 리스트 불러오기</a:t>
+            </a:r>
+          </a:p>
+        </p:txBody>
+      </p:sp>
+      <p:pic>
+        <p:nvPicPr>
+          <p:cNvPr id="4" name="그림 3">
+            <a:extLst>
+              <a:ext uri="{FF2B5EF4-FFF2-40B4-BE49-F238E27FC236}">
+                <a16:creationId xmlns:a16="http://schemas.microsoft.com/office/drawing/2014/main" id="{11182DD7-155F-FF47-8008-006217F8D87D}"/>
+              </a:ext>
+            </a:extLst>
+          </p:cNvPr>
+          <p:cNvPicPr>
+            <a:picLocks noChangeAspect="1"/>
+          </p:cNvPicPr>
+          <p:nvPr/>
+        </p:nvPicPr>
+        <p:blipFill>
+          <a:blip r:embed="rId3"/>
+          <a:stretch>
+            <a:fillRect/>
+          </a:stretch>
+        </p:blipFill>
+        <p:spPr>
+          <a:xfrm>
+            <a:off x="491393" y="1632210"/>
+            <a:ext cx="8161214" cy="2961056"/>
+          </a:xfrm>
+          <a:prstGeom prst="rect">
+            <a:avLst/>
+          </a:prstGeom>
+        </p:spPr>
+      </p:pic>
+    </p:spTree>
+    <p:extLst>
+      <p:ext uri="{BB962C8B-B14F-4D97-AF65-F5344CB8AC3E}">
+        <p14:creationId xmlns:p14="http://schemas.microsoft.com/office/powerpoint/2010/main" val="1061804634"/>
+      </p:ext>
+    </p:extLst>
+  </p:cSld>
+  <p:clrMapOvr>
+    <a:masterClrMapping/>
+  </p:clrMapOvr>
+</p:sld>
+</file>
+
+<file path=ppt/slides/slide4.xml><?xml version="1.0" encoding="utf-8"?>
+<p:sld xmlns:a="http://schemas.openxmlformats.org/drawingml/2006/main" xmlns:r="http://schemas.openxmlformats.org/officeDocument/2006/relationships" xmlns:p="http://schemas.openxmlformats.org/presentationml/2006/main">
+  <p:cSld>
+    <p:spTree>
+      <p:nvGrpSpPr>
+        <p:cNvPr id="1" name=""/>
+        <p:cNvGrpSpPr/>
+        <p:nvPr/>
+      </p:nvGrpSpPr>
+      <p:grpSpPr>
+        <a:xfrm>
+          <a:off x="0" y="0"/>
+          <a:ext cx="0" cy="0"/>
+          <a:chOff x="0" y="0"/>
+          <a:chExt cx="0" cy="0"/>
+        </a:xfrm>
+      </p:grpSpPr>
+      <p:sp>
+        <p:nvSpPr>
+          <p:cNvPr id="2" name="제목 1">
+            <a:extLst>
+              <a:ext uri="{FF2B5EF4-FFF2-40B4-BE49-F238E27FC236}">
+                <a16:creationId xmlns:a16="http://schemas.microsoft.com/office/drawing/2014/main" id="{98755B68-F0C7-3043-B982-2555679559EA}"/>
+              </a:ext>
+            </a:extLst>
+          </p:cNvPr>
+          <p:cNvSpPr>
+            <a:spLocks noGrp="1"/>
+          </p:cNvSpPr>
+          <p:nvPr>
+            <p:ph type="title"/>
+          </p:nvPr>
+        </p:nvSpPr>
+        <p:spPr>
+          <a:xfrm>
+            <a:off x="320306" y="281318"/>
+            <a:ext cx="7886700" cy="1325563"/>
+          </a:xfrm>
+        </p:spPr>
+        <p:txBody>
+          <a:bodyPr/>
+          <a:lstStyle/>
+          <a:p>
+            <a:r>
+              <a:rPr kumimoji="1" lang="en-US" altLang="ko-KR" dirty="0"/>
+              <a:t>Implementation</a:t>
+            </a:r>
+            <a:endParaRPr kumimoji="1" lang="ko-KR" altLang="en-US" dirty="0"/>
+          </a:p>
+        </p:txBody>
+      </p:sp>
+      <p:grpSp>
+        <p:nvGrpSpPr>
+          <p:cNvPr id="6" name="그룹 5">
+            <a:extLst>
+              <a:ext uri="{FF2B5EF4-FFF2-40B4-BE49-F238E27FC236}">
+                <a16:creationId xmlns:a16="http://schemas.microsoft.com/office/drawing/2014/main" id="{90200A1A-B778-8648-A505-4F6047769893}"/>
+              </a:ext>
+            </a:extLst>
+          </p:cNvPr>
+          <p:cNvGrpSpPr/>
+          <p:nvPr/>
+        </p:nvGrpSpPr>
+        <p:grpSpPr>
+          <a:xfrm>
+            <a:off x="788146" y="3100812"/>
+            <a:ext cx="7204472" cy="3311294"/>
+            <a:chOff x="838200" y="1871442"/>
+            <a:chExt cx="8077200" cy="3721100"/>
+          </a:xfrm>
+        </p:grpSpPr>
+        <p:pic>
+          <p:nvPicPr>
+            <p:cNvPr id="4" name="그림 3">
+              <a:extLst>
+                <a:ext uri="{FF2B5EF4-FFF2-40B4-BE49-F238E27FC236}">
+                  <a16:creationId xmlns:a16="http://schemas.microsoft.com/office/drawing/2014/main" id="{DFC3F464-E59C-4E49-B437-E9EBAD1C11F0}"/>
+                </a:ext>
+              </a:extLst>
+            </p:cNvPr>
+            <p:cNvPicPr>
+              <a:picLocks noChangeAspect="1"/>
+            </p:cNvPicPr>
+            <p:nvPr/>
+          </p:nvPicPr>
+          <p:blipFill>
+            <a:blip r:embed="rId2"/>
+            <a:stretch>
+              <a:fillRect/>
+            </a:stretch>
+          </p:blipFill>
+          <p:spPr>
+            <a:xfrm>
+              <a:off x="838200" y="1871442"/>
+              <a:ext cx="8077200" cy="3721100"/>
+            </a:xfrm>
+            <a:prstGeom prst="rect">
+              <a:avLst/>
+            </a:prstGeom>
+          </p:spPr>
+        </p:pic>
+        <p:sp>
+          <p:nvSpPr>
+            <p:cNvPr id="5" name="직사각형 4">
+              <a:extLst>
+                <a:ext uri="{FF2B5EF4-FFF2-40B4-BE49-F238E27FC236}">
+                  <a16:creationId xmlns:a16="http://schemas.microsoft.com/office/drawing/2014/main" id="{C4EE269D-F7FD-5446-A869-9227B725247F}"/>
+                </a:ext>
+              </a:extLst>
+            </p:cNvPr>
+            <p:cNvSpPr/>
+            <p:nvPr/>
+          </p:nvSpPr>
+          <p:spPr>
+            <a:xfrm>
+              <a:off x="1071563" y="4229100"/>
+              <a:ext cx="7843837" cy="1257300"/>
+            </a:xfrm>
+            <a:prstGeom prst="rect">
+              <a:avLst/>
+            </a:prstGeom>
+            <a:solidFill>
+              <a:schemeClr val="accent4">
+                <a:alpha val="21000"/>
+              </a:schemeClr>
+            </a:solidFill>
+            <a:ln>
+              <a:noFill/>
+            </a:ln>
+          </p:spPr>
+          <p:style>
+            <a:lnRef idx="2">
+              <a:schemeClr val="accent1">
+                <a:shade val="50000"/>
+              </a:schemeClr>
+            </a:lnRef>
+            <a:fillRef idx="1">
+              <a:schemeClr val="accent1"/>
+            </a:fillRef>
+            <a:effectRef idx="0">
+              <a:schemeClr val="accent1"/>
+            </a:effectRef>
+            <a:fontRef idx="minor">
+              <a:schemeClr val="lt1"/>
+            </a:fontRef>
+          </p:style>
+          <p:txBody>
+            <a:bodyPr rot="0" spcFirstLastPara="0" vertOverflow="overflow" horzOverflow="overflow" vert="horz" wrap="square" lIns="68580" tIns="34290" rIns="68580" bIns="34290" numCol="1" spcCol="0" rtlCol="0" fromWordArt="0" anchor="ctr" anchorCtr="0" forceAA="0" compatLnSpc="1">
+              <a:prstTxWarp prst="textNoShape">
+                <a:avLst/>
+              </a:prstTxWarp>
+              <a:noAutofit/>
+            </a:bodyPr>
+            <a:lstStyle/>
+            <a:p>
+              <a:pPr algn="ctr"/>
+              <a:endParaRPr kumimoji="1" lang="ko-KR" altLang="en-US" sz="1013"/>
+            </a:p>
+          </p:txBody>
+        </p:sp>
+      </p:grpSp>
+      <p:cxnSp>
+        <p:nvCxnSpPr>
+          <p:cNvPr id="10" name="직선 연결선[R] 9">
+            <a:extLst>
+              <a:ext uri="{FF2B5EF4-FFF2-40B4-BE49-F238E27FC236}">
+                <a16:creationId xmlns:a16="http://schemas.microsoft.com/office/drawing/2014/main" id="{945FB098-1D3D-324D-A75F-9749529A1356}"/>
+              </a:ext>
+            </a:extLst>
+          </p:cNvPr>
+          <p:cNvCxnSpPr>
+            <a:cxnSpLocks/>
+          </p:cNvCxnSpPr>
+          <p:nvPr/>
+        </p:nvCxnSpPr>
+        <p:spPr>
+          <a:xfrm>
+            <a:off x="1616821" y="3411731"/>
+            <a:ext cx="1125140" cy="0"/>
+          </a:xfrm>
+          <a:prstGeom prst="line">
+            <a:avLst/>
+          </a:prstGeom>
+          <a:ln w="50800">
+            <a:solidFill>
+              <a:schemeClr val="accent4"/>
+            </a:solidFill>
+          </a:ln>
+        </p:spPr>
+        <p:style>
+          <a:lnRef idx="1">
+            <a:schemeClr val="accent1"/>
+          </a:lnRef>
+          <a:fillRef idx="0">
+            <a:schemeClr val="accent1"/>
+          </a:fillRef>
+          <a:effectRef idx="0">
+            <a:schemeClr val="accent1"/>
+          </a:effectRef>
+          <a:fontRef idx="minor">
+            <a:schemeClr val="tx1"/>
+          </a:fontRef>
+        </p:style>
+      </p:cxnSp>
+      <p:cxnSp>
+        <p:nvCxnSpPr>
+          <p:cNvPr id="12" name="직선 연결선[R] 11">
+            <a:extLst>
+              <a:ext uri="{FF2B5EF4-FFF2-40B4-BE49-F238E27FC236}">
+                <a16:creationId xmlns:a16="http://schemas.microsoft.com/office/drawing/2014/main" id="{D5FF9D32-FB93-A743-A1B6-1F156E1ED88B}"/>
+              </a:ext>
+            </a:extLst>
+          </p:cNvPr>
+          <p:cNvCxnSpPr>
+            <a:cxnSpLocks/>
+          </p:cNvCxnSpPr>
+          <p:nvPr/>
+        </p:nvCxnSpPr>
+        <p:spPr>
+          <a:xfrm>
+            <a:off x="3992117" y="5744165"/>
+            <a:ext cx="2457450" cy="0"/>
+          </a:xfrm>
+          <a:prstGeom prst="line">
+            <a:avLst/>
+          </a:prstGeom>
+          <a:ln w="50800">
+            <a:solidFill>
+              <a:schemeClr val="accent4"/>
+            </a:solidFill>
+          </a:ln>
+        </p:spPr>
+        <p:style>
+          <a:lnRef idx="1">
+            <a:schemeClr val="accent1"/>
+          </a:lnRef>
+          <a:fillRef idx="0">
+            <a:schemeClr val="accent1"/>
+          </a:fillRef>
+          <a:effectRef idx="0">
+            <a:schemeClr val="accent1"/>
+          </a:effectRef>
+          <a:fontRef idx="minor">
+            <a:schemeClr val="tx1"/>
+          </a:fontRef>
+        </p:style>
+      </p:cxnSp>
+      <p:cxnSp>
+        <p:nvCxnSpPr>
+          <p:cNvPr id="15" name="직선 연결선[R] 14">
+            <a:extLst>
+              <a:ext uri="{FF2B5EF4-FFF2-40B4-BE49-F238E27FC236}">
+                <a16:creationId xmlns:a16="http://schemas.microsoft.com/office/drawing/2014/main" id="{BEB65284-BC59-464F-8118-6DFD8C83B1E5}"/>
+              </a:ext>
+            </a:extLst>
+          </p:cNvPr>
+          <p:cNvCxnSpPr>
+            <a:cxnSpLocks/>
+          </p:cNvCxnSpPr>
+          <p:nvPr/>
+        </p:nvCxnSpPr>
+        <p:spPr>
+          <a:xfrm>
+            <a:off x="2457998" y="5515565"/>
+            <a:ext cx="1534121" cy="0"/>
+          </a:xfrm>
+          <a:prstGeom prst="line">
+            <a:avLst/>
+          </a:prstGeom>
+          <a:ln w="50800">
+            <a:solidFill>
+              <a:schemeClr val="accent4"/>
+            </a:solidFill>
+          </a:ln>
+        </p:spPr>
+        <p:style>
+          <a:lnRef idx="1">
+            <a:schemeClr val="accent1"/>
+          </a:lnRef>
+          <a:fillRef idx="0">
+            <a:schemeClr val="accent1"/>
+          </a:fillRef>
+          <a:effectRef idx="0">
+            <a:schemeClr val="accent1"/>
+          </a:effectRef>
+          <a:fontRef idx="minor">
+            <a:schemeClr val="tx1"/>
+          </a:fontRef>
+        </p:style>
+      </p:cxnSp>
+      <p:sp>
+        <p:nvSpPr>
+          <p:cNvPr id="17" name="TextBox 16">
+            <a:extLst>
+              <a:ext uri="{FF2B5EF4-FFF2-40B4-BE49-F238E27FC236}">
+                <a16:creationId xmlns:a16="http://schemas.microsoft.com/office/drawing/2014/main" id="{CA3923D9-7288-A54D-910D-A52D2C912D57}"/>
+              </a:ext>
+            </a:extLst>
+          </p:cNvPr>
+          <p:cNvSpPr txBox="1"/>
+          <p:nvPr/>
+        </p:nvSpPr>
+        <p:spPr>
+          <a:xfrm>
+            <a:off x="2264781" y="4953863"/>
+            <a:ext cx="6649382" cy="248209"/>
+          </a:xfrm>
+          <a:prstGeom prst="rect">
+            <a:avLst/>
+          </a:prstGeom>
+          <a:solidFill>
+            <a:schemeClr val="bg1"/>
+          </a:solidFill>
+          <a:ln w="50800">
+            <a:solidFill>
+              <a:schemeClr val="accent2"/>
+            </a:solidFill>
+          </a:ln>
+        </p:spPr>
+        <p:txBody>
+          <a:bodyPr wrap="square" rtlCol="0">
+            <a:spAutoFit/>
+          </a:bodyPr>
+          <a:lstStyle/>
+          <a:p>
+            <a:r>
+              <a:rPr kumimoji="1" lang="ko-KR" altLang="en-US" sz="1013" dirty="0"/>
+              <a:t>해당 </a:t>
+            </a:r>
+            <a:r>
+              <a:rPr kumimoji="1" lang="en-US" altLang="ko-KR" sz="1013" dirty="0" err="1"/>
+              <a:t>userID</a:t>
+            </a:r>
+            <a:r>
+              <a:rPr kumimoji="1" lang="ko-KR" altLang="en-US" sz="1013" dirty="0"/>
+              <a:t>가 가지고 있는 화학약품 리스트에 대한 </a:t>
+            </a:r>
+            <a:r>
+              <a:rPr kumimoji="1" lang="en-US" altLang="ko-KR" sz="1013" dirty="0"/>
+              <a:t>read </a:t>
+            </a:r>
+            <a:r>
+              <a:rPr kumimoji="1" lang="ko-KR" altLang="en-US" sz="1013" dirty="0"/>
+              <a:t>요청 </a:t>
+            </a:r>
+            <a:r>
+              <a:rPr kumimoji="1" lang="en-US" altLang="ko-KR" sz="1013" dirty="0"/>
+              <a:t>-&gt;</a:t>
+            </a:r>
+            <a:r>
+              <a:rPr kumimoji="1" lang="ko-KR" altLang="en-US" sz="1013" dirty="0"/>
+              <a:t> 자동으로  </a:t>
+            </a:r>
+            <a:r>
+              <a:rPr kumimoji="1" lang="ko-KR" altLang="en-US" sz="1013" dirty="0" err="1"/>
+              <a:t>매핑됨</a:t>
+            </a:r>
+            <a:endParaRPr kumimoji="1" lang="ko-KR" altLang="en-US" sz="1013" dirty="0"/>
+          </a:p>
+        </p:txBody>
+      </p:sp>
+      <p:sp>
+        <p:nvSpPr>
+          <p:cNvPr id="18" name="TextBox 17">
+            <a:extLst>
+              <a:ext uri="{FF2B5EF4-FFF2-40B4-BE49-F238E27FC236}">
+                <a16:creationId xmlns:a16="http://schemas.microsoft.com/office/drawing/2014/main" id="{92A6FDF4-76D5-A94D-B819-721A16AC3820}"/>
+              </a:ext>
+            </a:extLst>
+          </p:cNvPr>
+          <p:cNvSpPr txBox="1"/>
+          <p:nvPr/>
+        </p:nvSpPr>
+        <p:spPr>
+          <a:xfrm>
+            <a:off x="5561786" y="5804762"/>
+            <a:ext cx="3566688" cy="404085"/>
+          </a:xfrm>
+          <a:prstGeom prst="rect">
+            <a:avLst/>
+          </a:prstGeom>
+          <a:solidFill>
+            <a:schemeClr val="bg1"/>
+          </a:solidFill>
+          <a:ln w="50800">
+            <a:solidFill>
+              <a:schemeClr val="accent2"/>
+            </a:solidFill>
+          </a:ln>
+        </p:spPr>
+        <p:txBody>
+          <a:bodyPr wrap="square" rtlCol="0">
+            <a:spAutoFit/>
+          </a:bodyPr>
+          <a:lstStyle/>
+          <a:p>
+            <a:r>
+              <a:rPr kumimoji="1" lang="en-US" altLang="ko-KR" sz="1013" dirty="0" err="1"/>
+              <a:t>chemicalService</a:t>
+            </a:r>
+            <a:r>
+              <a:rPr kumimoji="1" lang="ko-KR" altLang="en-US" sz="1013" dirty="0"/>
+              <a:t>의 </a:t>
+            </a:r>
+            <a:r>
+              <a:rPr kumimoji="1" lang="en-US" altLang="ko-KR" sz="1013" dirty="0" err="1"/>
+              <a:t>getChemicalList</a:t>
+            </a:r>
+            <a:r>
+              <a:rPr kumimoji="1" lang="ko-KR" altLang="en-US" sz="1013" dirty="0" err="1"/>
+              <a:t>를</a:t>
+            </a:r>
+            <a:r>
+              <a:rPr kumimoji="1" lang="ko-KR" altLang="en-US" sz="1013" dirty="0"/>
+              <a:t> 호출</a:t>
+            </a:r>
+            <a:r>
+              <a:rPr kumimoji="1" lang="en-US" altLang="ko-KR" sz="1013" dirty="0"/>
+              <a:t>.</a:t>
+            </a:r>
+            <a:r>
+              <a:rPr kumimoji="1" lang="ko-KR" altLang="en-US" sz="1013" dirty="0"/>
+              <a:t> </a:t>
+            </a:r>
+            <a:r>
+              <a:rPr kumimoji="1" lang="en-US" altLang="ko-KR" sz="1013" dirty="0"/>
+              <a:t>parameter</a:t>
+            </a:r>
+            <a:r>
+              <a:rPr kumimoji="1" lang="ko-KR" altLang="en-US" sz="1013" dirty="0"/>
+              <a:t>는</a:t>
+            </a:r>
+            <a:r>
+              <a:rPr kumimoji="1" lang="en-US" altLang="ko-KR" sz="1013" dirty="0"/>
+              <a:t> </a:t>
+            </a:r>
+            <a:r>
+              <a:rPr kumimoji="1" lang="ko-KR" altLang="en-US" sz="1013" dirty="0"/>
+              <a:t>요청으로 들어온 </a:t>
+            </a:r>
+            <a:r>
+              <a:rPr kumimoji="1" lang="en-US" altLang="ko-KR" sz="1013" dirty="0" err="1"/>
+              <a:t>userID</a:t>
+            </a:r>
+            <a:endParaRPr kumimoji="1" lang="ko-KR" altLang="en-US" sz="1013" dirty="0"/>
+          </a:p>
+        </p:txBody>
+      </p:sp>
+      <p:pic>
+        <p:nvPicPr>
+          <p:cNvPr id="20" name="그림 19">
+            <a:extLst>
+              <a:ext uri="{FF2B5EF4-FFF2-40B4-BE49-F238E27FC236}">
+                <a16:creationId xmlns:a16="http://schemas.microsoft.com/office/drawing/2014/main" id="{E9C3C1AE-6586-6A48-95F8-699AADB8FAEA}"/>
+              </a:ext>
+            </a:extLst>
+          </p:cNvPr>
+          <p:cNvPicPr>
+            <a:picLocks noChangeAspect="1"/>
+          </p:cNvPicPr>
+          <p:nvPr/>
+        </p:nvPicPr>
+        <p:blipFill>
+          <a:blip r:embed="rId3"/>
+          <a:stretch>
+            <a:fillRect/>
+          </a:stretch>
+        </p:blipFill>
+        <p:spPr>
+          <a:xfrm>
+            <a:off x="3641711" y="1374744"/>
+            <a:ext cx="2834681" cy="2019225"/>
+          </a:xfrm>
+          <a:prstGeom prst="rect">
+            <a:avLst/>
+          </a:prstGeom>
+          <a:ln w="50800">
+            <a:solidFill>
+              <a:schemeClr val="accent4"/>
+            </a:solidFill>
+          </a:ln>
+        </p:spPr>
+      </p:pic>
+    </p:spTree>
+    <p:extLst>
+      <p:ext uri="{BB962C8B-B14F-4D97-AF65-F5344CB8AC3E}">
+        <p14:creationId xmlns:p14="http://schemas.microsoft.com/office/powerpoint/2010/main" val="4053958125"/>
+      </p:ext>
+    </p:extLst>
+  </p:cSld>
+  <p:clrMapOvr>
+    <a:masterClrMapping/>
+  </p:clrMapOvr>
+</p:sld>
+</file>
+
+<file path=ppt/slides/slide5.xml><?xml version="1.0" encoding="utf-8"?>
+<p:sld xmlns:a="http://schemas.openxmlformats.org/drawingml/2006/main" xmlns:r="http://schemas.openxmlformats.org/officeDocument/2006/relationships" xmlns:p="http://schemas.openxmlformats.org/presentationml/2006/main">
+  <p:cSld>
+    <p:spTree>
+      <p:nvGrpSpPr>
+        <p:cNvPr id="1" name=""/>
+        <p:cNvGrpSpPr/>
+        <p:nvPr/>
+      </p:nvGrpSpPr>
+      <p:grpSpPr>
+        <a:xfrm>
+          <a:off x="0" y="0"/>
+          <a:ext cx="0" cy="0"/>
+          <a:chOff x="0" y="0"/>
+          <a:chExt cx="0" cy="0"/>
+        </a:xfrm>
+      </p:grpSpPr>
+      <p:sp>
+        <p:nvSpPr>
+          <p:cNvPr id="2" name="제목 1">
+            <a:extLst>
+              <a:ext uri="{FF2B5EF4-FFF2-40B4-BE49-F238E27FC236}">
+                <a16:creationId xmlns:a16="http://schemas.microsoft.com/office/drawing/2014/main" id="{D2D48E45-375F-CE45-A39C-63EF6BE8E6EB}"/>
+              </a:ext>
+            </a:extLst>
+          </p:cNvPr>
+          <p:cNvSpPr>
+            <a:spLocks noGrp="1"/>
+          </p:cNvSpPr>
+          <p:nvPr>
+            <p:ph type="title"/>
+          </p:nvPr>
+        </p:nvSpPr>
+        <p:spPr/>
+        <p:txBody>
+          <a:bodyPr/>
+          <a:lstStyle/>
+          <a:p>
+            <a:r>
+              <a:rPr kumimoji="1" lang="en-US" altLang="ko-KR" dirty="0"/>
+              <a:t>Implementation</a:t>
+            </a:r>
+            <a:endParaRPr kumimoji="1" lang="ko-KR" altLang="en-US" dirty="0"/>
+          </a:p>
+        </p:txBody>
+      </p:sp>
+      <p:grpSp>
+        <p:nvGrpSpPr>
+          <p:cNvPr id="6" name="그룹 5">
+            <a:extLst>
+              <a:ext uri="{FF2B5EF4-FFF2-40B4-BE49-F238E27FC236}">
+                <a16:creationId xmlns:a16="http://schemas.microsoft.com/office/drawing/2014/main" id="{ECE4B2F9-173B-D948-8A6E-7DDF966CA71A}"/>
+              </a:ext>
+            </a:extLst>
+          </p:cNvPr>
+          <p:cNvGrpSpPr/>
+          <p:nvPr/>
+        </p:nvGrpSpPr>
+        <p:grpSpPr>
+          <a:xfrm>
+            <a:off x="710714" y="2835573"/>
+            <a:ext cx="5393531" cy="3442317"/>
+            <a:chOff x="838200" y="1903119"/>
+            <a:chExt cx="7191375" cy="4589756"/>
+          </a:xfrm>
+        </p:grpSpPr>
+        <p:pic>
+          <p:nvPicPr>
+            <p:cNvPr id="4" name="그림 3">
+              <a:extLst>
+                <a:ext uri="{FF2B5EF4-FFF2-40B4-BE49-F238E27FC236}">
+                  <a16:creationId xmlns:a16="http://schemas.microsoft.com/office/drawing/2014/main" id="{D3ECA19A-58C8-7B44-89A1-A81F1EE7CCBB}"/>
+                </a:ext>
+              </a:extLst>
+            </p:cNvPr>
+            <p:cNvPicPr>
+              <a:picLocks noChangeAspect="1"/>
+            </p:cNvPicPr>
+            <p:nvPr/>
+          </p:nvPicPr>
+          <p:blipFill>
+            <a:blip r:embed="rId2"/>
+            <a:stretch>
+              <a:fillRect/>
+            </a:stretch>
+          </p:blipFill>
+          <p:spPr>
+            <a:xfrm>
+              <a:off x="838200" y="1903119"/>
+              <a:ext cx="7191375" cy="4589756"/>
+            </a:xfrm>
+            <a:prstGeom prst="rect">
+              <a:avLst/>
+            </a:prstGeom>
+          </p:spPr>
+        </p:pic>
+        <p:sp>
+          <p:nvSpPr>
+            <p:cNvPr id="5" name="직사각형 4">
+              <a:extLst>
+                <a:ext uri="{FF2B5EF4-FFF2-40B4-BE49-F238E27FC236}">
+                  <a16:creationId xmlns:a16="http://schemas.microsoft.com/office/drawing/2014/main" id="{A8F7DA85-199D-9145-8069-BF1BBF863850}"/>
+                </a:ext>
+              </a:extLst>
+            </p:cNvPr>
+            <p:cNvSpPr/>
+            <p:nvPr/>
+          </p:nvSpPr>
+          <p:spPr>
+            <a:xfrm>
+              <a:off x="1001430" y="5029201"/>
+              <a:ext cx="5613683" cy="1174225"/>
+            </a:xfrm>
+            <a:prstGeom prst="rect">
+              <a:avLst/>
+            </a:prstGeom>
+            <a:solidFill>
+              <a:schemeClr val="accent4">
+                <a:alpha val="20000"/>
+              </a:schemeClr>
+            </a:solidFill>
+            <a:ln>
+              <a:noFill/>
+            </a:ln>
+          </p:spPr>
+          <p:style>
+            <a:lnRef idx="2">
+              <a:schemeClr val="accent1">
+                <a:shade val="50000"/>
+              </a:schemeClr>
+            </a:lnRef>
+            <a:fillRef idx="1">
+              <a:schemeClr val="accent1"/>
+            </a:fillRef>
+            <a:effectRef idx="0">
+              <a:schemeClr val="accent1"/>
+            </a:effectRef>
+            <a:fontRef idx="minor">
+              <a:schemeClr val="lt1"/>
+            </a:fontRef>
+          </p:style>
+          <p:txBody>
+            <a:bodyPr rot="0" spcFirstLastPara="0" vertOverflow="overflow" horzOverflow="overflow" vert="horz" wrap="square" lIns="68580" tIns="34290" rIns="68580" bIns="34290" numCol="1" spcCol="0" rtlCol="0" fromWordArt="0" anchor="ctr" anchorCtr="0" forceAA="0" compatLnSpc="1">
+              <a:prstTxWarp prst="textNoShape">
+                <a:avLst/>
+              </a:prstTxWarp>
+              <a:noAutofit/>
+            </a:bodyPr>
+            <a:lstStyle/>
+            <a:p>
+              <a:pPr algn="ctr"/>
+              <a:endParaRPr kumimoji="1" lang="ko-KR" altLang="en-US" sz="1013"/>
+            </a:p>
+          </p:txBody>
+        </p:sp>
+      </p:grpSp>
+      <p:pic>
+        <p:nvPicPr>
+          <p:cNvPr id="7" name="그림 6">
+            <a:extLst>
+              <a:ext uri="{FF2B5EF4-FFF2-40B4-BE49-F238E27FC236}">
+                <a16:creationId xmlns:a16="http://schemas.microsoft.com/office/drawing/2014/main" id="{F59F7322-E5DB-B04C-B08F-42E31FB6B248}"/>
+              </a:ext>
+            </a:extLst>
+          </p:cNvPr>
+          <p:cNvPicPr>
+            <a:picLocks noChangeAspect="1"/>
+          </p:cNvPicPr>
+          <p:nvPr/>
+        </p:nvPicPr>
+        <p:blipFill>
+          <a:blip r:embed="rId3"/>
+          <a:stretch>
+            <a:fillRect/>
+          </a:stretch>
+        </p:blipFill>
+        <p:spPr>
+          <a:xfrm>
+            <a:off x="4340929" y="2066039"/>
+            <a:ext cx="4432112" cy="2897011"/>
+          </a:xfrm>
+          <a:prstGeom prst="rect">
+            <a:avLst/>
+          </a:prstGeom>
+          <a:ln w="50800">
+            <a:solidFill>
+              <a:schemeClr val="accent4"/>
+            </a:solidFill>
+          </a:ln>
+        </p:spPr>
+      </p:pic>
+      <p:cxnSp>
+        <p:nvCxnSpPr>
+          <p:cNvPr id="8" name="직선 연결선[R] 7">
+            <a:extLst>
+              <a:ext uri="{FF2B5EF4-FFF2-40B4-BE49-F238E27FC236}">
+                <a16:creationId xmlns:a16="http://schemas.microsoft.com/office/drawing/2014/main" id="{85DAB48A-031C-FE41-A261-D4F1E54211AE}"/>
+              </a:ext>
+            </a:extLst>
+          </p:cNvPr>
+          <p:cNvCxnSpPr>
+            <a:cxnSpLocks/>
+          </p:cNvCxnSpPr>
+          <p:nvPr/>
+        </p:nvCxnSpPr>
+        <p:spPr>
+          <a:xfrm>
+            <a:off x="1539388" y="3122734"/>
+            <a:ext cx="1125140" cy="0"/>
+          </a:xfrm>
+          <a:prstGeom prst="line">
+            <a:avLst/>
+          </a:prstGeom>
+          <a:ln w="50800">
+            <a:solidFill>
+              <a:schemeClr val="accent4"/>
+            </a:solidFill>
+          </a:ln>
+        </p:spPr>
+        <p:style>
+          <a:lnRef idx="1">
+            <a:schemeClr val="accent1"/>
+          </a:lnRef>
+          <a:fillRef idx="0">
+            <a:schemeClr val="accent1"/>
+          </a:fillRef>
+          <a:effectRef idx="0">
+            <a:schemeClr val="accent1"/>
+          </a:effectRef>
+          <a:fontRef idx="minor">
+            <a:schemeClr val="tx1"/>
+          </a:fontRef>
+        </p:style>
+      </p:cxnSp>
+      <p:cxnSp>
+        <p:nvCxnSpPr>
+          <p:cNvPr id="9" name="직선 연결선[R] 8">
+            <a:extLst>
+              <a:ext uri="{FF2B5EF4-FFF2-40B4-BE49-F238E27FC236}">
+                <a16:creationId xmlns:a16="http://schemas.microsoft.com/office/drawing/2014/main" id="{BE777BCF-A999-D842-B506-0CFD3D6CCFDE}"/>
+              </a:ext>
+            </a:extLst>
+          </p:cNvPr>
+          <p:cNvCxnSpPr>
+            <a:cxnSpLocks/>
+          </p:cNvCxnSpPr>
+          <p:nvPr/>
+        </p:nvCxnSpPr>
+        <p:spPr>
+          <a:xfrm>
+            <a:off x="2676252" y="5607202"/>
+            <a:ext cx="1989535" cy="0"/>
+          </a:xfrm>
+          <a:prstGeom prst="line">
+            <a:avLst/>
+          </a:prstGeom>
+          <a:ln w="50800">
+            <a:solidFill>
+              <a:schemeClr val="accent4"/>
+            </a:solidFill>
+          </a:ln>
+        </p:spPr>
+        <p:style>
+          <a:lnRef idx="1">
+            <a:schemeClr val="accent1"/>
+          </a:lnRef>
+          <a:fillRef idx="0">
+            <a:schemeClr val="accent1"/>
+          </a:fillRef>
+          <a:effectRef idx="0">
+            <a:schemeClr val="accent1"/>
+          </a:effectRef>
+          <a:fontRef idx="minor">
+            <a:schemeClr val="tx1"/>
+          </a:fontRef>
+        </p:style>
+      </p:cxnSp>
+      <p:sp>
+        <p:nvSpPr>
+          <p:cNvPr id="11" name="TextBox 10">
+            <a:extLst>
+              <a:ext uri="{FF2B5EF4-FFF2-40B4-BE49-F238E27FC236}">
+                <a16:creationId xmlns:a16="http://schemas.microsoft.com/office/drawing/2014/main" id="{0AB60F80-B9D0-BE46-A546-CE79C4675B36}"/>
+              </a:ext>
+            </a:extLst>
+          </p:cNvPr>
+          <p:cNvSpPr txBox="1"/>
+          <p:nvPr/>
+        </p:nvSpPr>
+        <p:spPr>
+          <a:xfrm>
+            <a:off x="5043398" y="5347009"/>
+            <a:ext cx="3814763" cy="559961"/>
+          </a:xfrm>
+          <a:prstGeom prst="rect">
+            <a:avLst/>
+          </a:prstGeom>
+          <a:solidFill>
+            <a:schemeClr val="bg1"/>
+          </a:solidFill>
+          <a:ln w="50800">
+            <a:solidFill>
+              <a:schemeClr val="accent2"/>
+            </a:solidFill>
+          </a:ln>
+        </p:spPr>
+        <p:txBody>
+          <a:bodyPr wrap="square" rtlCol="0">
+            <a:spAutoFit/>
+          </a:bodyPr>
+          <a:lstStyle/>
+          <a:p>
+            <a:r>
+              <a:rPr kumimoji="1" lang="ko-KR" altLang="en-US" sz="1013" dirty="0"/>
+              <a:t>해당 </a:t>
+            </a:r>
+            <a:r>
+              <a:rPr kumimoji="1" lang="en-US" altLang="ko-KR" sz="1013" dirty="0" err="1"/>
+              <a:t>userID</a:t>
+            </a:r>
+            <a:r>
+              <a:rPr kumimoji="1" lang="ko-KR" altLang="en-US" sz="1013" dirty="0"/>
+              <a:t>에 해당되는 화학약품들의 전체 리스트를 얻기 위해선</a:t>
+            </a:r>
+            <a:r>
+              <a:rPr kumimoji="1" lang="en-US" altLang="ko-KR" sz="1013" dirty="0"/>
+              <a:t>,</a:t>
+            </a:r>
+            <a:r>
+              <a:rPr kumimoji="1" lang="ko-KR" altLang="en-US" sz="1013" dirty="0"/>
+              <a:t> </a:t>
+            </a:r>
+            <a:r>
+              <a:rPr kumimoji="1" lang="en-US" altLang="ko-KR" sz="1013" dirty="0" err="1"/>
+              <a:t>UserEntity</a:t>
+            </a:r>
+            <a:r>
+              <a:rPr kumimoji="1" lang="ko-KR" altLang="en-US" sz="1013" dirty="0"/>
+              <a:t>의 </a:t>
+            </a:r>
+            <a:r>
+              <a:rPr kumimoji="1" lang="en-US" altLang="ko-KR" sz="1013" dirty="0"/>
+              <a:t>chemicals</a:t>
+            </a:r>
+            <a:r>
+              <a:rPr kumimoji="1" lang="ko-KR" altLang="en-US" sz="1013" dirty="0" err="1"/>
+              <a:t>를</a:t>
+            </a:r>
+            <a:r>
+              <a:rPr kumimoji="1" lang="ko-KR" altLang="en-US" sz="1013" dirty="0"/>
+              <a:t> </a:t>
+            </a:r>
+            <a:r>
+              <a:rPr kumimoji="1" lang="ko-KR" altLang="en-US" sz="1013" dirty="0" err="1"/>
+              <a:t>리턴해주면</a:t>
+            </a:r>
+            <a:r>
+              <a:rPr kumimoji="1" lang="ko-KR" altLang="en-US" sz="1013" dirty="0"/>
+              <a:t> 됨</a:t>
+            </a:r>
+            <a:r>
+              <a:rPr kumimoji="1" lang="en-US" altLang="ko-KR" sz="1013" dirty="0"/>
+              <a:t>.</a:t>
+            </a:r>
+            <a:r>
+              <a:rPr kumimoji="1" lang="ko-KR" altLang="en-US" sz="1013" dirty="0"/>
+              <a:t> </a:t>
+            </a:r>
+            <a:r>
+              <a:rPr kumimoji="1" lang="en-US" altLang="ko-KR" sz="1013" dirty="0" err="1"/>
+              <a:t>UserEntity</a:t>
+            </a:r>
+            <a:r>
+              <a:rPr kumimoji="1" lang="ko-KR" altLang="en-US" sz="1013" dirty="0" err="1"/>
+              <a:t>를</a:t>
+            </a:r>
+            <a:r>
+              <a:rPr kumimoji="1" lang="ko-KR" altLang="en-US" sz="1013" dirty="0"/>
+              <a:t> 얻기 위해 </a:t>
+            </a:r>
+            <a:r>
+              <a:rPr kumimoji="1" lang="en-US" altLang="ko-KR" sz="1013" dirty="0" err="1"/>
+              <a:t>UserRepository</a:t>
+            </a:r>
+            <a:r>
+              <a:rPr kumimoji="1" lang="ko-KR" altLang="en-US" sz="1013" dirty="0"/>
+              <a:t>의 </a:t>
+            </a:r>
+            <a:r>
+              <a:rPr kumimoji="1" lang="en-US" altLang="ko-KR" sz="1013" dirty="0" err="1"/>
+              <a:t>findByID</a:t>
+            </a:r>
+            <a:r>
+              <a:rPr kumimoji="1" lang="ko-KR" altLang="en-US" sz="1013" dirty="0"/>
+              <a:t> </a:t>
+            </a:r>
+            <a:r>
+              <a:rPr kumimoji="1" lang="ko-KR" altLang="en-US" sz="1013" dirty="0" err="1"/>
+              <a:t>메소드</a:t>
+            </a:r>
+            <a:r>
+              <a:rPr kumimoji="1" lang="ko-KR" altLang="en-US" sz="1013" dirty="0"/>
+              <a:t> 호출</a:t>
+            </a:r>
+          </a:p>
+        </p:txBody>
+      </p:sp>
+      <p:pic>
+        <p:nvPicPr>
+          <p:cNvPr id="12" name="그림 11">
+            <a:extLst>
+              <a:ext uri="{FF2B5EF4-FFF2-40B4-BE49-F238E27FC236}">
+                <a16:creationId xmlns:a16="http://schemas.microsoft.com/office/drawing/2014/main" id="{68207CE6-F3C5-FF4B-92A0-B9652EAF61A1}"/>
+              </a:ext>
+            </a:extLst>
+          </p:cNvPr>
+          <p:cNvPicPr>
+            <a:picLocks noChangeAspect="1"/>
+          </p:cNvPicPr>
+          <p:nvPr/>
+        </p:nvPicPr>
+        <p:blipFill>
+          <a:blip r:embed="rId4"/>
+          <a:stretch>
+            <a:fillRect/>
+          </a:stretch>
+        </p:blipFill>
+        <p:spPr>
+          <a:xfrm>
+            <a:off x="1363731" y="1016206"/>
+            <a:ext cx="2797956" cy="1811732"/>
+          </a:xfrm>
+          <a:prstGeom prst="rect">
+            <a:avLst/>
+          </a:prstGeom>
+          <a:ln w="50800">
+            <a:solidFill>
+              <a:schemeClr val="accent4"/>
+            </a:solidFill>
+          </a:ln>
+        </p:spPr>
+      </p:pic>
+    </p:spTree>
+    <p:extLst>
+      <p:ext uri="{BB962C8B-B14F-4D97-AF65-F5344CB8AC3E}">
+        <p14:creationId xmlns:p14="http://schemas.microsoft.com/office/powerpoint/2010/main" val="3750614028"/>
+      </p:ext>
+    </p:extLst>
+  </p:cSld>
+  <p:clrMapOvr>
+    <a:masterClrMapping/>
+  </p:clrMapOvr>
+</p:sld>
+</file>
+
+<file path=ppt/slides/slide6.xml><?xml version="1.0" encoding="utf-8"?>
+<p:sld xmlns:a="http://schemas.openxmlformats.org/drawingml/2006/main" xmlns:r="http://schemas.openxmlformats.org/officeDocument/2006/relationships" xmlns:p="http://schemas.openxmlformats.org/presentationml/2006/main">
+  <p:cSld>
+    <p:spTree>
+      <p:nvGrpSpPr>
+        <p:cNvPr id="1" name=""/>
+        <p:cNvGrpSpPr/>
+        <p:nvPr/>
+      </p:nvGrpSpPr>
+      <p:grpSpPr>
+        <a:xfrm>
+          <a:off x="0" y="0"/>
+          <a:ext cx="0" cy="0"/>
+          <a:chOff x="0" y="0"/>
+          <a:chExt cx="0" cy="0"/>
+        </a:xfrm>
+      </p:grpSpPr>
+      <p:pic>
+        <p:nvPicPr>
+          <p:cNvPr id="7" name="그림 6">
+            <a:extLst>
+              <a:ext uri="{FF2B5EF4-FFF2-40B4-BE49-F238E27FC236}">
+                <a16:creationId xmlns:a16="http://schemas.microsoft.com/office/drawing/2014/main" id="{928CB46D-EECE-A749-8177-FD28EEC5CFCD}"/>
+              </a:ext>
+            </a:extLst>
+          </p:cNvPr>
+          <p:cNvPicPr>
+            <a:picLocks noChangeAspect="1"/>
+          </p:cNvPicPr>
+          <p:nvPr/>
+        </p:nvPicPr>
+        <p:blipFill>
+          <a:blip r:embed="rId2"/>
+          <a:stretch>
+            <a:fillRect/>
+          </a:stretch>
+        </p:blipFill>
+        <p:spPr>
+          <a:xfrm>
+            <a:off x="628650" y="2280506"/>
+            <a:ext cx="5124450" cy="838200"/>
+          </a:xfrm>
+          <a:prstGeom prst="rect">
+            <a:avLst/>
+          </a:prstGeom>
+        </p:spPr>
+      </p:pic>
+      <p:sp>
+        <p:nvSpPr>
+          <p:cNvPr id="2" name="제목 1">
+            <a:extLst>
+              <a:ext uri="{FF2B5EF4-FFF2-40B4-BE49-F238E27FC236}">
+                <a16:creationId xmlns:a16="http://schemas.microsoft.com/office/drawing/2014/main" id="{8E1CFC23-DBDA-5342-B55D-6BDE531DAEDB}"/>
+              </a:ext>
+            </a:extLst>
+          </p:cNvPr>
+          <p:cNvSpPr>
+            <a:spLocks noGrp="1"/>
+          </p:cNvSpPr>
+          <p:nvPr>
+            <p:ph type="title"/>
+          </p:nvPr>
+        </p:nvSpPr>
+        <p:spPr/>
+        <p:txBody>
+          <a:bodyPr/>
+          <a:lstStyle/>
+          <a:p>
+            <a:r>
+              <a:rPr kumimoji="1" lang="en-US" altLang="ko-KR" dirty="0"/>
+              <a:t>Implementation</a:t>
+            </a:r>
+            <a:endParaRPr kumimoji="1" lang="ko-KR" altLang="en-US" dirty="0"/>
+          </a:p>
+        </p:txBody>
+      </p:sp>
+      <p:pic>
+        <p:nvPicPr>
+          <p:cNvPr id="5" name="그림 4">
+            <a:extLst>
+              <a:ext uri="{FF2B5EF4-FFF2-40B4-BE49-F238E27FC236}">
+                <a16:creationId xmlns:a16="http://schemas.microsoft.com/office/drawing/2014/main" id="{9E23CC63-C675-E74B-8758-96CEEB7AE0CE}"/>
+              </a:ext>
+            </a:extLst>
+          </p:cNvPr>
+          <p:cNvPicPr>
+            <a:picLocks noChangeAspect="1"/>
+          </p:cNvPicPr>
+          <p:nvPr/>
+        </p:nvPicPr>
+        <p:blipFill>
+          <a:blip r:embed="rId3"/>
+          <a:stretch>
+            <a:fillRect/>
+          </a:stretch>
+        </p:blipFill>
+        <p:spPr>
+          <a:xfrm>
+            <a:off x="5397104" y="2863066"/>
+            <a:ext cx="3273028" cy="2695435"/>
+          </a:xfrm>
+          <a:prstGeom prst="rect">
+            <a:avLst/>
+          </a:prstGeom>
+          <a:ln w="50800">
+            <a:solidFill>
+              <a:schemeClr val="accent4"/>
+            </a:solidFill>
+          </a:ln>
+        </p:spPr>
+      </p:pic>
+      <p:sp>
+        <p:nvSpPr>
+          <p:cNvPr id="6" name="TextBox 5">
+            <a:extLst>
+              <a:ext uri="{FF2B5EF4-FFF2-40B4-BE49-F238E27FC236}">
+                <a16:creationId xmlns:a16="http://schemas.microsoft.com/office/drawing/2014/main" id="{4E268DC1-B585-EA48-8DE3-21EAF4BC9233}"/>
+              </a:ext>
+            </a:extLst>
+          </p:cNvPr>
+          <p:cNvSpPr txBox="1"/>
+          <p:nvPr/>
+        </p:nvSpPr>
+        <p:spPr>
+          <a:xfrm>
+            <a:off x="157163" y="3739296"/>
+            <a:ext cx="5125641" cy="871713"/>
+          </a:xfrm>
+          <a:prstGeom prst="rect">
+            <a:avLst/>
+          </a:prstGeom>
+          <a:noFill/>
+          <a:ln w="50800">
+            <a:solidFill>
+              <a:schemeClr val="accent2"/>
+            </a:solidFill>
+          </a:ln>
+        </p:spPr>
+        <p:txBody>
+          <a:bodyPr wrap="square" rtlCol="0">
+            <a:spAutoFit/>
+          </a:bodyPr>
+          <a:lstStyle/>
+          <a:p>
+            <a:r>
+              <a:rPr kumimoji="1" lang="ko-KR" altLang="en-US" sz="1013" dirty="0"/>
+              <a:t>원하는 </a:t>
+            </a:r>
+            <a:r>
+              <a:rPr kumimoji="1" lang="en-US" altLang="ko-KR" sz="1013" dirty="0"/>
+              <a:t>Attribute</a:t>
+            </a:r>
+            <a:r>
+              <a:rPr kumimoji="1" lang="ko-KR" altLang="en-US" sz="1013" dirty="0" err="1"/>
+              <a:t>를</a:t>
+            </a:r>
+            <a:r>
+              <a:rPr kumimoji="1" lang="ko-KR" altLang="en-US" sz="1013" dirty="0"/>
+              <a:t> 대상으로 </a:t>
+            </a:r>
+            <a:r>
+              <a:rPr kumimoji="1" lang="en-US" altLang="ko-KR" sz="1013" dirty="0"/>
+              <a:t>CRUD</a:t>
+            </a:r>
+            <a:r>
+              <a:rPr kumimoji="1" lang="ko-KR" altLang="en-US" sz="1013" dirty="0"/>
+              <a:t> 연산 정의 가능</a:t>
+            </a:r>
+            <a:endParaRPr kumimoji="1" lang="en-US" altLang="ko-KR" sz="1013" dirty="0"/>
+          </a:p>
+          <a:p>
+            <a:r>
+              <a:rPr kumimoji="1" lang="ko-KR" altLang="en-US" sz="1013" dirty="0" err="1"/>
+              <a:t>예를들어</a:t>
+            </a:r>
+            <a:r>
+              <a:rPr kumimoji="1" lang="ko-KR" altLang="en-US" sz="1013" dirty="0"/>
+              <a:t> </a:t>
+            </a:r>
+            <a:r>
+              <a:rPr kumimoji="1" lang="en-US" altLang="ko-KR" sz="1013" dirty="0" err="1"/>
+              <a:t>findByEmail</a:t>
+            </a:r>
+            <a:r>
+              <a:rPr kumimoji="1" lang="en-US" altLang="ko-KR" sz="1013" dirty="0"/>
+              <a:t>(email)</a:t>
+            </a:r>
+            <a:r>
+              <a:rPr kumimoji="1" lang="ko-KR" altLang="en-US" sz="1013" dirty="0"/>
+              <a:t>은 </a:t>
+            </a:r>
+            <a:r>
+              <a:rPr kumimoji="1" lang="en-US" altLang="ko-KR" sz="1013" dirty="0"/>
+              <a:t>parameter</a:t>
+            </a:r>
+            <a:r>
+              <a:rPr kumimoji="1" lang="ko-KR" altLang="en-US" sz="1013" dirty="0"/>
+              <a:t>의 </a:t>
+            </a:r>
+            <a:r>
+              <a:rPr kumimoji="1" lang="en-US" altLang="ko-KR" sz="1013" dirty="0"/>
+              <a:t>email</a:t>
+            </a:r>
+            <a:r>
+              <a:rPr kumimoji="1" lang="ko-KR" altLang="en-US" sz="1013" dirty="0"/>
+              <a:t>에 해당하는 </a:t>
+            </a:r>
+            <a:r>
+              <a:rPr kumimoji="1" lang="en-US" altLang="ko-KR" sz="1013" dirty="0"/>
+              <a:t>User </a:t>
+            </a:r>
+            <a:r>
+              <a:rPr kumimoji="1" lang="ko-KR" altLang="en-US" sz="1013" dirty="0"/>
+              <a:t>테이블의 값을 찾아서 </a:t>
+            </a:r>
+            <a:r>
+              <a:rPr kumimoji="1" lang="en-US" altLang="ko-KR" sz="1013" dirty="0" err="1"/>
+              <a:t>UserEntity</a:t>
+            </a:r>
+            <a:r>
+              <a:rPr kumimoji="1" lang="ko-KR" altLang="en-US" sz="1013" dirty="0"/>
+              <a:t>에 </a:t>
+            </a:r>
+            <a:r>
+              <a:rPr kumimoji="1" lang="ko-KR" altLang="en-US" sz="1013" dirty="0" err="1"/>
+              <a:t>매핑시켜준</a:t>
+            </a:r>
+            <a:r>
+              <a:rPr kumimoji="1" lang="ko-KR" altLang="en-US" sz="1013" dirty="0"/>
+              <a:t> 후</a:t>
+            </a:r>
+            <a:endParaRPr kumimoji="1" lang="en-US" altLang="ko-KR" sz="1013" dirty="0"/>
+          </a:p>
+          <a:p>
+            <a:r>
+              <a:rPr kumimoji="1" lang="ko-KR" altLang="en-US" sz="1013" dirty="0"/>
+              <a:t>그 인스턴스를 </a:t>
+            </a:r>
+            <a:r>
+              <a:rPr kumimoji="1" lang="ko-KR" altLang="en-US" sz="1013" dirty="0" err="1"/>
+              <a:t>리턴해주는</a:t>
+            </a:r>
+            <a:r>
+              <a:rPr kumimoji="1" lang="ko-KR" altLang="en-US" sz="1013" dirty="0"/>
+              <a:t> </a:t>
+            </a:r>
+            <a:r>
+              <a:rPr kumimoji="1" lang="ko-KR" altLang="en-US" sz="1013" dirty="0" err="1"/>
+              <a:t>메소드</a:t>
+            </a:r>
+            <a:endParaRPr kumimoji="1" lang="en-US" altLang="ko-KR" sz="1013" dirty="0"/>
+          </a:p>
+          <a:p>
+            <a:endParaRPr kumimoji="1" lang="ko-KR" altLang="en-US" sz="1013" dirty="0"/>
+          </a:p>
+        </p:txBody>
+      </p:sp>
+    </p:spTree>
+    <p:extLst>
+      <p:ext uri="{BB962C8B-B14F-4D97-AF65-F5344CB8AC3E}">
+        <p14:creationId xmlns:p14="http://schemas.microsoft.com/office/powerpoint/2010/main" val="2043669445"/>
+      </p:ext>
+    </p:extLst>
+  </p:cSld>
+  <p:clrMapOvr>
+    <a:masterClrMapping/>
+  </p:clrMapOvr>
+</p:sld>
+</file>
+
+<file path=ppt/slides/slide7.xml><?xml version="1.0" encoding="utf-8"?>
+<p:sld xmlns:a="http://schemas.openxmlformats.org/drawingml/2006/main" xmlns:r="http://schemas.openxmlformats.org/officeDocument/2006/relationships" xmlns:p="http://schemas.openxmlformats.org/presentationml/2006/main">
+  <p:cSld>
+    <p:spTree>
+      <p:nvGrpSpPr>
+        <p:cNvPr id="1" name=""/>
+        <p:cNvGrpSpPr/>
+        <p:nvPr/>
+      </p:nvGrpSpPr>
+      <p:grpSpPr>
+        <a:xfrm>
+          <a:off x="0" y="0"/>
+          <a:ext cx="0" cy="0"/>
+          <a:chOff x="0" y="0"/>
+          <a:chExt cx="0" cy="0"/>
+        </a:xfrm>
+      </p:grpSpPr>
+      <p:sp>
+        <p:nvSpPr>
+          <p:cNvPr id="2" name="제목 1">
+            <a:extLst>
+              <a:ext uri="{FF2B5EF4-FFF2-40B4-BE49-F238E27FC236}">
+                <a16:creationId xmlns:a16="http://schemas.microsoft.com/office/drawing/2014/main" id="{AF8E3368-7AEF-934F-AE87-79AE0466FE76}"/>
+              </a:ext>
+            </a:extLst>
+          </p:cNvPr>
+          <p:cNvSpPr>
+            <a:spLocks noGrp="1"/>
+          </p:cNvSpPr>
+          <p:nvPr>
+            <p:ph type="title"/>
+          </p:nvPr>
+        </p:nvSpPr>
+        <p:spPr/>
+        <p:txBody>
+          <a:bodyPr/>
+          <a:lstStyle/>
+          <a:p>
+            <a:r>
+              <a:rPr kumimoji="1" lang="ko-KR" altLang="en-US" dirty="0"/>
+              <a:t>화학 약품 추가하기</a:t>
+            </a:r>
+          </a:p>
+        </p:txBody>
+      </p:sp>
+      <p:grpSp>
+        <p:nvGrpSpPr>
+          <p:cNvPr id="6" name="그룹 5">
+            <a:extLst>
+              <a:ext uri="{FF2B5EF4-FFF2-40B4-BE49-F238E27FC236}">
+                <a16:creationId xmlns:a16="http://schemas.microsoft.com/office/drawing/2014/main" id="{65203CA2-8C81-D044-8E26-77225C56FE3C}"/>
+              </a:ext>
+            </a:extLst>
+          </p:cNvPr>
+          <p:cNvGrpSpPr/>
+          <p:nvPr/>
+        </p:nvGrpSpPr>
+        <p:grpSpPr>
+          <a:xfrm>
+            <a:off x="982562" y="1497440"/>
+            <a:ext cx="7178875" cy="4221956"/>
+            <a:chOff x="752473" y="898525"/>
+            <a:chExt cx="9647240" cy="5949065"/>
+          </a:xfrm>
+        </p:grpSpPr>
+        <p:pic>
+          <p:nvPicPr>
+            <p:cNvPr id="4" name="그림 3">
+              <a:extLst>
+                <a:ext uri="{FF2B5EF4-FFF2-40B4-BE49-F238E27FC236}">
+                  <a16:creationId xmlns:a16="http://schemas.microsoft.com/office/drawing/2014/main" id="{53E110CC-71EB-3B47-8604-739F87FE1B28}"/>
+                </a:ext>
+              </a:extLst>
+            </p:cNvPr>
+            <p:cNvPicPr>
+              <a:picLocks noChangeAspect="1"/>
+            </p:cNvPicPr>
+            <p:nvPr/>
+          </p:nvPicPr>
+          <p:blipFill>
+            <a:blip r:embed="rId2"/>
+            <a:stretch>
+              <a:fillRect/>
+            </a:stretch>
+          </p:blipFill>
+          <p:spPr>
+            <a:xfrm>
+              <a:off x="752473" y="898525"/>
+              <a:ext cx="9534528" cy="927100"/>
+            </a:xfrm>
+            <a:prstGeom prst="rect">
+              <a:avLst/>
+            </a:prstGeom>
+          </p:spPr>
+        </p:pic>
+        <p:pic>
+          <p:nvPicPr>
+            <p:cNvPr id="5" name="그림 4">
+              <a:extLst>
+                <a:ext uri="{FF2B5EF4-FFF2-40B4-BE49-F238E27FC236}">
+                  <a16:creationId xmlns:a16="http://schemas.microsoft.com/office/drawing/2014/main" id="{CA00DB65-E9A7-3148-92D3-DE6830558F02}"/>
+                </a:ext>
+              </a:extLst>
+            </p:cNvPr>
+            <p:cNvPicPr>
+              <a:picLocks noChangeAspect="1"/>
+            </p:cNvPicPr>
+            <p:nvPr/>
+          </p:nvPicPr>
+          <p:blipFill>
+            <a:blip r:embed="rId3"/>
+            <a:stretch>
+              <a:fillRect/>
+            </a:stretch>
+          </p:blipFill>
+          <p:spPr>
+            <a:xfrm>
+              <a:off x="1028701" y="1825625"/>
+              <a:ext cx="9371012" cy="5021965"/>
+            </a:xfrm>
+            <a:prstGeom prst="rect">
+              <a:avLst/>
+            </a:prstGeom>
+          </p:spPr>
+        </p:pic>
+      </p:grpSp>
+    </p:spTree>
+    <p:extLst>
+      <p:ext uri="{BB962C8B-B14F-4D97-AF65-F5344CB8AC3E}">
+        <p14:creationId xmlns:p14="http://schemas.microsoft.com/office/powerpoint/2010/main" val="1989630064"/>
+      </p:ext>
+    </p:extLst>
+  </p:cSld>
+  <p:clrMapOvr>
+    <a:masterClrMapping/>
+  </p:clrMapOvr>
+</p:sld>
+</file>
+
+<file path=ppt/slides/slide8.xml><?xml version="1.0" encoding="utf-8"?>
+<p:sld xmlns:a="http://schemas.openxmlformats.org/drawingml/2006/main" xmlns:r="http://schemas.openxmlformats.org/officeDocument/2006/relationships" xmlns:p="http://schemas.openxmlformats.org/presentationml/2006/main">
+  <p:cSld>
+    <p:spTree>
+      <p:nvGrpSpPr>
+        <p:cNvPr id="1" name=""/>
+        <p:cNvGrpSpPr/>
+        <p:nvPr/>
+      </p:nvGrpSpPr>
+      <p:grpSpPr>
+        <a:xfrm>
+          <a:off x="0" y="0"/>
+          <a:ext cx="0" cy="0"/>
+          <a:chOff x="0" y="0"/>
+          <a:chExt cx="0" cy="0"/>
+        </a:xfrm>
+      </p:grpSpPr>
+      <p:pic>
+        <p:nvPicPr>
+          <p:cNvPr id="9" name="그림 8">
+            <a:extLst>
+              <a:ext uri="{FF2B5EF4-FFF2-40B4-BE49-F238E27FC236}">
+                <a16:creationId xmlns:a16="http://schemas.microsoft.com/office/drawing/2014/main" id="{3A46E90B-10B1-9249-B4A4-7F7C41828F55}"/>
+              </a:ext>
+            </a:extLst>
+          </p:cNvPr>
+          <p:cNvPicPr>
+            <a:picLocks noChangeAspect="1"/>
+          </p:cNvPicPr>
+          <p:nvPr/>
+        </p:nvPicPr>
+        <p:blipFill>
+          <a:blip r:embed="rId2"/>
+          <a:stretch>
+            <a:fillRect/>
+          </a:stretch>
+        </p:blipFill>
+        <p:spPr>
+          <a:xfrm>
+            <a:off x="576902" y="2555928"/>
+            <a:ext cx="7449372" cy="3977627"/>
+          </a:xfrm>
+          <a:prstGeom prst="rect">
+            <a:avLst/>
+          </a:prstGeom>
+        </p:spPr>
+      </p:pic>
+      <p:sp>
+        <p:nvSpPr>
+          <p:cNvPr id="2" name="제목 1">
+            <a:extLst>
+              <a:ext uri="{FF2B5EF4-FFF2-40B4-BE49-F238E27FC236}">
+                <a16:creationId xmlns:a16="http://schemas.microsoft.com/office/drawing/2014/main" id="{98755B68-F0C7-3043-B982-2555679559EA}"/>
+              </a:ext>
+            </a:extLst>
+          </p:cNvPr>
+          <p:cNvSpPr>
+            <a:spLocks noGrp="1"/>
+          </p:cNvSpPr>
+          <p:nvPr>
+            <p:ph type="title"/>
+          </p:nvPr>
+        </p:nvSpPr>
+        <p:spPr>
+          <a:xfrm>
+            <a:off x="75757" y="35517"/>
+            <a:ext cx="7886700" cy="1325563"/>
+          </a:xfrm>
+        </p:spPr>
+        <p:txBody>
+          <a:bodyPr/>
+          <a:lstStyle/>
+          <a:p>
+            <a:r>
+              <a:rPr kumimoji="1" lang="en-US" altLang="ko-KR" dirty="0"/>
+              <a:t>Implementation</a:t>
+            </a:r>
+            <a:endParaRPr kumimoji="1" lang="ko-KR" altLang="en-US" dirty="0"/>
+          </a:p>
+        </p:txBody>
+      </p:sp>
+      <p:sp>
+        <p:nvSpPr>
+          <p:cNvPr id="5" name="직사각형 4">
+            <a:extLst>
+              <a:ext uri="{FF2B5EF4-FFF2-40B4-BE49-F238E27FC236}">
+                <a16:creationId xmlns:a16="http://schemas.microsoft.com/office/drawing/2014/main" id="{C4EE269D-F7FD-5446-A869-9227B725247F}"/>
+              </a:ext>
+            </a:extLst>
+          </p:cNvPr>
+          <p:cNvSpPr/>
+          <p:nvPr/>
+        </p:nvSpPr>
+        <p:spPr>
+          <a:xfrm>
+            <a:off x="990433" y="3536753"/>
+            <a:ext cx="6996324" cy="1305685"/>
+          </a:xfrm>
+          <a:prstGeom prst="rect">
+            <a:avLst/>
+          </a:prstGeom>
+          <a:solidFill>
+            <a:schemeClr val="accent4">
+              <a:alpha val="21000"/>
+            </a:schemeClr>
+          </a:solidFill>
+          <a:ln>
+            <a:noFill/>
+          </a:ln>
+        </p:spPr>
+        <p:style>
+          <a:lnRef idx="2">
+            <a:schemeClr val="accent1">
+              <a:shade val="50000"/>
+            </a:schemeClr>
+          </a:lnRef>
+          <a:fillRef idx="1">
+            <a:schemeClr val="accent1"/>
+          </a:fillRef>
+          <a:effectRef idx="0">
+            <a:schemeClr val="accent1"/>
+          </a:effectRef>
+          <a:fontRef idx="minor">
+            <a:schemeClr val="lt1"/>
+          </a:fontRef>
+        </p:style>
+        <p:txBody>
+          <a:bodyPr rot="0" spcFirstLastPara="0" vertOverflow="overflow" horzOverflow="overflow" vert="horz" wrap="square" lIns="68580" tIns="34290" rIns="68580" bIns="34290" numCol="1" spcCol="0" rtlCol="0" fromWordArt="0" anchor="ctr" anchorCtr="0" forceAA="0" compatLnSpc="1">
+            <a:prstTxWarp prst="textNoShape">
+              <a:avLst/>
+            </a:prstTxWarp>
+            <a:noAutofit/>
+          </a:bodyPr>
+          <a:lstStyle/>
+          <a:p>
+            <a:pPr algn="ctr"/>
+            <a:endParaRPr kumimoji="1" lang="ko-KR" altLang="en-US" sz="1013" dirty="0"/>
+          </a:p>
+        </p:txBody>
+      </p:sp>
+      <p:cxnSp>
+        <p:nvCxnSpPr>
+          <p:cNvPr id="10" name="직선 연결선[R] 9">
+            <a:extLst>
+              <a:ext uri="{FF2B5EF4-FFF2-40B4-BE49-F238E27FC236}">
+                <a16:creationId xmlns:a16="http://schemas.microsoft.com/office/drawing/2014/main" id="{945FB098-1D3D-324D-A75F-9749529A1356}"/>
+              </a:ext>
+            </a:extLst>
+          </p:cNvPr>
+          <p:cNvCxnSpPr>
+            <a:cxnSpLocks/>
+          </p:cNvCxnSpPr>
+          <p:nvPr/>
+        </p:nvCxnSpPr>
+        <p:spPr>
+          <a:xfrm>
+            <a:off x="1541311" y="2902911"/>
+            <a:ext cx="1125140" cy="0"/>
+          </a:xfrm>
+          <a:prstGeom prst="line">
+            <a:avLst/>
+          </a:prstGeom>
+          <a:ln w="50800">
+            <a:solidFill>
+              <a:schemeClr val="accent4"/>
+            </a:solidFill>
+          </a:ln>
+        </p:spPr>
+        <p:style>
+          <a:lnRef idx="1">
+            <a:schemeClr val="accent1"/>
+          </a:lnRef>
+          <a:fillRef idx="0">
+            <a:schemeClr val="accent1"/>
+          </a:fillRef>
+          <a:effectRef idx="0">
+            <a:schemeClr val="accent1"/>
+          </a:effectRef>
+          <a:fontRef idx="minor">
+            <a:schemeClr val="tx1"/>
+          </a:fontRef>
+        </p:style>
+      </p:cxnSp>
+      <p:cxnSp>
+        <p:nvCxnSpPr>
+          <p:cNvPr id="12" name="직선 연결선[R] 11">
+            <a:extLst>
+              <a:ext uri="{FF2B5EF4-FFF2-40B4-BE49-F238E27FC236}">
+                <a16:creationId xmlns:a16="http://schemas.microsoft.com/office/drawing/2014/main" id="{D5FF9D32-FB93-A743-A1B6-1F156E1ED88B}"/>
+              </a:ext>
+            </a:extLst>
+          </p:cNvPr>
+          <p:cNvCxnSpPr>
+            <a:cxnSpLocks/>
+          </p:cNvCxnSpPr>
+          <p:nvPr/>
+        </p:nvCxnSpPr>
+        <p:spPr>
+          <a:xfrm>
+            <a:off x="1573458" y="4077420"/>
+            <a:ext cx="3218260" cy="0"/>
+          </a:xfrm>
+          <a:prstGeom prst="line">
+            <a:avLst/>
+          </a:prstGeom>
+          <a:ln w="50800">
+            <a:solidFill>
+              <a:schemeClr val="accent4"/>
+            </a:solidFill>
+          </a:ln>
+        </p:spPr>
+        <p:style>
+          <a:lnRef idx="1">
+            <a:schemeClr val="accent1"/>
+          </a:lnRef>
+          <a:fillRef idx="0">
+            <a:schemeClr val="accent1"/>
+          </a:fillRef>
+          <a:effectRef idx="0">
+            <a:schemeClr val="accent1"/>
+          </a:effectRef>
+          <a:fontRef idx="minor">
+            <a:schemeClr val="tx1"/>
+          </a:fontRef>
+        </p:style>
+      </p:cxnSp>
+      <p:cxnSp>
+        <p:nvCxnSpPr>
+          <p:cNvPr id="15" name="직선 연결선[R] 14">
+            <a:extLst>
+              <a:ext uri="{FF2B5EF4-FFF2-40B4-BE49-F238E27FC236}">
+                <a16:creationId xmlns:a16="http://schemas.microsoft.com/office/drawing/2014/main" id="{BEB65284-BC59-464F-8118-6DFD8C83B1E5}"/>
+              </a:ext>
+            </a:extLst>
+          </p:cNvPr>
+          <p:cNvCxnSpPr>
+            <a:cxnSpLocks/>
+          </p:cNvCxnSpPr>
+          <p:nvPr/>
+        </p:nvCxnSpPr>
+        <p:spPr>
+          <a:xfrm>
+            <a:off x="2331167" y="3795879"/>
+            <a:ext cx="4184787" cy="0"/>
+          </a:xfrm>
+          <a:prstGeom prst="line">
+            <a:avLst/>
+          </a:prstGeom>
+          <a:ln w="50800">
+            <a:solidFill>
+              <a:schemeClr val="accent4"/>
+            </a:solidFill>
+          </a:ln>
+        </p:spPr>
+        <p:style>
+          <a:lnRef idx="1">
+            <a:schemeClr val="accent1"/>
+          </a:lnRef>
+          <a:fillRef idx="0">
+            <a:schemeClr val="accent1"/>
+          </a:fillRef>
+          <a:effectRef idx="0">
+            <a:schemeClr val="accent1"/>
+          </a:effectRef>
+          <a:fontRef idx="minor">
+            <a:schemeClr val="tx1"/>
+          </a:fontRef>
+        </p:style>
+      </p:cxnSp>
+      <p:sp>
+        <p:nvSpPr>
+          <p:cNvPr id="17" name="TextBox 16">
+            <a:extLst>
+              <a:ext uri="{FF2B5EF4-FFF2-40B4-BE49-F238E27FC236}">
+                <a16:creationId xmlns:a16="http://schemas.microsoft.com/office/drawing/2014/main" id="{CA3923D9-7288-A54D-910D-A52D2C912D57}"/>
+              </a:ext>
+            </a:extLst>
+          </p:cNvPr>
+          <p:cNvSpPr txBox="1"/>
+          <p:nvPr/>
+        </p:nvSpPr>
+        <p:spPr>
+          <a:xfrm>
+            <a:off x="4881014" y="3942202"/>
+            <a:ext cx="4061223" cy="404085"/>
+          </a:xfrm>
+          <a:prstGeom prst="rect">
+            <a:avLst/>
+          </a:prstGeom>
+          <a:solidFill>
+            <a:schemeClr val="bg1"/>
+          </a:solidFill>
+          <a:ln w="50800">
+            <a:solidFill>
+              <a:schemeClr val="accent2"/>
+            </a:solidFill>
+          </a:ln>
+        </p:spPr>
+        <p:txBody>
+          <a:bodyPr wrap="square" rtlCol="0">
+            <a:spAutoFit/>
+          </a:bodyPr>
+          <a:lstStyle/>
+          <a:p>
+            <a:r>
+              <a:rPr kumimoji="1" lang="en-US" altLang="ko-KR" sz="1013" dirty="0" err="1"/>
+              <a:t>userID</a:t>
+            </a:r>
+            <a:r>
+              <a:rPr kumimoji="1" lang="ko-KR" altLang="en-US" sz="1013" dirty="0"/>
+              <a:t>에</a:t>
+            </a:r>
+            <a:r>
+              <a:rPr kumimoji="1" lang="en-US" altLang="ko-KR" sz="1013" dirty="0"/>
+              <a:t> chemical</a:t>
+            </a:r>
+            <a:r>
+              <a:rPr kumimoji="1" lang="ko-KR" altLang="en-US" sz="1013" dirty="0"/>
+              <a:t>의 인스턴스 변수에 자동으로 매핑 된 정보들</a:t>
+            </a:r>
+            <a:r>
+              <a:rPr kumimoji="1" lang="en-US" altLang="ko-KR" sz="1013" dirty="0"/>
+              <a:t>(</a:t>
+            </a:r>
+            <a:r>
+              <a:rPr kumimoji="1" lang="ko-KR" altLang="en-US" sz="1013" dirty="0"/>
+              <a:t>화학약품 이름</a:t>
+            </a:r>
+            <a:r>
+              <a:rPr kumimoji="1" lang="en-US" altLang="ko-KR" sz="1013" dirty="0"/>
+              <a:t>,</a:t>
+            </a:r>
+            <a:r>
+              <a:rPr kumimoji="1" lang="ko-KR" altLang="en-US" sz="1013" dirty="0"/>
+              <a:t> 장소</a:t>
+            </a:r>
+            <a:r>
+              <a:rPr kumimoji="1" lang="en-US" altLang="ko-KR" sz="1013" dirty="0"/>
+              <a:t>)</a:t>
+            </a:r>
+            <a:r>
+              <a:rPr kumimoji="1" lang="ko-KR" altLang="en-US" sz="1013" dirty="0"/>
+              <a:t>을 </a:t>
+            </a:r>
+            <a:r>
+              <a:rPr kumimoji="1" lang="en-US" altLang="ko-KR" sz="1013" dirty="0"/>
+              <a:t>write</a:t>
+            </a:r>
+            <a:endParaRPr kumimoji="1" lang="ko-KR" altLang="en-US" sz="1013" dirty="0"/>
+          </a:p>
+        </p:txBody>
+      </p:sp>
+      <p:sp>
+        <p:nvSpPr>
+          <p:cNvPr id="18" name="TextBox 17">
+            <a:extLst>
+              <a:ext uri="{FF2B5EF4-FFF2-40B4-BE49-F238E27FC236}">
+                <a16:creationId xmlns:a16="http://schemas.microsoft.com/office/drawing/2014/main" id="{92A6FDF4-76D5-A94D-B819-721A16AC3820}"/>
+              </a:ext>
+            </a:extLst>
+          </p:cNvPr>
+          <p:cNvSpPr txBox="1"/>
+          <p:nvPr/>
+        </p:nvSpPr>
+        <p:spPr>
+          <a:xfrm>
+            <a:off x="3097670" y="4431299"/>
+            <a:ext cx="3218260" cy="248209"/>
+          </a:xfrm>
+          <a:prstGeom prst="rect">
+            <a:avLst/>
+          </a:prstGeom>
+          <a:solidFill>
+            <a:schemeClr val="bg1"/>
+          </a:solidFill>
+          <a:ln w="50800">
+            <a:solidFill>
+              <a:schemeClr val="accent2"/>
+            </a:solidFill>
+          </a:ln>
+        </p:spPr>
+        <p:txBody>
+          <a:bodyPr wrap="square" rtlCol="0">
+            <a:spAutoFit/>
+          </a:bodyPr>
+          <a:lstStyle/>
+          <a:p>
+            <a:r>
+              <a:rPr kumimoji="1" lang="en-US" altLang="ko-KR" sz="1013" dirty="0" err="1"/>
+              <a:t>chemicalService</a:t>
+            </a:r>
+            <a:r>
+              <a:rPr kumimoji="1" lang="ko-KR" altLang="en-US" sz="1013" dirty="0"/>
+              <a:t>의 </a:t>
+            </a:r>
+            <a:r>
+              <a:rPr kumimoji="1" lang="en-US" altLang="ko-KR" sz="1013" dirty="0" err="1"/>
+              <a:t>addChemical</a:t>
+            </a:r>
+            <a:r>
+              <a:rPr kumimoji="1" lang="ko-KR" altLang="en-US" sz="1013" dirty="0" err="1"/>
+              <a:t>를</a:t>
+            </a:r>
+            <a:r>
+              <a:rPr kumimoji="1" lang="ko-KR" altLang="en-US" sz="1013" dirty="0"/>
+              <a:t> 호출</a:t>
+            </a:r>
+            <a:r>
+              <a:rPr kumimoji="1" lang="en-US" altLang="ko-KR" sz="1013" dirty="0"/>
+              <a:t>.</a:t>
+            </a:r>
+            <a:r>
+              <a:rPr kumimoji="1" lang="ko-KR" altLang="en-US" sz="1013" dirty="0"/>
+              <a:t> </a:t>
+            </a:r>
+          </a:p>
+        </p:txBody>
+      </p:sp>
+      <p:pic>
+        <p:nvPicPr>
+          <p:cNvPr id="11" name="그림 10">
+            <a:extLst>
+              <a:ext uri="{FF2B5EF4-FFF2-40B4-BE49-F238E27FC236}">
+                <a16:creationId xmlns:a16="http://schemas.microsoft.com/office/drawing/2014/main" id="{D132FB06-8A64-B749-B891-D9BE5F347B05}"/>
+              </a:ext>
+            </a:extLst>
+          </p:cNvPr>
+          <p:cNvPicPr>
+            <a:picLocks noChangeAspect="1"/>
+          </p:cNvPicPr>
+          <p:nvPr/>
+        </p:nvPicPr>
+        <p:blipFill>
+          <a:blip r:embed="rId3"/>
+          <a:stretch>
+            <a:fillRect/>
+          </a:stretch>
+        </p:blipFill>
+        <p:spPr>
+          <a:xfrm>
+            <a:off x="5706117" y="1479095"/>
+            <a:ext cx="2647766" cy="1949905"/>
+          </a:xfrm>
+          <a:prstGeom prst="rect">
+            <a:avLst/>
+          </a:prstGeom>
+          <a:ln w="50800">
+            <a:solidFill>
+              <a:schemeClr val="accent4"/>
+            </a:solidFill>
+          </a:ln>
+        </p:spPr>
+      </p:pic>
+      <p:pic>
+        <p:nvPicPr>
+          <p:cNvPr id="13" name="그림 12">
+            <a:extLst>
+              <a:ext uri="{FF2B5EF4-FFF2-40B4-BE49-F238E27FC236}">
+                <a16:creationId xmlns:a16="http://schemas.microsoft.com/office/drawing/2014/main" id="{F22B9FE0-6722-8C4C-984D-F7C8111657E8}"/>
+              </a:ext>
+            </a:extLst>
+          </p:cNvPr>
+          <p:cNvPicPr>
+            <a:picLocks noChangeAspect="1"/>
+          </p:cNvPicPr>
+          <p:nvPr/>
+        </p:nvPicPr>
+        <p:blipFill>
+          <a:blip r:embed="rId4"/>
+          <a:stretch>
+            <a:fillRect/>
+          </a:stretch>
+        </p:blipFill>
+        <p:spPr>
+          <a:xfrm>
+            <a:off x="2331167" y="1059882"/>
+            <a:ext cx="2921737" cy="1525319"/>
+          </a:xfrm>
+          <a:prstGeom prst="rect">
+            <a:avLst/>
+          </a:prstGeom>
+          <a:ln w="50800">
+            <a:solidFill>
+              <a:schemeClr val="accent4"/>
+            </a:solidFill>
+          </a:ln>
+        </p:spPr>
+      </p:pic>
+    </p:spTree>
+    <p:extLst>
+      <p:ext uri="{BB962C8B-B14F-4D97-AF65-F5344CB8AC3E}">
+        <p14:creationId xmlns:p14="http://schemas.microsoft.com/office/powerpoint/2010/main" val="3248408951"/>
+      </p:ext>
+    </p:extLst>
+  </p:cSld>
+  <p:clrMapOvr>
+    <a:masterClrMapping/>
+  </p:clrMapOvr>
+</p:sld>
+</file>
+
+<file path=ppt/slides/slide9.xml><?xml version="1.0" encoding="utf-8"?>
+<p:sld xmlns:a="http://schemas.openxmlformats.org/drawingml/2006/main" xmlns:r="http://schemas.openxmlformats.org/officeDocument/2006/relationships" xmlns:p="http://schemas.openxmlformats.org/presentationml/2006/main">
+  <p:cSld>
+    <p:spTree>
+      <p:nvGrpSpPr>
+        <p:cNvPr id="1" name=""/>
+        <p:cNvGrpSpPr/>
+        <p:nvPr/>
+      </p:nvGrpSpPr>
+      <p:grpSpPr>
+        <a:xfrm>
+          <a:off x="0" y="0"/>
+          <a:ext cx="0" cy="0"/>
+          <a:chOff x="0" y="0"/>
+          <a:chExt cx="0" cy="0"/>
+        </a:xfrm>
+      </p:grpSpPr>
+      <p:pic>
+        <p:nvPicPr>
+          <p:cNvPr id="18" name="그림 17">
+            <a:extLst>
+              <a:ext uri="{FF2B5EF4-FFF2-40B4-BE49-F238E27FC236}">
+                <a16:creationId xmlns:a16="http://schemas.microsoft.com/office/drawing/2014/main" id="{7D9F5CB5-C62C-1D49-B8A0-CE1603C348F3}"/>
+              </a:ext>
+            </a:extLst>
+          </p:cNvPr>
+          <p:cNvPicPr>
+            <a:picLocks noChangeAspect="1"/>
+          </p:cNvPicPr>
+          <p:nvPr/>
+        </p:nvPicPr>
+        <p:blipFill>
+          <a:blip r:embed="rId2"/>
+          <a:stretch>
+            <a:fillRect/>
+          </a:stretch>
+        </p:blipFill>
+        <p:spPr>
+          <a:xfrm>
+            <a:off x="652566" y="3301008"/>
+            <a:ext cx="4472807" cy="3365255"/>
+          </a:xfrm>
+          <a:prstGeom prst="rect">
+            <a:avLst/>
+          </a:prstGeom>
+        </p:spPr>
+      </p:pic>
+      <p:sp>
+        <p:nvSpPr>
+          <p:cNvPr id="2" name="제목 1">
+            <a:extLst>
+              <a:ext uri="{FF2B5EF4-FFF2-40B4-BE49-F238E27FC236}">
+                <a16:creationId xmlns:a16="http://schemas.microsoft.com/office/drawing/2014/main" id="{D2D48E45-375F-CE45-A39C-63EF6BE8E6EB}"/>
+              </a:ext>
+            </a:extLst>
+          </p:cNvPr>
+          <p:cNvSpPr>
+            <a:spLocks noGrp="1"/>
+          </p:cNvSpPr>
+          <p:nvPr>
+            <p:ph type="title"/>
+          </p:nvPr>
+        </p:nvSpPr>
+        <p:spPr>
+          <a:xfrm>
+            <a:off x="75757" y="35517"/>
+            <a:ext cx="7886700" cy="1325563"/>
+          </a:xfrm>
+        </p:spPr>
+        <p:txBody>
+          <a:bodyPr/>
+          <a:lstStyle/>
+          <a:p>
+            <a:r>
+              <a:rPr kumimoji="1" lang="en-US" altLang="ko-KR" dirty="0"/>
+              <a:t>Implementation</a:t>
+            </a:r>
+            <a:endParaRPr kumimoji="1" lang="ko-KR" altLang="en-US" dirty="0"/>
+          </a:p>
+        </p:txBody>
+      </p:sp>
+      <p:sp>
+        <p:nvSpPr>
+          <p:cNvPr id="5" name="직사각형 4">
+            <a:extLst>
+              <a:ext uri="{FF2B5EF4-FFF2-40B4-BE49-F238E27FC236}">
+                <a16:creationId xmlns:a16="http://schemas.microsoft.com/office/drawing/2014/main" id="{A8F7DA85-199D-9145-8069-BF1BBF863850}"/>
+              </a:ext>
+            </a:extLst>
+          </p:cNvPr>
+          <p:cNvSpPr/>
+          <p:nvPr/>
+        </p:nvSpPr>
+        <p:spPr>
+          <a:xfrm>
+            <a:off x="797966" y="4368415"/>
+            <a:ext cx="5271109" cy="1300781"/>
+          </a:xfrm>
+          <a:prstGeom prst="rect">
+            <a:avLst/>
+          </a:prstGeom>
+          <a:solidFill>
+            <a:schemeClr val="accent4">
+              <a:alpha val="20000"/>
+            </a:schemeClr>
+          </a:solidFill>
+          <a:ln>
+            <a:noFill/>
+          </a:ln>
+        </p:spPr>
+        <p:style>
+          <a:lnRef idx="2">
+            <a:schemeClr val="accent1">
+              <a:shade val="50000"/>
+            </a:schemeClr>
+          </a:lnRef>
+          <a:fillRef idx="1">
+            <a:schemeClr val="accent1"/>
+          </a:fillRef>
+          <a:effectRef idx="0">
+            <a:schemeClr val="accent1"/>
+          </a:effectRef>
+          <a:fontRef idx="minor">
+            <a:schemeClr val="lt1"/>
+          </a:fontRef>
+        </p:style>
+        <p:txBody>
+          <a:bodyPr rot="0" spcFirstLastPara="0" vertOverflow="overflow" horzOverflow="overflow" vert="horz" wrap="square" lIns="68580" tIns="34290" rIns="68580" bIns="34290" numCol="1" spcCol="0" rtlCol="0" fromWordArt="0" anchor="ctr" anchorCtr="0" forceAA="0" compatLnSpc="1">
+            <a:prstTxWarp prst="textNoShape">
+              <a:avLst/>
+            </a:prstTxWarp>
+            <a:noAutofit/>
+          </a:bodyPr>
+          <a:lstStyle/>
+          <a:p>
+            <a:pPr algn="ctr"/>
+            <a:endParaRPr kumimoji="1" lang="ko-KR" altLang="en-US" sz="1013"/>
+          </a:p>
+        </p:txBody>
+      </p:sp>
+      <p:cxnSp>
+        <p:nvCxnSpPr>
+          <p:cNvPr id="8" name="직선 연결선[R] 7">
+            <a:extLst>
+              <a:ext uri="{FF2B5EF4-FFF2-40B4-BE49-F238E27FC236}">
+                <a16:creationId xmlns:a16="http://schemas.microsoft.com/office/drawing/2014/main" id="{85DAB48A-031C-FE41-A261-D4F1E54211AE}"/>
+              </a:ext>
+            </a:extLst>
+          </p:cNvPr>
+          <p:cNvCxnSpPr>
+            <a:cxnSpLocks/>
+          </p:cNvCxnSpPr>
+          <p:nvPr/>
+        </p:nvCxnSpPr>
+        <p:spPr>
+          <a:xfrm>
+            <a:off x="1504218" y="3604246"/>
+            <a:ext cx="1125140" cy="0"/>
+          </a:xfrm>
+          <a:prstGeom prst="line">
+            <a:avLst/>
+          </a:prstGeom>
+          <a:ln w="50800">
+            <a:solidFill>
+              <a:schemeClr val="accent4"/>
+            </a:solidFill>
+          </a:ln>
+        </p:spPr>
+        <p:style>
+          <a:lnRef idx="1">
+            <a:schemeClr val="accent1"/>
+          </a:lnRef>
+          <a:fillRef idx="0">
+            <a:schemeClr val="accent1"/>
+          </a:fillRef>
+          <a:effectRef idx="0">
+            <a:schemeClr val="accent1"/>
+          </a:effectRef>
+          <a:fontRef idx="minor">
+            <a:schemeClr val="tx1"/>
+          </a:fontRef>
+        </p:style>
+      </p:cxnSp>
+      <p:cxnSp>
+        <p:nvCxnSpPr>
+          <p:cNvPr id="9" name="직선 연결선[R] 8">
+            <a:extLst>
+              <a:ext uri="{FF2B5EF4-FFF2-40B4-BE49-F238E27FC236}">
+                <a16:creationId xmlns:a16="http://schemas.microsoft.com/office/drawing/2014/main" id="{BE777BCF-A999-D842-B506-0CFD3D6CCFDE}"/>
+              </a:ext>
+            </a:extLst>
+          </p:cNvPr>
+          <p:cNvCxnSpPr>
+            <a:cxnSpLocks/>
+          </p:cNvCxnSpPr>
+          <p:nvPr/>
+        </p:nvCxnSpPr>
+        <p:spPr>
+          <a:xfrm>
+            <a:off x="1783743" y="4895250"/>
+            <a:ext cx="2999272" cy="0"/>
+          </a:xfrm>
+          <a:prstGeom prst="line">
+            <a:avLst/>
+          </a:prstGeom>
+          <a:ln w="50800">
+            <a:solidFill>
+              <a:schemeClr val="accent4"/>
+            </a:solidFill>
+          </a:ln>
+        </p:spPr>
+        <p:style>
+          <a:lnRef idx="1">
+            <a:schemeClr val="accent1"/>
+          </a:lnRef>
+          <a:fillRef idx="0">
+            <a:schemeClr val="accent1"/>
+          </a:fillRef>
+          <a:effectRef idx="0">
+            <a:schemeClr val="accent1"/>
+          </a:effectRef>
+          <a:fontRef idx="minor">
+            <a:schemeClr val="tx1"/>
+          </a:fontRef>
+        </p:style>
+      </p:cxnSp>
+      <p:sp>
+        <p:nvSpPr>
+          <p:cNvPr id="11" name="TextBox 10">
+            <a:extLst>
+              <a:ext uri="{FF2B5EF4-FFF2-40B4-BE49-F238E27FC236}">
+                <a16:creationId xmlns:a16="http://schemas.microsoft.com/office/drawing/2014/main" id="{0AB60F80-B9D0-BE46-A546-CE79C4675B36}"/>
+              </a:ext>
+            </a:extLst>
+          </p:cNvPr>
+          <p:cNvSpPr txBox="1"/>
+          <p:nvPr/>
+        </p:nvSpPr>
+        <p:spPr>
+          <a:xfrm>
+            <a:off x="4929646" y="4971077"/>
+            <a:ext cx="3814763" cy="1339341"/>
+          </a:xfrm>
+          <a:prstGeom prst="rect">
+            <a:avLst/>
+          </a:prstGeom>
+          <a:solidFill>
+            <a:schemeClr val="bg1"/>
+          </a:solidFill>
+          <a:ln w="50800">
+            <a:solidFill>
+              <a:schemeClr val="accent2"/>
+            </a:solidFill>
+          </a:ln>
+        </p:spPr>
+        <p:txBody>
+          <a:bodyPr wrap="square" rtlCol="0">
+            <a:spAutoFit/>
+          </a:bodyPr>
+          <a:lstStyle/>
+          <a:p>
+            <a:pPr marL="257168" indent="-257168">
+              <a:buAutoNum type="arabicPeriod"/>
+            </a:pPr>
+            <a:r>
+              <a:rPr kumimoji="1" lang="ko-KR" altLang="en-US" sz="1013" dirty="0"/>
+              <a:t>저장하고자 하는 화학약품 그 자체를 저장 </a:t>
+            </a:r>
+            <a:r>
+              <a:rPr kumimoji="1" lang="en-US" altLang="ko-KR" sz="1013" dirty="0"/>
+              <a:t>(</a:t>
+            </a:r>
+            <a:r>
+              <a:rPr kumimoji="1" lang="en-US" altLang="ko-KR" sz="1013" dirty="0" err="1"/>
+              <a:t>chemicalRepostiory.save</a:t>
+            </a:r>
+            <a:r>
+              <a:rPr kumimoji="1" lang="en-US" altLang="ko-KR" sz="1013" dirty="0"/>
+              <a:t>())</a:t>
+            </a:r>
+          </a:p>
+          <a:p>
+            <a:pPr marL="257168" indent="-257168">
+              <a:buAutoNum type="arabicPeriod"/>
+            </a:pPr>
+            <a:r>
+              <a:rPr kumimoji="1" lang="en-US" altLang="ko-KR" sz="1013" dirty="0" err="1"/>
+              <a:t>userID</a:t>
+            </a:r>
+            <a:r>
+              <a:rPr kumimoji="1" lang="ko-KR" altLang="en-US" sz="1013" dirty="0"/>
+              <a:t>에 해당하는 </a:t>
+            </a:r>
+            <a:r>
+              <a:rPr kumimoji="1" lang="en-US" altLang="ko-KR" sz="1013" dirty="0"/>
+              <a:t>user</a:t>
+            </a:r>
+            <a:r>
+              <a:rPr kumimoji="1" lang="ko-KR" altLang="en-US" sz="1013" dirty="0" err="1"/>
+              <a:t>를</a:t>
+            </a:r>
+            <a:r>
+              <a:rPr kumimoji="1" lang="ko-KR" altLang="en-US" sz="1013" dirty="0"/>
+              <a:t> 찾아옴 </a:t>
+            </a:r>
+            <a:r>
+              <a:rPr kumimoji="1" lang="en-US" altLang="ko-KR" sz="1013" dirty="0"/>
+              <a:t>(</a:t>
+            </a:r>
+            <a:r>
+              <a:rPr kumimoji="1" lang="en-US" altLang="ko-KR" sz="1013" dirty="0" err="1"/>
+              <a:t>userRepository.findbyID</a:t>
+            </a:r>
+            <a:r>
+              <a:rPr kumimoji="1" lang="en-US" altLang="ko-KR" sz="1013" dirty="0"/>
+              <a:t>())</a:t>
+            </a:r>
+          </a:p>
+          <a:p>
+            <a:pPr marL="257168" indent="-257168">
+              <a:buAutoNum type="arabicPeriod"/>
+            </a:pPr>
+            <a:r>
+              <a:rPr kumimoji="1" lang="en-US" altLang="ko-KR" sz="1013" dirty="0"/>
+              <a:t>user</a:t>
+            </a:r>
+            <a:r>
+              <a:rPr kumimoji="1" lang="ko-KR" altLang="en-US" sz="1013" dirty="0"/>
+              <a:t>의 </a:t>
+            </a:r>
+            <a:r>
+              <a:rPr kumimoji="1" lang="en-US" altLang="ko-KR" sz="1013" dirty="0"/>
+              <a:t>chemical(</a:t>
+            </a:r>
+            <a:r>
+              <a:rPr kumimoji="1" lang="ko-KR" altLang="en-US" sz="1013" dirty="0"/>
+              <a:t>리스트</a:t>
+            </a:r>
+            <a:r>
+              <a:rPr kumimoji="1" lang="en-US" altLang="ko-KR" sz="1013" dirty="0"/>
+              <a:t>)</a:t>
+            </a:r>
+            <a:r>
+              <a:rPr kumimoji="1" lang="ko-KR" altLang="en-US" sz="1013" dirty="0"/>
+              <a:t>에 화학약품을 추가 </a:t>
+            </a:r>
+            <a:r>
+              <a:rPr kumimoji="1" lang="en-US" altLang="ko-KR" sz="1013" dirty="0"/>
+              <a:t>(</a:t>
+            </a:r>
+            <a:r>
+              <a:rPr kumimoji="1" lang="en-US" altLang="ko-KR" sz="1013" dirty="0" err="1"/>
+              <a:t>userEntity.getChemicals</a:t>
+            </a:r>
+            <a:r>
+              <a:rPr kumimoji="1" lang="en-US" altLang="ko-KR" sz="1013" dirty="0"/>
+              <a:t>().add())</a:t>
+            </a:r>
+          </a:p>
+          <a:p>
+            <a:pPr marL="257168" indent="-257168">
+              <a:buAutoNum type="arabicPeriod"/>
+            </a:pPr>
+            <a:r>
+              <a:rPr kumimoji="1" lang="en-US" altLang="ko-KR" sz="1013" dirty="0"/>
+              <a:t>user</a:t>
+            </a:r>
+            <a:r>
+              <a:rPr kumimoji="1" lang="ko-KR" altLang="en-US" sz="1013" dirty="0" err="1"/>
+              <a:t>를</a:t>
+            </a:r>
+            <a:r>
+              <a:rPr kumimoji="1" lang="ko-KR" altLang="en-US" sz="1013" dirty="0"/>
+              <a:t> 데이터베이스에 저장 </a:t>
+            </a:r>
+            <a:r>
+              <a:rPr kumimoji="1" lang="en-US" altLang="ko-KR" sz="1013" dirty="0"/>
+              <a:t>(</a:t>
+            </a:r>
+            <a:r>
+              <a:rPr kumimoji="1" lang="en-US" altLang="ko-KR" sz="1013" dirty="0" err="1"/>
+              <a:t>userRepository.save</a:t>
+            </a:r>
+            <a:r>
+              <a:rPr kumimoji="1" lang="en-US" altLang="ko-KR" sz="1013" dirty="0"/>
+              <a:t>()) -&gt; </a:t>
+            </a:r>
+            <a:r>
+              <a:rPr kumimoji="1" lang="ko-KR" altLang="en-US" sz="1013" dirty="0"/>
+              <a:t>여기서 </a:t>
+            </a:r>
+            <a:r>
+              <a:rPr kumimoji="1" lang="en-US" altLang="ko-KR" sz="1013" dirty="0"/>
+              <a:t>user</a:t>
+            </a:r>
+            <a:r>
+              <a:rPr kumimoji="1" lang="ko-KR" altLang="en-US" sz="1013" dirty="0"/>
+              <a:t> 테이블과 </a:t>
+            </a:r>
+            <a:r>
+              <a:rPr kumimoji="1" lang="en-US" altLang="ko-KR" sz="1013" dirty="0"/>
+              <a:t>chemical</a:t>
+            </a:r>
+            <a:r>
+              <a:rPr kumimoji="1" lang="ko-KR" altLang="en-US" sz="1013" dirty="0"/>
+              <a:t> </a:t>
+            </a:r>
+            <a:r>
+              <a:rPr kumimoji="1" lang="ko-KR" altLang="en-US" sz="1013" dirty="0" err="1"/>
+              <a:t>테이블간의</a:t>
+            </a:r>
+            <a:r>
+              <a:rPr kumimoji="1" lang="ko-KR" altLang="en-US" sz="1013" dirty="0"/>
+              <a:t> </a:t>
+            </a:r>
+            <a:r>
+              <a:rPr kumimoji="1" lang="en-US" altLang="ko-KR" sz="1013" dirty="0"/>
+              <a:t>relationship</a:t>
+            </a:r>
+            <a:r>
+              <a:rPr kumimoji="1" lang="ko-KR" altLang="en-US" sz="1013" dirty="0"/>
+              <a:t>도 자동으로 저장됨 </a:t>
+            </a:r>
+            <a:endParaRPr kumimoji="1" lang="en-US" altLang="ko-KR" sz="1013" dirty="0"/>
+          </a:p>
+        </p:txBody>
+      </p:sp>
+      <p:cxnSp>
+        <p:nvCxnSpPr>
+          <p:cNvPr id="12" name="직선 연결선[R] 11">
+            <a:extLst>
+              <a:ext uri="{FF2B5EF4-FFF2-40B4-BE49-F238E27FC236}">
+                <a16:creationId xmlns:a16="http://schemas.microsoft.com/office/drawing/2014/main" id="{0D78D93A-B5CB-F84B-9827-524B4011A203}"/>
+              </a:ext>
+            </a:extLst>
+          </p:cNvPr>
+          <p:cNvCxnSpPr>
+            <a:cxnSpLocks/>
+          </p:cNvCxnSpPr>
+          <p:nvPr/>
+        </p:nvCxnSpPr>
+        <p:spPr>
+          <a:xfrm>
+            <a:off x="1929270" y="5118720"/>
+            <a:ext cx="2089837" cy="0"/>
+          </a:xfrm>
+          <a:prstGeom prst="line">
+            <a:avLst/>
+          </a:prstGeom>
+          <a:ln w="38100">
+            <a:solidFill>
+              <a:schemeClr val="accent4"/>
+            </a:solidFill>
+          </a:ln>
+        </p:spPr>
+        <p:style>
+          <a:lnRef idx="1">
+            <a:schemeClr val="accent1"/>
+          </a:lnRef>
+          <a:fillRef idx="0">
+            <a:schemeClr val="accent1"/>
+          </a:fillRef>
+          <a:effectRef idx="0">
+            <a:schemeClr val="accent1"/>
+          </a:effectRef>
+          <a:fontRef idx="minor">
+            <a:schemeClr val="tx1"/>
+          </a:fontRef>
+        </p:style>
+      </p:cxnSp>
+      <p:cxnSp>
+        <p:nvCxnSpPr>
+          <p:cNvPr id="13" name="직선 연결선[R] 12">
+            <a:extLst>
+              <a:ext uri="{FF2B5EF4-FFF2-40B4-BE49-F238E27FC236}">
+                <a16:creationId xmlns:a16="http://schemas.microsoft.com/office/drawing/2014/main" id="{9F72D027-06CE-2843-808F-A422FCE97054}"/>
+              </a:ext>
+            </a:extLst>
+          </p:cNvPr>
+          <p:cNvCxnSpPr>
+            <a:cxnSpLocks/>
+          </p:cNvCxnSpPr>
+          <p:nvPr/>
+        </p:nvCxnSpPr>
+        <p:spPr>
+          <a:xfrm>
+            <a:off x="1775679" y="5289621"/>
+            <a:ext cx="1881921" cy="0"/>
+          </a:xfrm>
+          <a:prstGeom prst="line">
+            <a:avLst/>
+          </a:prstGeom>
+          <a:ln w="38100">
+            <a:solidFill>
+              <a:schemeClr val="accent4"/>
+            </a:solidFill>
+          </a:ln>
+        </p:spPr>
+        <p:style>
+          <a:lnRef idx="1">
+            <a:schemeClr val="accent1"/>
+          </a:lnRef>
+          <a:fillRef idx="0">
+            <a:schemeClr val="accent1"/>
+          </a:fillRef>
+          <a:effectRef idx="0">
+            <a:schemeClr val="accent1"/>
+          </a:effectRef>
+          <a:fontRef idx="minor">
+            <a:schemeClr val="tx1"/>
+          </a:fontRef>
+        </p:style>
+      </p:cxnSp>
+      <p:cxnSp>
+        <p:nvCxnSpPr>
+          <p:cNvPr id="14" name="직선 연결선[R] 13">
+            <a:extLst>
+              <a:ext uri="{FF2B5EF4-FFF2-40B4-BE49-F238E27FC236}">
+                <a16:creationId xmlns:a16="http://schemas.microsoft.com/office/drawing/2014/main" id="{FE81F8AA-E6D0-004C-9B4A-F42DD0829E3A}"/>
+              </a:ext>
+            </a:extLst>
+          </p:cNvPr>
+          <p:cNvCxnSpPr>
+            <a:cxnSpLocks/>
+          </p:cNvCxnSpPr>
+          <p:nvPr/>
+        </p:nvCxnSpPr>
+        <p:spPr>
+          <a:xfrm>
+            <a:off x="1172032" y="5529486"/>
+            <a:ext cx="1982391" cy="0"/>
+          </a:xfrm>
+          <a:prstGeom prst="line">
+            <a:avLst/>
+          </a:prstGeom>
+          <a:ln w="50800">
+            <a:solidFill>
+              <a:schemeClr val="accent4"/>
+            </a:solidFill>
+          </a:ln>
+        </p:spPr>
+        <p:style>
+          <a:lnRef idx="1">
+            <a:schemeClr val="accent1"/>
+          </a:lnRef>
+          <a:fillRef idx="0">
+            <a:schemeClr val="accent1"/>
+          </a:fillRef>
+          <a:effectRef idx="0">
+            <a:schemeClr val="accent1"/>
+          </a:effectRef>
+          <a:fontRef idx="minor">
+            <a:schemeClr val="tx1"/>
+          </a:fontRef>
+        </p:style>
+      </p:cxnSp>
+      <p:pic>
+        <p:nvPicPr>
+          <p:cNvPr id="16" name="그림 15">
+            <a:extLst>
+              <a:ext uri="{FF2B5EF4-FFF2-40B4-BE49-F238E27FC236}">
+                <a16:creationId xmlns:a16="http://schemas.microsoft.com/office/drawing/2014/main" id="{A939061F-4237-9246-B6D8-2DB15F226CF0}"/>
+              </a:ext>
+            </a:extLst>
+          </p:cNvPr>
+          <p:cNvPicPr>
+            <a:picLocks noChangeAspect="1"/>
+          </p:cNvPicPr>
+          <p:nvPr/>
+        </p:nvPicPr>
+        <p:blipFill>
+          <a:blip r:embed="rId3"/>
+          <a:stretch>
+            <a:fillRect/>
+          </a:stretch>
+        </p:blipFill>
+        <p:spPr>
+          <a:xfrm>
+            <a:off x="1466883" y="996462"/>
+            <a:ext cx="3444267" cy="2345443"/>
+          </a:xfrm>
+          <a:prstGeom prst="rect">
+            <a:avLst/>
+          </a:prstGeom>
+          <a:ln w="50800">
+            <a:solidFill>
+              <a:schemeClr val="accent4"/>
+            </a:solidFill>
+          </a:ln>
+        </p:spPr>
+      </p:pic>
+      <p:pic>
+        <p:nvPicPr>
+          <p:cNvPr id="17" name="그림 16">
+            <a:extLst>
+              <a:ext uri="{FF2B5EF4-FFF2-40B4-BE49-F238E27FC236}">
+                <a16:creationId xmlns:a16="http://schemas.microsoft.com/office/drawing/2014/main" id="{0C398B96-B1F8-0B40-9F31-30EA9AD8DDD4}"/>
+              </a:ext>
+            </a:extLst>
+          </p:cNvPr>
+          <p:cNvPicPr>
+            <a:picLocks noChangeAspect="1"/>
+          </p:cNvPicPr>
+          <p:nvPr/>
+        </p:nvPicPr>
+        <p:blipFill>
+          <a:blip r:embed="rId4"/>
+          <a:stretch>
+            <a:fillRect/>
+          </a:stretch>
+        </p:blipFill>
+        <p:spPr>
+          <a:xfrm>
+            <a:off x="5244653" y="515460"/>
+            <a:ext cx="3690110" cy="3611356"/>
+          </a:xfrm>
+          <a:prstGeom prst="rect">
+            <a:avLst/>
+          </a:prstGeom>
+          <a:ln w="50800">
+            <a:solidFill>
+              <a:schemeClr val="accent4"/>
+            </a:solidFill>
+          </a:ln>
+        </p:spPr>
+      </p:pic>
+    </p:spTree>
+    <p:extLst>
+      <p:ext uri="{BB962C8B-B14F-4D97-AF65-F5344CB8AC3E}">
+        <p14:creationId xmlns:p14="http://schemas.microsoft.com/office/powerpoint/2010/main" val="2786310154"/>
+      </p:ext>
+    </p:extLst>
+  </p:cSld>
+  <p:clrMapOvr>
+    <a:masterClrMapping/>
+  </p:clrMapOvr>
+</p:sld>
+</file>
+
 <file path=ppt/theme/theme1.xml><?xml version="1.0" encoding="utf-8"?>
+<a:theme xmlns:a="http://schemas.openxmlformats.org/drawingml/2006/main" name="Office 테마">
+  <a:themeElements>
+    <a:clrScheme name="Office 테마">
+      <a:dk1>
+        <a:sysClr val="windowText" lastClr="000000"/>
+      </a:dk1>
+      <a:lt1>
+        <a:sysClr val="window" lastClr="FFFFFF"/>
+      </a:lt1>
+      <a:dk2>
+        <a:srgbClr val="44546A"/>
+      </a:dk2>
+      <a:lt2>
+        <a:srgbClr val="E7E6E6"/>
+      </a:lt2>
+      <a:accent1>
+        <a:srgbClr val="4472C4"/>
+      </a:accent1>
+      <a:accent2>
+        <a:srgbClr val="ED7D31"/>
+      </a:accent2>
+      <a:accent3>
+        <a:srgbClr val="A5A5A5"/>
+      </a:accent3>
+      <a:accent4>
+        <a:srgbClr val="FFC000"/>
+      </a:accent4>
+      <a:accent5>
+        <a:srgbClr val="5B9BD5"/>
+      </a:accent5>
+      <a:accent6>
+        <a:srgbClr val="70AD47"/>
+      </a:accent6>
+      <a:hlink>
+        <a:srgbClr val="0563C1"/>
+      </a:hlink>
+      <a:folHlink>
+        <a:srgbClr val="954F72"/>
+      </a:folHlink>
+    </a:clrScheme>
+    <a:fontScheme name="Office 테마">
+      <a:majorFont>
+        <a:latin typeface="Calibri Light" panose="020F0302020204030204"/>
+        <a:ea typeface=""/>
+        <a:cs typeface=""/>
+        <a:font script="Jpan" typeface="游ゴシック Light"/>
+        <a:font script="Hang" typeface="맑은 고딕"/>
+        <a:font script="Hans" typeface="等线 Light"/>
+        <a:font script="Hant" typeface="新細明體"/>
+        <a:font script="Arab" typeface="Times New Roman"/>
+        <a:font script="Hebr" typeface="Times New Roman"/>
+        <a:font script="Thai" typeface="Angsana New"/>
+        <a:font script="Ethi" typeface="Nyala"/>
+        <a:font script="Beng" typeface="Vrinda"/>
+        <a:font script="Gujr" typeface="Shruti"/>
+        <a:font script="Khmr" typeface="MoolBoran"/>
+        <a:font script="Knda" typeface="Tunga"/>
+        <a:font script="Guru" typeface="Raavi"/>
+        <a:font script="Cans" typeface="Euphemia"/>
+        <a:font script="Cher" typeface="Plantagenet Cherokee"/>
+        <a:font script="Yiii" typeface="Microsoft Yi Baiti"/>
+        <a:font script="Tibt" typeface="Microsoft Himalaya"/>
+        <a:font script="Thaa" typeface="MV Boli"/>
+        <a:font script="Deva" typeface="Mangal"/>
+        <a:font script="Telu" typeface="Gautami"/>
+        <a:font script="Taml" typeface="Latha"/>
+        <a:font script="Syrc" typeface="Estrangelo Edessa"/>
+        <a:font script="Orya" typeface="Kalinga"/>
+        <a:font script="Mlym" typeface="Kartika"/>
+        <a:font script="Laoo" typeface="DokChampa"/>
+        <a:font script="Sinh" typeface="Iskoola Pota"/>
+        <a:font script="Mong" typeface="Mongolian Baiti"/>
+        <a:font script="Viet" typeface="Times New Roman"/>
+        <a:font script="Uigh" typeface="Microsoft Uighur"/>
+        <a:font script="Geor" typeface="Sylfaen"/>
+      </a:majorFont>
+      <a:minorFont>
+        <a:latin typeface="Calibri" panose="020F0502020204030204"/>
+        <a:ea typeface=""/>
+        <a:cs typeface=""/>
+        <a:font script="Jpan" typeface="游ゴシック"/>
+        <a:font script="Hang" typeface="맑은 고딕"/>
+        <a:font script="Hans" typeface="等线"/>
+        <a:font script="Hant" typeface="新細明體"/>
+        <a:font script="Arab" typeface="Arial"/>
+        <a:font script="Hebr" typeface="Arial"/>
+        <a:font script="Thai" typeface="Cordia New"/>
+        <a:font script="Ethi" typeface="Nyala"/>
+        <a:font script="Beng" typeface="Vrinda"/>
+        <a:font script="Gujr" typeface="Shruti"/>
+        <a:font script="Khmr" typeface="DaunPenh"/>
+        <a:font script="Knda" typeface="Tunga"/>
+        <a:font script="Guru" typeface="Raavi"/>
+        <a:font script="Cans" typeface="Euphemia"/>
+        <a:font script="Cher" typeface="Plantagenet Cherokee"/>
+        <a:font script="Yiii" typeface="Microsoft Yi Baiti"/>
+        <a:font script="Tibt" typeface="Microsoft Himalaya"/>
+        <a:font script="Thaa" typeface="MV Boli"/>
+        <a:font script="Deva" typeface="Mangal"/>
+        <a:font script="Telu" typeface="Gautami"/>
+        <a:font script="Taml" typeface="Latha"/>
+        <a:font script="Syrc" typeface="Estrangelo Edessa"/>
+        <a:font script="Orya" typeface="Kalinga"/>
+        <a:font script="Mlym" typeface="Kartika"/>
+        <a:font script="Laoo" typeface="DokChampa"/>
+        <a:font script="Sinh" typeface="Iskoola Pota"/>
+        <a:font script="Mong" typeface="Mongolian Baiti"/>
+        <a:font script="Viet" typeface="Arial"/>
+        <a:font script="Uigh" typeface="Microsoft Uighur"/>
+        <a:font script="Geor" typeface="Sylfaen"/>
+      </a:minorFont>
+    </a:fontScheme>
+    <a:fmtScheme name="Office 테마">
+      <a:fillStyleLst>
+        <a:solidFill>
+          <a:schemeClr val="phClr"/>
+        </a:solidFill>
+        <a:gradFill rotWithShape="1">
+          <a:gsLst>
+            <a:gs pos="0">
+              <a:schemeClr val="phClr">
+                <a:lumMod val="110000"/>
+                <a:satMod val="105000"/>
+                <a:tint val="67000"/>
+              </a:schemeClr>
+            </a:gs>
+            <a:gs pos="50000">
+              <a:schemeClr val="phClr">
+                <a:lumMod val="105000"/>
+                <a:satMod val="103000"/>
+                <a:tint val="73000"/>
+              </a:schemeClr>
+            </a:gs>
+            <a:gs pos="100000">
+              <a:schemeClr val="phClr">
+                <a:lumMod val="105000"/>
+                <a:satMod val="109000"/>
+                <a:tint val="81000"/>
+              </a:schemeClr>
+            </a:gs>
+          </a:gsLst>
+          <a:lin ang="5400000" scaled="0"/>
+        </a:gradFill>
+        <a:gradFill rotWithShape="1">
+          <a:gsLst>
+            <a:gs pos="0">
+              <a:schemeClr val="phClr">
+                <a:satMod val="103000"/>
+                <a:lumMod val="102000"/>
+                <a:tint val="94000"/>
+              </a:schemeClr>
+            </a:gs>
+            <a:gs pos="50000">
+              <a:schemeClr val="phClr">
+                <a:satMod val="110000"/>
+                <a:lumMod val="100000"/>
+                <a:shade val="100000"/>
+              </a:schemeClr>
+            </a:gs>
+            <a:gs pos="100000">
+              <a:schemeClr val="phClr">
+                <a:lumMod val="99000"/>
+                <a:satMod val="120000"/>
+                <a:shade val="78000"/>
+              </a:schemeClr>
+            </a:gs>
+          </a:gsLst>
+          <a:lin ang="5400000" scaled="0"/>
+        </a:gradFill>
+      </a:fillStyleLst>
+      <a:lnStyleLst>
+        <a:ln w="6350" cap="flat" cmpd="sng" algn="ctr">
+          <a:solidFill>
+            <a:schemeClr val="phClr"/>
+          </a:solidFill>
+          <a:prstDash val="solid"/>
+          <a:miter lim="800000"/>
+        </a:ln>
+        <a:ln w="12700" cap="flat" cmpd="sng" algn="ctr">
+          <a:solidFill>
+            <a:schemeClr val="phClr"/>
+          </a:solidFill>
+          <a:prstDash val="solid"/>
+          <a:miter lim="800000"/>
+        </a:ln>
+        <a:ln w="19050" cap="flat" cmpd="sng" algn="ctr">
+          <a:solidFill>
+            <a:schemeClr val="phClr"/>
+          </a:solidFill>
+          <a:prstDash val="solid"/>
+          <a:miter lim="800000"/>
+        </a:ln>
+      </a:lnStyleLst>
+      <a:effectStyleLst>
+        <a:effectStyle>
+          <a:effectLst/>
+        </a:effectStyle>
+        <a:effectStyle>
+          <a:effectLst/>
+        </a:effectStyle>
+        <a:effectStyle>
+          <a:effectLst>
+            <a:outerShdw blurRad="57150" dist="19050" dir="5400000" algn="ctr" rotWithShape="0">
+              <a:srgbClr val="000000">
+                <a:alpha val="63000"/>
+              </a:srgbClr>
+            </a:outerShdw>
+          </a:effectLst>
+        </a:effectStyle>
+      </a:effectStyleLst>
+      <a:bgFillStyleLst>
+        <a:solidFill>
+          <a:schemeClr val="phClr"/>
+        </a:solidFill>
+        <a:solidFill>
+          <a:schemeClr val="phClr">
+            <a:tint val="95000"/>
+            <a:satMod val="170000"/>
+          </a:schemeClr>
+        </a:solidFill>
+        <a:gradFill rotWithShape="1">
+          <a:gsLst>
+            <a:gs pos="0">
+              <a:schemeClr val="phClr">
+                <a:tint val="93000"/>
+                <a:satMod val="150000"/>
+                <a:shade val="98000"/>
+                <a:lumMod val="102000"/>
+              </a:schemeClr>
+            </a:gs>
+            <a:gs pos="50000">
+              <a:schemeClr val="phClr">
+                <a:tint val="98000"/>
+                <a:satMod val="130000"/>
+                <a:shade val="90000"/>
+                <a:lumMod val="103000"/>
+              </a:schemeClr>
+            </a:gs>
+            <a:gs pos="100000">
+              <a:schemeClr val="phClr">
+                <a:shade val="63000"/>
+                <a:satMod val="120000"/>
+              </a:schemeClr>
+            </a:gs>
+          </a:gsLst>
+          <a:lin ang="5400000" scaled="0"/>
+        </a:gradFill>
+      </a:bgFillStyleLst>
+    </a:fmtScheme>
+  </a:themeElements>
+  <a:objectDefaults/>
+  <a:extraClrSchemeLst/>
+  <a:extLst>
+    <a:ext uri="{05A4C25C-085E-4340-85A3-A5531E510DB2}">
+      <thm15:themeFamily xmlns:thm15="http://schemas.microsoft.com/office/thememl/2012/main" name="Office Theme" id="{62F939B6-93AF-4DB8-9C6B-D6C7DFDC589F}" vid="{4A3C46E8-61CC-4603-A589-7422A47A8E4A}"/>
+    </a:ext>
+  </a:extLst>
+</a:theme>
+</file>
+
+<file path=ppt/theme/theme2.xml><?xml version="1.0" encoding="utf-8"?>
 <a:theme xmlns:a="http://schemas.openxmlformats.org/drawingml/2006/main" name="Office 테마">
   <a:themeElements>
     <a:clrScheme name="Office">
